--- a/mockups/SonicWaveMockup.pptx
+++ b/mockups/SonicWaveMockup.pptx
@@ -222,7 +222,7 @@
           <a:p>
             <a:fld id="{0E757DC4-2315-4FE9-87C1-E5FAB21BBA1E}" type="datetimeFigureOut">
               <a:rPr lang="de-CH" smtClean="0"/>
-              <a:t>25.06.2025</a:t>
+              <a:t>24.07.2025</a:t>
             </a:fld>
             <a:endParaRPr lang="de-CH"/>
           </a:p>
@@ -2976,7 +2976,7 @@
           <a:p>
             <a:fld id="{8043C726-E4AC-4898-A7DA-106D25D4B538}" type="datetimeFigureOut">
               <a:rPr lang="de-CH" smtClean="0"/>
-              <a:t>25.06.2025</a:t>
+              <a:t>24.07.2025</a:t>
             </a:fld>
             <a:endParaRPr lang="de-CH"/>
           </a:p>
@@ -3176,7 +3176,7 @@
           <a:p>
             <a:fld id="{8043C726-E4AC-4898-A7DA-106D25D4B538}" type="datetimeFigureOut">
               <a:rPr lang="de-CH" smtClean="0"/>
-              <a:t>25.06.2025</a:t>
+              <a:t>24.07.2025</a:t>
             </a:fld>
             <a:endParaRPr lang="de-CH"/>
           </a:p>
@@ -3386,7 +3386,7 @@
           <a:p>
             <a:fld id="{8043C726-E4AC-4898-A7DA-106D25D4B538}" type="datetimeFigureOut">
               <a:rPr lang="de-CH" smtClean="0"/>
-              <a:t>25.06.2025</a:t>
+              <a:t>24.07.2025</a:t>
             </a:fld>
             <a:endParaRPr lang="de-CH"/>
           </a:p>
@@ -3586,7 +3586,7 @@
           <a:p>
             <a:fld id="{8043C726-E4AC-4898-A7DA-106D25D4B538}" type="datetimeFigureOut">
               <a:rPr lang="de-CH" smtClean="0"/>
-              <a:t>25.06.2025</a:t>
+              <a:t>24.07.2025</a:t>
             </a:fld>
             <a:endParaRPr lang="de-CH"/>
           </a:p>
@@ -3862,7 +3862,7 @@
           <a:p>
             <a:fld id="{8043C726-E4AC-4898-A7DA-106D25D4B538}" type="datetimeFigureOut">
               <a:rPr lang="de-CH" smtClean="0"/>
-              <a:t>25.06.2025</a:t>
+              <a:t>24.07.2025</a:t>
             </a:fld>
             <a:endParaRPr lang="de-CH"/>
           </a:p>
@@ -4130,7 +4130,7 @@
           <a:p>
             <a:fld id="{8043C726-E4AC-4898-A7DA-106D25D4B538}" type="datetimeFigureOut">
               <a:rPr lang="de-CH" smtClean="0"/>
-              <a:t>25.06.2025</a:t>
+              <a:t>24.07.2025</a:t>
             </a:fld>
             <a:endParaRPr lang="de-CH"/>
           </a:p>
@@ -4545,7 +4545,7 @@
           <a:p>
             <a:fld id="{8043C726-E4AC-4898-A7DA-106D25D4B538}" type="datetimeFigureOut">
               <a:rPr lang="de-CH" smtClean="0"/>
-              <a:t>25.06.2025</a:t>
+              <a:t>24.07.2025</a:t>
             </a:fld>
             <a:endParaRPr lang="de-CH"/>
           </a:p>
@@ -4687,7 +4687,7 @@
           <a:p>
             <a:fld id="{8043C726-E4AC-4898-A7DA-106D25D4B538}" type="datetimeFigureOut">
               <a:rPr lang="de-CH" smtClean="0"/>
-              <a:t>25.06.2025</a:t>
+              <a:t>24.07.2025</a:t>
             </a:fld>
             <a:endParaRPr lang="de-CH"/>
           </a:p>
@@ -4800,7 +4800,7 @@
           <a:p>
             <a:fld id="{8043C726-E4AC-4898-A7DA-106D25D4B538}" type="datetimeFigureOut">
               <a:rPr lang="de-CH" smtClean="0"/>
-              <a:t>25.06.2025</a:t>
+              <a:t>24.07.2025</a:t>
             </a:fld>
             <a:endParaRPr lang="de-CH"/>
           </a:p>
@@ -5113,7 +5113,7 @@
           <a:p>
             <a:fld id="{8043C726-E4AC-4898-A7DA-106D25D4B538}" type="datetimeFigureOut">
               <a:rPr lang="de-CH" smtClean="0"/>
-              <a:t>25.06.2025</a:t>
+              <a:t>24.07.2025</a:t>
             </a:fld>
             <a:endParaRPr lang="de-CH"/>
           </a:p>
@@ -5402,7 +5402,7 @@
           <a:p>
             <a:fld id="{8043C726-E4AC-4898-A7DA-106D25D4B538}" type="datetimeFigureOut">
               <a:rPr lang="de-CH" smtClean="0"/>
-              <a:t>25.06.2025</a:t>
+              <a:t>24.07.2025</a:t>
             </a:fld>
             <a:endParaRPr lang="de-CH"/>
           </a:p>
@@ -5645,7 +5645,7 @@
           <a:p>
             <a:fld id="{8043C726-E4AC-4898-A7DA-106D25D4B538}" type="datetimeFigureOut">
               <a:rPr lang="de-CH" smtClean="0"/>
-              <a:t>25.06.2025</a:t>
+              <a:t>24.07.2025</a:t>
             </a:fld>
             <a:endParaRPr lang="de-CH"/>
           </a:p>
@@ -9159,7 +9159,7 @@
         </p:blipFill>
         <p:spPr>
           <a:xfrm>
-            <a:off x="806970" y="863133"/>
+            <a:off x="806970" y="1317333"/>
             <a:ext cx="1379970" cy="1379970"/>
           </a:xfrm>
           <a:prstGeom prst="roundRect">
@@ -9183,8 +9183,8 @@
         </p:nvSpPr>
         <p:spPr>
           <a:xfrm>
-            <a:off x="2179320" y="1553118"/>
-            <a:ext cx="8316842" cy="707886"/>
+            <a:off x="2185237" y="1752401"/>
+            <a:ext cx="8316842" cy="830997"/>
           </a:xfrm>
           <a:prstGeom prst="rect">
             <a:avLst/>
@@ -9198,7 +9198,7 @@
           <a:lstStyle/>
           <a:p>
             <a:r>
-              <a:rPr lang="en-US" sz="4000" b="1" noProof="0" dirty="0">
+              <a:rPr lang="en-US" sz="4800" b="1" noProof="0" dirty="0">
                 <a:solidFill>
                   <a:schemeClr val="bg1"/>
                 </a:solidFill>
@@ -9223,7 +9223,7 @@
         </p:nvSpPr>
         <p:spPr>
           <a:xfrm>
-            <a:off x="2202180" y="918229"/>
+            <a:off x="2202180" y="1372429"/>
             <a:ext cx="1328220" cy="307777"/>
           </a:xfrm>
           <a:prstGeom prst="rect">
@@ -9263,7 +9263,7 @@
         </p:nvSpPr>
         <p:spPr>
           <a:xfrm>
-            <a:off x="10863780" y="925035"/>
+            <a:off x="10863780" y="1379235"/>
             <a:ext cx="1328220" cy="307777"/>
           </a:xfrm>
           <a:prstGeom prst="rect">
@@ -9303,7 +9303,7 @@
         </p:nvSpPr>
         <p:spPr>
           <a:xfrm>
-            <a:off x="1646299" y="3231681"/>
+            <a:off x="1646299" y="3685881"/>
             <a:ext cx="1350809" cy="276999"/>
           </a:xfrm>
           <a:prstGeom prst="rect">
@@ -9357,7 +9357,7 @@
         </p:blipFill>
         <p:spPr>
           <a:xfrm>
-            <a:off x="960099" y="3139349"/>
+            <a:off x="960099" y="3593549"/>
             <a:ext cx="461665" cy="461665"/>
           </a:xfrm>
           <a:prstGeom prst="roundRect">
@@ -9381,7 +9381,7 @@
         </p:nvSpPr>
         <p:spPr>
           <a:xfrm>
-            <a:off x="4229181" y="3231681"/>
+            <a:off x="4229181" y="3685881"/>
             <a:ext cx="637156" cy="276999"/>
           </a:xfrm>
           <a:prstGeom prst="rect">
@@ -9421,7 +9421,7 @@
         </p:nvSpPr>
         <p:spPr>
           <a:xfrm>
-            <a:off x="8653975" y="3231681"/>
+            <a:off x="8653975" y="3685881"/>
             <a:ext cx="584911" cy="276999"/>
           </a:xfrm>
           <a:prstGeom prst="rect">
@@ -9461,7 +9461,7 @@
         </p:nvSpPr>
         <p:spPr>
           <a:xfrm>
-            <a:off x="6357003" y="3231681"/>
+            <a:off x="6357003" y="3685881"/>
             <a:ext cx="584911" cy="276999"/>
           </a:xfrm>
           <a:prstGeom prst="rect">
@@ -9516,7 +9516,7 @@
         </p:blipFill>
         <p:spPr bwMode="auto">
           <a:xfrm>
-            <a:off x="11578407" y="3228128"/>
+            <a:off x="11578407" y="3682328"/>
             <a:ext cx="260064" cy="260064"/>
           </a:xfrm>
           <a:prstGeom prst="rect">
@@ -9563,7 +9563,7 @@
         </p:blipFill>
         <p:spPr bwMode="auto">
           <a:xfrm>
-            <a:off x="11257969" y="3224245"/>
+            <a:off x="11257969" y="3678445"/>
             <a:ext cx="260064" cy="260064"/>
           </a:xfrm>
           <a:prstGeom prst="rect">
@@ -9610,7 +9610,7 @@
         </p:blipFill>
         <p:spPr bwMode="auto">
           <a:xfrm>
-            <a:off x="10920596" y="3228128"/>
+            <a:off x="10920596" y="3682328"/>
             <a:ext cx="276999" cy="276999"/>
           </a:xfrm>
           <a:prstGeom prst="rect">
@@ -9642,7 +9642,7 @@
         </p:nvSpPr>
         <p:spPr>
           <a:xfrm>
-            <a:off x="1646299" y="4059189"/>
+            <a:off x="1646299" y="4513389"/>
             <a:ext cx="1350809" cy="276999"/>
           </a:xfrm>
           <a:prstGeom prst="rect">
@@ -9696,7 +9696,7 @@
         </p:blipFill>
         <p:spPr>
           <a:xfrm>
-            <a:off x="960099" y="3966857"/>
+            <a:off x="960099" y="4421057"/>
             <a:ext cx="461665" cy="461665"/>
           </a:xfrm>
           <a:prstGeom prst="roundRect">
@@ -9720,7 +9720,7 @@
         </p:nvSpPr>
         <p:spPr>
           <a:xfrm>
-            <a:off x="4229181" y="4059189"/>
+            <a:off x="4229181" y="4513389"/>
             <a:ext cx="637156" cy="276999"/>
           </a:xfrm>
           <a:prstGeom prst="rect">
@@ -9760,7 +9760,7 @@
         </p:nvSpPr>
         <p:spPr>
           <a:xfrm>
-            <a:off x="8653975" y="4059189"/>
+            <a:off x="8653975" y="4513389"/>
             <a:ext cx="584911" cy="276999"/>
           </a:xfrm>
           <a:prstGeom prst="rect">
@@ -9800,7 +9800,7 @@
         </p:nvSpPr>
         <p:spPr>
           <a:xfrm>
-            <a:off x="6357003" y="4059189"/>
+            <a:off x="6357003" y="4513389"/>
             <a:ext cx="584911" cy="276999"/>
           </a:xfrm>
           <a:prstGeom prst="rect">
@@ -9855,7 +9855,7 @@
         </p:blipFill>
         <p:spPr bwMode="auto">
           <a:xfrm>
-            <a:off x="11578407" y="4055636"/>
+            <a:off x="11578407" y="4509836"/>
             <a:ext cx="260064" cy="260064"/>
           </a:xfrm>
           <a:prstGeom prst="rect">
@@ -9902,7 +9902,7 @@
         </p:blipFill>
         <p:spPr bwMode="auto">
           <a:xfrm>
-            <a:off x="11257969" y="4051753"/>
+            <a:off x="11257969" y="4505953"/>
             <a:ext cx="260064" cy="260064"/>
           </a:xfrm>
           <a:prstGeom prst="rect">
@@ -9949,7 +9949,7 @@
         </p:blipFill>
         <p:spPr bwMode="auto">
           <a:xfrm>
-            <a:off x="10920596" y="4055636"/>
+            <a:off x="10920596" y="4509836"/>
             <a:ext cx="276999" cy="276999"/>
           </a:xfrm>
           <a:prstGeom prst="rect">
@@ -9981,7 +9981,7 @@
         </p:nvSpPr>
         <p:spPr>
           <a:xfrm>
-            <a:off x="1646299" y="4827436"/>
+            <a:off x="1646299" y="5281636"/>
             <a:ext cx="1350809" cy="276999"/>
           </a:xfrm>
           <a:prstGeom prst="rect">
@@ -10035,7 +10035,7 @@
         </p:blipFill>
         <p:spPr>
           <a:xfrm>
-            <a:off x="960099" y="4735104"/>
+            <a:off x="960099" y="5189304"/>
             <a:ext cx="461665" cy="461665"/>
           </a:xfrm>
           <a:prstGeom prst="roundRect">
@@ -10059,7 +10059,7 @@
         </p:nvSpPr>
         <p:spPr>
           <a:xfrm>
-            <a:off x="4229181" y="4827436"/>
+            <a:off x="4229181" y="5281636"/>
             <a:ext cx="637156" cy="276999"/>
           </a:xfrm>
           <a:prstGeom prst="rect">
@@ -10099,7 +10099,7 @@
         </p:nvSpPr>
         <p:spPr>
           <a:xfrm>
-            <a:off x="8653975" y="4827436"/>
+            <a:off x="8653975" y="5281636"/>
             <a:ext cx="584911" cy="276999"/>
           </a:xfrm>
           <a:prstGeom prst="rect">
@@ -10139,7 +10139,7 @@
         </p:nvSpPr>
         <p:spPr>
           <a:xfrm>
-            <a:off x="6357003" y="4827436"/>
+            <a:off x="6357003" y="5281636"/>
             <a:ext cx="584911" cy="276999"/>
           </a:xfrm>
           <a:prstGeom prst="rect">
@@ -10194,7 +10194,7 @@
         </p:blipFill>
         <p:spPr bwMode="auto">
           <a:xfrm>
-            <a:off x="11578407" y="4823883"/>
+            <a:off x="11578407" y="5278083"/>
             <a:ext cx="260064" cy="260064"/>
           </a:xfrm>
           <a:prstGeom prst="rect">
@@ -10241,7 +10241,7 @@
         </p:blipFill>
         <p:spPr bwMode="auto">
           <a:xfrm>
-            <a:off x="11257969" y="4820000"/>
+            <a:off x="11257969" y="5274200"/>
             <a:ext cx="260064" cy="260064"/>
           </a:xfrm>
           <a:prstGeom prst="rect">
@@ -10288,7 +10288,7 @@
         </p:blipFill>
         <p:spPr bwMode="auto">
           <a:xfrm>
-            <a:off x="10920596" y="4823883"/>
+            <a:off x="10920596" y="5278083"/>
             <a:ext cx="276999" cy="276999"/>
           </a:xfrm>
           <a:prstGeom prst="rect">
@@ -10320,7 +10320,7 @@
         </p:nvSpPr>
         <p:spPr>
           <a:xfrm>
-            <a:off x="1646299" y="5592129"/>
+            <a:off x="1646299" y="6046329"/>
             <a:ext cx="1350809" cy="276999"/>
           </a:xfrm>
           <a:prstGeom prst="rect">
@@ -10374,7 +10374,7 @@
         </p:blipFill>
         <p:spPr>
           <a:xfrm>
-            <a:off x="960099" y="5499797"/>
+            <a:off x="960099" y="5953997"/>
             <a:ext cx="461665" cy="461665"/>
           </a:xfrm>
           <a:prstGeom prst="roundRect">
@@ -10398,7 +10398,7 @@
         </p:nvSpPr>
         <p:spPr>
           <a:xfrm>
-            <a:off x="4229181" y="5592129"/>
+            <a:off x="4229181" y="6046329"/>
             <a:ext cx="637156" cy="276999"/>
           </a:xfrm>
           <a:prstGeom prst="rect">
@@ -10438,7 +10438,7 @@
         </p:nvSpPr>
         <p:spPr>
           <a:xfrm>
-            <a:off x="8653975" y="5592129"/>
+            <a:off x="8653975" y="6046329"/>
             <a:ext cx="584911" cy="276999"/>
           </a:xfrm>
           <a:prstGeom prst="rect">
@@ -10478,7 +10478,7 @@
         </p:nvSpPr>
         <p:spPr>
           <a:xfrm>
-            <a:off x="6357003" y="5592129"/>
+            <a:off x="6357003" y="6046329"/>
             <a:ext cx="584911" cy="276999"/>
           </a:xfrm>
           <a:prstGeom prst="rect">
@@ -10533,7 +10533,7 @@
         </p:blipFill>
         <p:spPr bwMode="auto">
           <a:xfrm>
-            <a:off x="11578407" y="5588576"/>
+            <a:off x="11578407" y="6042776"/>
             <a:ext cx="260064" cy="260064"/>
           </a:xfrm>
           <a:prstGeom prst="rect">
@@ -10580,7 +10580,7 @@
         </p:blipFill>
         <p:spPr bwMode="auto">
           <a:xfrm>
-            <a:off x="11257969" y="5584693"/>
+            <a:off x="11257969" y="6038893"/>
             <a:ext cx="260064" cy="260064"/>
           </a:xfrm>
           <a:prstGeom prst="rect">
@@ -10627,7 +10627,7 @@
         </p:blipFill>
         <p:spPr bwMode="auto">
           <a:xfrm>
-            <a:off x="10920596" y="5588576"/>
+            <a:off x="10920596" y="6042776"/>
             <a:ext cx="276999" cy="276999"/>
           </a:xfrm>
           <a:prstGeom prst="rect">
@@ -10645,210 +10645,12 @@
           </a:extLst>
         </p:spPr>
       </p:pic>
-      <p:sp>
-        <p:nvSpPr>
-          <p:cNvPr id="4122" name="TextBox 5126">
-            <a:extLst>
-              <a:ext uri="{FF2B5EF4-FFF2-40B4-BE49-F238E27FC236}">
-                <a16:creationId xmlns:a16="http://schemas.microsoft.com/office/drawing/2014/main" id="{205650DD-3B1C-4D1A-0519-6AE835FF3136}"/>
-              </a:ext>
-            </a:extLst>
-          </p:cNvPr>
-          <p:cNvSpPr txBox="1"/>
-          <p:nvPr/>
-        </p:nvSpPr>
-        <p:spPr>
-          <a:xfrm>
-            <a:off x="1646299" y="6356981"/>
-            <a:ext cx="1350809" cy="276999"/>
-          </a:xfrm>
-          <a:prstGeom prst="rect">
-            <a:avLst/>
-          </a:prstGeom>
-          <a:noFill/>
-        </p:spPr>
-        <p:txBody>
-          <a:bodyPr wrap="square" rtlCol="0">
-            <a:spAutoFit/>
-          </a:bodyPr>
-          <a:lstStyle/>
-          <a:p>
-            <a:r>
-              <a:rPr lang="en-US" sz="1200" b="1" noProof="0" dirty="0">
-                <a:solidFill>
-                  <a:schemeClr val="bg1"/>
-                </a:solidFill>
-                <a:latin typeface="Montserrat" panose="00000500000000000000" pitchFamily="2" charset="0"/>
-              </a:rPr>
-              <a:t>Sonic Blaster</a:t>
-            </a:r>
-          </a:p>
-        </p:txBody>
-      </p:sp>
       <p:pic>
         <p:nvPicPr>
-          <p:cNvPr id="4123" name="Picture 5128" descr="A purple and white background with text&#10;&#10;AI-generated content may be incorrect.">
-            <a:extLst>
-              <a:ext uri="{FF2B5EF4-FFF2-40B4-BE49-F238E27FC236}">
-                <a16:creationId xmlns:a16="http://schemas.microsoft.com/office/drawing/2014/main" id="{2078ABC0-0787-BACA-A8B4-5DDDBD5C8D39}"/>
-              </a:ext>
-            </a:extLst>
-          </p:cNvPr>
-          <p:cNvPicPr>
-            <a:picLocks noChangeAspect="1"/>
-          </p:cNvPicPr>
-          <p:nvPr/>
-        </p:nvPicPr>
-        <p:blipFill>
-          <a:blip r:embed="rId12">
-            <a:extLst>
-              <a:ext uri="{28A0092B-C50C-407E-A947-70E740481C1C}">
-                <a14:useLocalDpi xmlns:a14="http://schemas.microsoft.com/office/drawing/2010/main" val="0"/>
-              </a:ext>
-            </a:extLst>
-          </a:blip>
-          <a:stretch>
-            <a:fillRect/>
-          </a:stretch>
-        </p:blipFill>
-        <p:spPr>
-          <a:xfrm>
-            <a:off x="960099" y="6264649"/>
-            <a:ext cx="461665" cy="461665"/>
-          </a:xfrm>
-          <a:prstGeom prst="roundRect">
-            <a:avLst>
-              <a:gd name="adj" fmla="val 4006"/>
-            </a:avLst>
-          </a:prstGeom>
-        </p:spPr>
-      </p:pic>
-      <p:sp>
-        <p:nvSpPr>
-          <p:cNvPr id="4124" name="TextBox 5130">
-            <a:extLst>
-              <a:ext uri="{FF2B5EF4-FFF2-40B4-BE49-F238E27FC236}">
-                <a16:creationId xmlns:a16="http://schemas.microsoft.com/office/drawing/2014/main" id="{3E1D4AC9-3087-FA6C-E262-9D589CBC5FA9}"/>
-              </a:ext>
-            </a:extLst>
-          </p:cNvPr>
-          <p:cNvSpPr txBox="1"/>
-          <p:nvPr/>
-        </p:nvSpPr>
-        <p:spPr>
-          <a:xfrm>
-            <a:off x="4229181" y="6356981"/>
-            <a:ext cx="637156" cy="276999"/>
-          </a:xfrm>
-          <a:prstGeom prst="rect">
-            <a:avLst/>
-          </a:prstGeom>
-          <a:noFill/>
-        </p:spPr>
-        <p:txBody>
-          <a:bodyPr wrap="square" rtlCol="0">
-            <a:spAutoFit/>
-          </a:bodyPr>
-          <a:lstStyle/>
-          <a:p>
-            <a:r>
-              <a:rPr lang="en-US" sz="1200" noProof="0" dirty="0">
-                <a:solidFill>
-                  <a:schemeClr val="bg1"/>
-                </a:solidFill>
-                <a:latin typeface="Montserrat" panose="00000500000000000000" pitchFamily="2" charset="0"/>
-              </a:rPr>
-              <a:t>F-777</a:t>
-            </a:r>
-          </a:p>
-        </p:txBody>
-      </p:sp>
-      <p:sp>
-        <p:nvSpPr>
-          <p:cNvPr id="4125" name="TextBox 5131">
-            <a:extLst>
-              <a:ext uri="{FF2B5EF4-FFF2-40B4-BE49-F238E27FC236}">
-                <a16:creationId xmlns:a16="http://schemas.microsoft.com/office/drawing/2014/main" id="{11D82FD0-D8EC-15C7-41A9-F2E8E5775339}"/>
-              </a:ext>
-            </a:extLst>
-          </p:cNvPr>
-          <p:cNvSpPr txBox="1"/>
-          <p:nvPr/>
-        </p:nvSpPr>
-        <p:spPr>
-          <a:xfrm>
-            <a:off x="8653975" y="6356981"/>
-            <a:ext cx="584911" cy="276999"/>
-          </a:xfrm>
-          <a:prstGeom prst="rect">
-            <a:avLst/>
-          </a:prstGeom>
-          <a:noFill/>
-        </p:spPr>
-        <p:txBody>
-          <a:bodyPr wrap="square" rtlCol="0">
-            <a:spAutoFit/>
-          </a:bodyPr>
-          <a:lstStyle/>
-          <a:p>
-            <a:r>
-              <a:rPr lang="en-US" sz="1200" noProof="0" dirty="0">
-                <a:solidFill>
-                  <a:schemeClr val="bg1"/>
-                </a:solidFill>
-                <a:latin typeface="Montserrat" panose="00000500000000000000" pitchFamily="2" charset="0"/>
-              </a:rPr>
-              <a:t> 3:02</a:t>
-            </a:r>
-          </a:p>
-        </p:txBody>
-      </p:sp>
-      <p:sp>
-        <p:nvSpPr>
-          <p:cNvPr id="4126" name="TextBox 5132">
-            <a:extLst>
-              <a:ext uri="{FF2B5EF4-FFF2-40B4-BE49-F238E27FC236}">
-                <a16:creationId xmlns:a16="http://schemas.microsoft.com/office/drawing/2014/main" id="{98200332-43E2-16AE-F67D-21DA13705F05}"/>
-              </a:ext>
-            </a:extLst>
-          </p:cNvPr>
-          <p:cNvSpPr txBox="1"/>
-          <p:nvPr/>
-        </p:nvSpPr>
-        <p:spPr>
-          <a:xfrm>
-            <a:off x="6357003" y="6356981"/>
-            <a:ext cx="584911" cy="276999"/>
-          </a:xfrm>
-          <a:prstGeom prst="rect">
-            <a:avLst/>
-          </a:prstGeom>
-          <a:noFill/>
-        </p:spPr>
-        <p:txBody>
-          <a:bodyPr wrap="square" rtlCol="0">
-            <a:spAutoFit/>
-          </a:bodyPr>
-          <a:lstStyle/>
-          <a:p>
-            <a:r>
-              <a:rPr lang="en-US" sz="1200" noProof="0" dirty="0">
-                <a:solidFill>
-                  <a:schemeClr val="bg1"/>
-                </a:solidFill>
-                <a:latin typeface="Montserrat" panose="00000500000000000000" pitchFamily="2" charset="0"/>
-              </a:rPr>
-              <a:t> 2014</a:t>
-            </a:r>
-          </a:p>
-        </p:txBody>
-      </p:sp>
-      <p:pic>
-        <p:nvPicPr>
-          <p:cNvPr id="4127" name="Picture 4">
-            <a:extLst>
-              <a:ext uri="{FF2B5EF4-FFF2-40B4-BE49-F238E27FC236}">
-                <a16:creationId xmlns:a16="http://schemas.microsoft.com/office/drawing/2014/main" id="{F1C0CD75-D3E4-5B1D-F46A-D4B7A40D816B}"/>
+          <p:cNvPr id="4139" name="Picture 2">
+            <a:extLst>
+              <a:ext uri="{FF2B5EF4-FFF2-40B4-BE49-F238E27FC236}">
+                <a16:creationId xmlns:a16="http://schemas.microsoft.com/office/drawing/2014/main" id="{08CB738D-AC41-B2F4-01D3-DB00FA4D229A}"/>
               </a:ext>
             </a:extLst>
           </p:cNvPr>
@@ -10858,7 +10660,7 @@
           <p:nvPr/>
         </p:nvPicPr>
         <p:blipFill>
-          <a:blip r:embed="rId13">
+          <a:blip r:embed="rId16">
             <a:extLst>
               <a:ext uri="{28A0092B-C50C-407E-A947-70E740481C1C}">
                 <a14:useLocalDpi xmlns:a14="http://schemas.microsoft.com/office/drawing/2010/main" val="0"/>
@@ -10872,8 +10674,8 @@
         </p:blipFill>
         <p:spPr bwMode="auto">
           <a:xfrm>
-            <a:off x="11578407" y="6353428"/>
-            <a:ext cx="260064" cy="260064"/>
+            <a:off x="10061094" y="3686079"/>
+            <a:ext cx="276998" cy="276998"/>
           </a:xfrm>
           <a:prstGeom prst="rect">
             <a:avLst/>
@@ -10892,10 +10694,10 @@
       </p:pic>
       <p:pic>
         <p:nvPicPr>
-          <p:cNvPr id="4128" name="Picture 6">
-            <a:extLst>
-              <a:ext uri="{FF2B5EF4-FFF2-40B4-BE49-F238E27FC236}">
-                <a16:creationId xmlns:a16="http://schemas.microsoft.com/office/drawing/2014/main" id="{46D0C8EC-45F9-8E0B-E0A5-877C4032B34C}"/>
+          <p:cNvPr id="4140" name="Picture 2">
+            <a:extLst>
+              <a:ext uri="{FF2B5EF4-FFF2-40B4-BE49-F238E27FC236}">
+                <a16:creationId xmlns:a16="http://schemas.microsoft.com/office/drawing/2014/main" id="{CE6334DE-FA4D-51C1-A5A9-2ADAC3F353BF}"/>
               </a:ext>
             </a:extLst>
           </p:cNvPr>
@@ -10905,7 +10707,7 @@
           <p:nvPr/>
         </p:nvPicPr>
         <p:blipFill>
-          <a:blip r:embed="rId14">
+          <a:blip r:embed="rId16">
             <a:extLst>
               <a:ext uri="{28A0092B-C50C-407E-A947-70E740481C1C}">
                 <a14:useLocalDpi xmlns:a14="http://schemas.microsoft.com/office/drawing/2010/main" val="0"/>
@@ -10919,8 +10721,8 @@
         </p:blipFill>
         <p:spPr bwMode="auto">
           <a:xfrm>
-            <a:off x="11257969" y="6349545"/>
-            <a:ext cx="260064" cy="260064"/>
+            <a:off x="10058817" y="4509837"/>
+            <a:ext cx="276998" cy="276998"/>
           </a:xfrm>
           <a:prstGeom prst="rect">
             <a:avLst/>
@@ -10939,10 +10741,10 @@
       </p:pic>
       <p:pic>
         <p:nvPicPr>
-          <p:cNvPr id="4129" name="Picture 8">
-            <a:extLst>
-              <a:ext uri="{FF2B5EF4-FFF2-40B4-BE49-F238E27FC236}">
-                <a16:creationId xmlns:a16="http://schemas.microsoft.com/office/drawing/2014/main" id="{AD4D4AFC-D890-037E-9017-DB687967B7E3}"/>
+          <p:cNvPr id="4141" name="Picture 2">
+            <a:extLst>
+              <a:ext uri="{FF2B5EF4-FFF2-40B4-BE49-F238E27FC236}">
+                <a16:creationId xmlns:a16="http://schemas.microsoft.com/office/drawing/2014/main" id="{A7488994-E4C8-BBDF-699D-DEC3E5FF3FBA}"/>
               </a:ext>
             </a:extLst>
           </p:cNvPr>
@@ -10952,7 +10754,7 @@
           <p:nvPr/>
         </p:nvPicPr>
         <p:blipFill>
-          <a:blip r:embed="rId15">
+          <a:blip r:embed="rId16">
             <a:extLst>
               <a:ext uri="{28A0092B-C50C-407E-A947-70E740481C1C}">
                 <a14:useLocalDpi xmlns:a14="http://schemas.microsoft.com/office/drawing/2010/main" val="0"/>
@@ -10966,8 +10768,8 @@
         </p:blipFill>
         <p:spPr bwMode="auto">
           <a:xfrm>
-            <a:off x="10920596" y="6353428"/>
-            <a:ext cx="276999" cy="276999"/>
+            <a:off x="10062644" y="5281636"/>
+            <a:ext cx="276998" cy="276998"/>
           </a:xfrm>
           <a:prstGeom prst="rect">
             <a:avLst/>
@@ -10986,10 +10788,10 @@
       </p:pic>
       <p:pic>
         <p:nvPicPr>
-          <p:cNvPr id="4139" name="Picture 2">
-            <a:extLst>
-              <a:ext uri="{FF2B5EF4-FFF2-40B4-BE49-F238E27FC236}">
-                <a16:creationId xmlns:a16="http://schemas.microsoft.com/office/drawing/2014/main" id="{08CB738D-AC41-B2F4-01D3-DB00FA4D229A}"/>
+          <p:cNvPr id="4142" name="Picture 2">
+            <a:extLst>
+              <a:ext uri="{FF2B5EF4-FFF2-40B4-BE49-F238E27FC236}">
+                <a16:creationId xmlns:a16="http://schemas.microsoft.com/office/drawing/2014/main" id="{03C6B177-EB55-C0E2-094A-52455ED77D31}"/>
               </a:ext>
             </a:extLst>
           </p:cNvPr>
@@ -11013,7 +10815,7 @@
         </p:blipFill>
         <p:spPr bwMode="auto">
           <a:xfrm>
-            <a:off x="10061094" y="3231879"/>
+            <a:off x="10074460" y="6025842"/>
             <a:ext cx="276998" cy="276998"/>
           </a:xfrm>
           <a:prstGeom prst="rect">
@@ -11031,12 +10833,158 @@
           </a:extLst>
         </p:spPr>
       </p:pic>
+      <p:sp>
+        <p:nvSpPr>
+          <p:cNvPr id="4150" name="Rectangle: Rounded Corners 12">
+            <a:extLst>
+              <a:ext uri="{FF2B5EF4-FFF2-40B4-BE49-F238E27FC236}">
+                <a16:creationId xmlns:a16="http://schemas.microsoft.com/office/drawing/2014/main" id="{D9E5CBA5-000D-99E7-C00E-B9C296EB08D6}"/>
+              </a:ext>
+            </a:extLst>
+          </p:cNvPr>
+          <p:cNvSpPr/>
+          <p:nvPr/>
+        </p:nvSpPr>
+        <p:spPr>
+          <a:xfrm>
+            <a:off x="806970" y="2777312"/>
+            <a:ext cx="11141190" cy="651845"/>
+          </a:xfrm>
+          <a:prstGeom prst="roundRect">
+            <a:avLst>
+              <a:gd name="adj" fmla="val 16052"/>
+            </a:avLst>
+          </a:prstGeom>
+          <a:solidFill>
+            <a:srgbClr val="002646"/>
+          </a:solidFill>
+          <a:ln>
+            <a:noFill/>
+          </a:ln>
+        </p:spPr>
+        <p:style>
+          <a:lnRef idx="2">
+            <a:schemeClr val="accent1">
+              <a:shade val="15000"/>
+            </a:schemeClr>
+          </a:lnRef>
+          <a:fillRef idx="1">
+            <a:schemeClr val="accent1"/>
+          </a:fillRef>
+          <a:effectRef idx="0">
+            <a:schemeClr val="accent1"/>
+          </a:effectRef>
+          <a:fontRef idx="minor">
+            <a:schemeClr val="lt1"/>
+          </a:fontRef>
+        </p:style>
+        <p:txBody>
+          <a:bodyPr rtlCol="0" anchor="ctr"/>
+          <a:lstStyle/>
+          <a:p>
+            <a:pPr algn="ctr"/>
+            <a:endParaRPr lang="en-US" noProof="0" dirty="0"/>
+          </a:p>
+        </p:txBody>
+      </p:sp>
+      <p:sp>
+        <p:nvSpPr>
+          <p:cNvPr id="4151" name="Textfeld 4150">
+            <a:extLst>
+              <a:ext uri="{FF2B5EF4-FFF2-40B4-BE49-F238E27FC236}">
+                <a16:creationId xmlns:a16="http://schemas.microsoft.com/office/drawing/2014/main" id="{D614D058-CC8D-F508-6C93-137D601B60AD}"/>
+              </a:ext>
+            </a:extLst>
+          </p:cNvPr>
+          <p:cNvSpPr txBox="1"/>
+          <p:nvPr/>
+        </p:nvSpPr>
+        <p:spPr>
+          <a:xfrm>
+            <a:off x="848268" y="2824517"/>
+            <a:ext cx="1148172" cy="261610"/>
+          </a:xfrm>
+          <a:prstGeom prst="rect">
+            <a:avLst/>
+          </a:prstGeom>
+          <a:noFill/>
+        </p:spPr>
+        <p:txBody>
+          <a:bodyPr wrap="square" rtlCol="0">
+            <a:spAutoFit/>
+          </a:bodyPr>
+          <a:lstStyle/>
+          <a:p>
+            <a:r>
+              <a:rPr lang="de-CH" sz="1100" dirty="0">
+                <a:solidFill>
+                  <a:schemeClr val="bg1"/>
+                </a:solidFill>
+                <a:latin typeface="Montserrat" pitchFamily="2" charset="0"/>
+              </a:rPr>
+              <a:t>By F-777</a:t>
+            </a:r>
+          </a:p>
+        </p:txBody>
+      </p:sp>
+      <p:sp>
+        <p:nvSpPr>
+          <p:cNvPr id="4152" name="Ellipse 4151">
+            <a:extLst>
+              <a:ext uri="{FF2B5EF4-FFF2-40B4-BE49-F238E27FC236}">
+                <a16:creationId xmlns:a16="http://schemas.microsoft.com/office/drawing/2014/main" id="{1E8DCBCD-82BC-D3B8-C366-68552F43D3C0}"/>
+              </a:ext>
+            </a:extLst>
+          </p:cNvPr>
+          <p:cNvSpPr/>
+          <p:nvPr/>
+        </p:nvSpPr>
+        <p:spPr>
+          <a:xfrm>
+            <a:off x="11306718" y="1988463"/>
+            <a:ext cx="641442" cy="641442"/>
+          </a:xfrm>
+          <a:prstGeom prst="ellipse">
+            <a:avLst/>
+          </a:prstGeom>
+          <a:solidFill>
+            <a:srgbClr val="2AB9D2"/>
+          </a:solidFill>
+          <a:ln>
+            <a:noFill/>
+          </a:ln>
+        </p:spPr>
+        <p:style>
+          <a:lnRef idx="2">
+            <a:schemeClr val="accent1">
+              <a:shade val="15000"/>
+            </a:schemeClr>
+          </a:lnRef>
+          <a:fillRef idx="1">
+            <a:schemeClr val="accent1"/>
+          </a:fillRef>
+          <a:effectRef idx="0">
+            <a:schemeClr val="accent1"/>
+          </a:effectRef>
+          <a:fontRef idx="minor">
+            <a:schemeClr val="lt1"/>
+          </a:fontRef>
+        </p:style>
+        <p:txBody>
+          <a:bodyPr rtlCol="0" anchor="ctr"/>
+          <a:lstStyle/>
+          <a:p>
+            <a:pPr algn="ctr"/>
+            <a:endParaRPr lang="de-CH"/>
+          </a:p>
+        </p:txBody>
+      </p:sp>
       <p:pic>
         <p:nvPicPr>
-          <p:cNvPr id="4140" name="Picture 2">
-            <a:extLst>
-              <a:ext uri="{FF2B5EF4-FFF2-40B4-BE49-F238E27FC236}">
-                <a16:creationId xmlns:a16="http://schemas.microsoft.com/office/drawing/2014/main" id="{CE6334DE-FA4D-51C1-A5A9-2ADAC3F353BF}"/>
+          <p:cNvPr id="4153" name="Picture 2">
+            <a:extLst>
+              <a:ext uri="{FF2B5EF4-FFF2-40B4-BE49-F238E27FC236}">
+                <a16:creationId xmlns:a16="http://schemas.microsoft.com/office/drawing/2014/main" id="{DEAFF357-1259-01CA-5960-D7CC52B48F26}"/>
               </a:ext>
             </a:extLst>
           </p:cNvPr>
@@ -11046,7 +10994,7 @@
           <p:nvPr/>
         </p:nvPicPr>
         <p:blipFill>
-          <a:blip r:embed="rId16">
+          <a:blip r:embed="rId17">
             <a:extLst>
               <a:ext uri="{28A0092B-C50C-407E-A947-70E740481C1C}">
                 <a14:useLocalDpi xmlns:a14="http://schemas.microsoft.com/office/drawing/2010/main" val="0"/>
@@ -11060,8 +11008,8 @@
         </p:blipFill>
         <p:spPr bwMode="auto">
           <a:xfrm>
-            <a:off x="10058817" y="4055637"/>
-            <a:ext cx="276998" cy="276998"/>
+            <a:off x="11406848" y="2079158"/>
+            <a:ext cx="461664" cy="461664"/>
           </a:xfrm>
           <a:prstGeom prst="rect">
             <a:avLst/>
@@ -11078,12 +11026,64 @@
           </a:extLst>
         </p:spPr>
       </p:pic>
+      <p:sp>
+        <p:nvSpPr>
+          <p:cNvPr id="4154" name="Ellipse 4153">
+            <a:extLst>
+              <a:ext uri="{FF2B5EF4-FFF2-40B4-BE49-F238E27FC236}">
+                <a16:creationId xmlns:a16="http://schemas.microsoft.com/office/drawing/2014/main" id="{C6191D4C-8499-5C97-1D38-DB8638CFC008}"/>
+              </a:ext>
+            </a:extLst>
+          </p:cNvPr>
+          <p:cNvSpPr/>
+          <p:nvPr/>
+        </p:nvSpPr>
+        <p:spPr>
+          <a:xfrm>
+            <a:off x="10552144" y="2001722"/>
+            <a:ext cx="641442" cy="641442"/>
+          </a:xfrm>
+          <a:prstGeom prst="ellipse">
+            <a:avLst/>
+          </a:prstGeom>
+          <a:noFill/>
+          <a:ln w="28575">
+            <a:solidFill>
+              <a:srgbClr val="2AB9D2"/>
+            </a:solidFill>
+          </a:ln>
+        </p:spPr>
+        <p:style>
+          <a:lnRef idx="2">
+            <a:schemeClr val="accent1">
+              <a:shade val="15000"/>
+            </a:schemeClr>
+          </a:lnRef>
+          <a:fillRef idx="1">
+            <a:schemeClr val="accent1"/>
+          </a:fillRef>
+          <a:effectRef idx="0">
+            <a:schemeClr val="accent1"/>
+          </a:effectRef>
+          <a:fontRef idx="minor">
+            <a:schemeClr val="lt1"/>
+          </a:fontRef>
+        </p:style>
+        <p:txBody>
+          <a:bodyPr rtlCol="0" anchor="ctr"/>
+          <a:lstStyle/>
+          <a:p>
+            <a:pPr algn="ctr"/>
+            <a:endParaRPr lang="de-CH"/>
+          </a:p>
+        </p:txBody>
+      </p:sp>
       <p:pic>
         <p:nvPicPr>
-          <p:cNvPr id="4141" name="Picture 2">
-            <a:extLst>
-              <a:ext uri="{FF2B5EF4-FFF2-40B4-BE49-F238E27FC236}">
-                <a16:creationId xmlns:a16="http://schemas.microsoft.com/office/drawing/2014/main" id="{A7488994-E4C8-BBDF-699D-DEC3E5FF3FBA}"/>
+          <p:cNvPr id="4155" name="Picture 4">
+            <a:extLst>
+              <a:ext uri="{FF2B5EF4-FFF2-40B4-BE49-F238E27FC236}">
+                <a16:creationId xmlns:a16="http://schemas.microsoft.com/office/drawing/2014/main" id="{C3CC271B-4EA4-E7BD-E7E8-092F7E1E60A5}"/>
               </a:ext>
             </a:extLst>
           </p:cNvPr>
@@ -11093,7 +11093,7 @@
           <p:nvPr/>
         </p:nvPicPr>
         <p:blipFill>
-          <a:blip r:embed="rId16">
+          <a:blip r:embed="rId18">
             <a:extLst>
               <a:ext uri="{28A0092B-C50C-407E-A947-70E740481C1C}">
                 <a14:useLocalDpi xmlns:a14="http://schemas.microsoft.com/office/drawing/2010/main" val="0"/>
@@ -11107,8 +11107,8 @@
         </p:blipFill>
         <p:spPr bwMode="auto">
           <a:xfrm>
-            <a:off x="10062644" y="4827436"/>
-            <a:ext cx="276998" cy="276998"/>
+            <a:off x="10663333" y="2112049"/>
+            <a:ext cx="421337" cy="421337"/>
           </a:xfrm>
           <a:prstGeom prst="rect">
             <a:avLst/>
@@ -11125,12 +11125,204 @@
           </a:extLst>
         </p:spPr>
       </p:pic>
+      <p:sp>
+        <p:nvSpPr>
+          <p:cNvPr id="2" name="Rectangle: Rounded Corners 27">
+            <a:extLst>
+              <a:ext uri="{FF2B5EF4-FFF2-40B4-BE49-F238E27FC236}">
+                <a16:creationId xmlns:a16="http://schemas.microsoft.com/office/drawing/2014/main" id="{BFB47327-9521-47DE-DF58-45E74D5E440F}"/>
+              </a:ext>
+            </a:extLst>
+          </p:cNvPr>
+          <p:cNvSpPr/>
+          <p:nvPr/>
+        </p:nvSpPr>
+        <p:spPr>
+          <a:xfrm>
+            <a:off x="806971" y="777494"/>
+            <a:ext cx="1015204" cy="410106"/>
+          </a:xfrm>
+          <a:prstGeom prst="roundRect">
+            <a:avLst/>
+          </a:prstGeom>
+          <a:solidFill>
+            <a:srgbClr val="2AB9D2"/>
+          </a:solidFill>
+          <a:ln>
+            <a:noFill/>
+          </a:ln>
+        </p:spPr>
+        <p:style>
+          <a:lnRef idx="2">
+            <a:schemeClr val="accent1">
+              <a:shade val="15000"/>
+            </a:schemeClr>
+          </a:lnRef>
+          <a:fillRef idx="1">
+            <a:schemeClr val="accent1"/>
+          </a:fillRef>
+          <a:effectRef idx="0">
+            <a:schemeClr val="accent1"/>
+          </a:effectRef>
+          <a:fontRef idx="minor">
+            <a:schemeClr val="lt1"/>
+          </a:fontRef>
+        </p:style>
+        <p:txBody>
+          <a:bodyPr rtlCol="0" anchor="ctr"/>
+          <a:lstStyle/>
+          <a:p>
+            <a:pPr algn="ctr"/>
+            <a:r>
+              <a:rPr lang="en-US" sz="1400" b="1" noProof="0" dirty="0">
+                <a:solidFill>
+                  <a:srgbClr val="00172B"/>
+                </a:solidFill>
+                <a:latin typeface="Montserrat" panose="00000500000000000000" pitchFamily="2" charset="0"/>
+              </a:rPr>
+              <a:t>Back</a:t>
+            </a:r>
+            <a:r>
+              <a:rPr lang="en-US" b="1" noProof="0" dirty="0">
+                <a:solidFill>
+                  <a:srgbClr val="00172B"/>
+                </a:solidFill>
+                <a:latin typeface="Montserrat" panose="00000500000000000000" pitchFamily="2" charset="0"/>
+              </a:rPr>
+              <a:t> </a:t>
+            </a:r>
+          </a:p>
+        </p:txBody>
+      </p:sp>
+      <p:sp>
+        <p:nvSpPr>
+          <p:cNvPr id="3" name="Rectangle: Rounded Corners 27">
+            <a:extLst>
+              <a:ext uri="{FF2B5EF4-FFF2-40B4-BE49-F238E27FC236}">
+                <a16:creationId xmlns:a16="http://schemas.microsoft.com/office/drawing/2014/main" id="{C21B4A0B-DC27-4AD5-A338-44ACB03BD342}"/>
+              </a:ext>
+            </a:extLst>
+          </p:cNvPr>
+          <p:cNvSpPr/>
+          <p:nvPr/>
+        </p:nvSpPr>
+        <p:spPr>
+          <a:xfrm>
+            <a:off x="10972964" y="777494"/>
+            <a:ext cx="424887" cy="410106"/>
+          </a:xfrm>
+          <a:prstGeom prst="roundRect">
+            <a:avLst/>
+          </a:prstGeom>
+          <a:solidFill>
+            <a:srgbClr val="2AB9D2"/>
+          </a:solidFill>
+          <a:ln>
+            <a:noFill/>
+          </a:ln>
+        </p:spPr>
+        <p:style>
+          <a:lnRef idx="2">
+            <a:schemeClr val="accent1">
+              <a:shade val="15000"/>
+            </a:schemeClr>
+          </a:lnRef>
+          <a:fillRef idx="1">
+            <a:schemeClr val="accent1"/>
+          </a:fillRef>
+          <a:effectRef idx="0">
+            <a:schemeClr val="accent1"/>
+          </a:effectRef>
+          <a:fontRef idx="minor">
+            <a:schemeClr val="lt1"/>
+          </a:fontRef>
+        </p:style>
+        <p:txBody>
+          <a:bodyPr rtlCol="0" anchor="ctr"/>
+          <a:lstStyle/>
+          <a:p>
+            <a:pPr algn="ctr"/>
+            <a:r>
+              <a:rPr lang="en-US" sz="1400" b="1" noProof="0" dirty="0">
+                <a:solidFill>
+                  <a:srgbClr val="00172B"/>
+                </a:solidFill>
+                <a:latin typeface="Montserrat" panose="00000500000000000000" pitchFamily="2" charset="0"/>
+              </a:rPr>
+              <a:t>+</a:t>
+            </a:r>
+            <a:endParaRPr lang="en-US" b="1" noProof="0" dirty="0">
+              <a:solidFill>
+                <a:srgbClr val="00172B"/>
+              </a:solidFill>
+              <a:latin typeface="Montserrat" panose="00000500000000000000" pitchFamily="2" charset="0"/>
+            </a:endParaRPr>
+          </a:p>
+        </p:txBody>
+      </p:sp>
+      <p:sp>
+        <p:nvSpPr>
+          <p:cNvPr id="7" name="Rectangle: Rounded Corners 27">
+            <a:extLst>
+              <a:ext uri="{FF2B5EF4-FFF2-40B4-BE49-F238E27FC236}">
+                <a16:creationId xmlns:a16="http://schemas.microsoft.com/office/drawing/2014/main" id="{55683172-2A61-9AE1-CC87-78F1C1A2193A}"/>
+              </a:ext>
+            </a:extLst>
+          </p:cNvPr>
+          <p:cNvSpPr/>
+          <p:nvPr/>
+        </p:nvSpPr>
+        <p:spPr>
+          <a:xfrm>
+            <a:off x="11518033" y="783218"/>
+            <a:ext cx="424887" cy="410106"/>
+          </a:xfrm>
+          <a:prstGeom prst="roundRect">
+            <a:avLst/>
+          </a:prstGeom>
+          <a:solidFill>
+            <a:srgbClr val="2AB9D2"/>
+          </a:solidFill>
+          <a:ln>
+            <a:noFill/>
+          </a:ln>
+        </p:spPr>
+        <p:style>
+          <a:lnRef idx="2">
+            <a:schemeClr val="accent1">
+              <a:shade val="15000"/>
+            </a:schemeClr>
+          </a:lnRef>
+          <a:fillRef idx="1">
+            <a:schemeClr val="accent1"/>
+          </a:fillRef>
+          <a:effectRef idx="0">
+            <a:schemeClr val="accent1"/>
+          </a:effectRef>
+          <a:fontRef idx="minor">
+            <a:schemeClr val="lt1"/>
+          </a:fontRef>
+        </p:style>
+        <p:txBody>
+          <a:bodyPr rtlCol="0" anchor="ctr"/>
+          <a:lstStyle/>
+          <a:p>
+            <a:pPr algn="ctr"/>
+            <a:endParaRPr lang="en-US" b="1" noProof="0" dirty="0">
+              <a:solidFill>
+                <a:srgbClr val="00172B"/>
+              </a:solidFill>
+              <a:latin typeface="Montserrat" panose="00000500000000000000" pitchFamily="2" charset="0"/>
+            </a:endParaRPr>
+          </a:p>
+        </p:txBody>
+      </p:sp>
       <p:pic>
         <p:nvPicPr>
-          <p:cNvPr id="4142" name="Picture 2">
-            <a:extLst>
-              <a:ext uri="{FF2B5EF4-FFF2-40B4-BE49-F238E27FC236}">
-                <a16:creationId xmlns:a16="http://schemas.microsoft.com/office/drawing/2014/main" id="{03C6B177-EB55-C0E2-094A-52455ED77D31}"/>
+          <p:cNvPr id="10" name="Picture 6">
+            <a:extLst>
+              <a:ext uri="{FF2B5EF4-FFF2-40B4-BE49-F238E27FC236}">
+                <a16:creationId xmlns:a16="http://schemas.microsoft.com/office/drawing/2014/main" id="{BBBE41F0-CFA3-2A03-75B8-D5AF8F01F1BA}"/>
               </a:ext>
             </a:extLst>
           </p:cNvPr>
@@ -11140,7 +11332,7 @@
           <p:nvPr/>
         </p:nvPicPr>
         <p:blipFill>
-          <a:blip r:embed="rId16">
+          <a:blip r:embed="rId14">
             <a:extLst>
               <a:ext uri="{28A0092B-C50C-407E-A947-70E740481C1C}">
                 <a14:useLocalDpi xmlns:a14="http://schemas.microsoft.com/office/drawing/2010/main" val="0"/>
@@ -11154,347 +11346,8 @@
         </p:blipFill>
         <p:spPr bwMode="auto">
           <a:xfrm>
-            <a:off x="10074460" y="5571642"/>
-            <a:ext cx="276998" cy="276998"/>
-          </a:xfrm>
-          <a:prstGeom prst="rect">
-            <a:avLst/>
-          </a:prstGeom>
-          <a:noFill/>
-          <a:extLst>
-            <a:ext uri="{909E8E84-426E-40DD-AFC4-6F175D3DCCD1}">
-              <a14:hiddenFill xmlns:a14="http://schemas.microsoft.com/office/drawing/2010/main">
-                <a:solidFill>
-                  <a:srgbClr val="FFFFFF"/>
-                </a:solidFill>
-              </a14:hiddenFill>
-            </a:ext>
-          </a:extLst>
-        </p:spPr>
-      </p:pic>
-      <p:pic>
-        <p:nvPicPr>
-          <p:cNvPr id="4143" name="Picture 2">
-            <a:extLst>
-              <a:ext uri="{FF2B5EF4-FFF2-40B4-BE49-F238E27FC236}">
-                <a16:creationId xmlns:a16="http://schemas.microsoft.com/office/drawing/2014/main" id="{D84845EA-6962-EF27-D4FA-E32926EB60C0}"/>
-              </a:ext>
-            </a:extLst>
-          </p:cNvPr>
-          <p:cNvPicPr>
-            <a:picLocks noChangeAspect="1" noChangeArrowheads="1"/>
-          </p:cNvPicPr>
-          <p:nvPr/>
-        </p:nvPicPr>
-        <p:blipFill>
-          <a:blip r:embed="rId16">
-            <a:extLst>
-              <a:ext uri="{28A0092B-C50C-407E-A947-70E740481C1C}">
-                <a14:useLocalDpi xmlns:a14="http://schemas.microsoft.com/office/drawing/2010/main" val="0"/>
-              </a:ext>
-            </a:extLst>
-          </a:blip>
-          <a:srcRect/>
-          <a:stretch>
-            <a:fillRect/>
-          </a:stretch>
-        </p:blipFill>
-        <p:spPr bwMode="auto">
-          <a:xfrm>
-            <a:off x="10089314" y="6362343"/>
-            <a:ext cx="276998" cy="276998"/>
-          </a:xfrm>
-          <a:prstGeom prst="rect">
-            <a:avLst/>
-          </a:prstGeom>
-          <a:noFill/>
-          <a:extLst>
-            <a:ext uri="{909E8E84-426E-40DD-AFC4-6F175D3DCCD1}">
-              <a14:hiddenFill xmlns:a14="http://schemas.microsoft.com/office/drawing/2010/main">
-                <a:solidFill>
-                  <a:srgbClr val="FFFFFF"/>
-                </a:solidFill>
-              </a14:hiddenFill>
-            </a:ext>
-          </a:extLst>
-        </p:spPr>
-      </p:pic>
-      <p:sp>
-        <p:nvSpPr>
-          <p:cNvPr id="4150" name="Rectangle: Rounded Corners 12">
-            <a:extLst>
-              <a:ext uri="{FF2B5EF4-FFF2-40B4-BE49-F238E27FC236}">
-                <a16:creationId xmlns:a16="http://schemas.microsoft.com/office/drawing/2014/main" id="{D9E5CBA5-000D-99E7-C00E-B9C296EB08D6}"/>
-              </a:ext>
-            </a:extLst>
-          </p:cNvPr>
-          <p:cNvSpPr/>
-          <p:nvPr/>
-        </p:nvSpPr>
-        <p:spPr>
-          <a:xfrm>
-            <a:off x="806970" y="2323112"/>
-            <a:ext cx="11141190" cy="651845"/>
-          </a:xfrm>
-          <a:prstGeom prst="roundRect">
-            <a:avLst>
-              <a:gd name="adj" fmla="val 16052"/>
-            </a:avLst>
-          </a:prstGeom>
-          <a:solidFill>
-            <a:srgbClr val="002646"/>
-          </a:solidFill>
-          <a:ln>
-            <a:noFill/>
-          </a:ln>
-        </p:spPr>
-        <p:style>
-          <a:lnRef idx="2">
-            <a:schemeClr val="accent1">
-              <a:shade val="15000"/>
-            </a:schemeClr>
-          </a:lnRef>
-          <a:fillRef idx="1">
-            <a:schemeClr val="accent1"/>
-          </a:fillRef>
-          <a:effectRef idx="0">
-            <a:schemeClr val="accent1"/>
-          </a:effectRef>
-          <a:fontRef idx="minor">
-            <a:schemeClr val="lt1"/>
-          </a:fontRef>
-        </p:style>
-        <p:txBody>
-          <a:bodyPr rtlCol="0" anchor="ctr"/>
-          <a:lstStyle/>
-          <a:p>
-            <a:pPr algn="ctr"/>
-            <a:endParaRPr lang="en-US" noProof="0" dirty="0"/>
-          </a:p>
-        </p:txBody>
-      </p:sp>
-      <p:sp>
-        <p:nvSpPr>
-          <p:cNvPr id="4151" name="Textfeld 4150">
-            <a:extLst>
-              <a:ext uri="{FF2B5EF4-FFF2-40B4-BE49-F238E27FC236}">
-                <a16:creationId xmlns:a16="http://schemas.microsoft.com/office/drawing/2014/main" id="{D614D058-CC8D-F508-6C93-137D601B60AD}"/>
-              </a:ext>
-            </a:extLst>
-          </p:cNvPr>
-          <p:cNvSpPr txBox="1"/>
-          <p:nvPr/>
-        </p:nvSpPr>
-        <p:spPr>
-          <a:xfrm>
-            <a:off x="848268" y="2370317"/>
-            <a:ext cx="1148172" cy="261610"/>
-          </a:xfrm>
-          <a:prstGeom prst="rect">
-            <a:avLst/>
-          </a:prstGeom>
-          <a:noFill/>
-        </p:spPr>
-        <p:txBody>
-          <a:bodyPr wrap="square" rtlCol="0">
-            <a:spAutoFit/>
-          </a:bodyPr>
-          <a:lstStyle/>
-          <a:p>
-            <a:r>
-              <a:rPr lang="de-CH" sz="1100" dirty="0">
-                <a:solidFill>
-                  <a:schemeClr val="bg1"/>
-                </a:solidFill>
-                <a:latin typeface="Montserrat" pitchFamily="2" charset="0"/>
-              </a:rPr>
-              <a:t>By F-777</a:t>
-            </a:r>
-          </a:p>
-        </p:txBody>
-      </p:sp>
-      <p:sp>
-        <p:nvSpPr>
-          <p:cNvPr id="4152" name="Ellipse 4151">
-            <a:extLst>
-              <a:ext uri="{FF2B5EF4-FFF2-40B4-BE49-F238E27FC236}">
-                <a16:creationId xmlns:a16="http://schemas.microsoft.com/office/drawing/2014/main" id="{1E8DCBCD-82BC-D3B8-C366-68552F43D3C0}"/>
-              </a:ext>
-            </a:extLst>
-          </p:cNvPr>
-          <p:cNvSpPr/>
-          <p:nvPr/>
-        </p:nvSpPr>
-        <p:spPr>
-          <a:xfrm>
-            <a:off x="11306718" y="1534263"/>
-            <a:ext cx="641442" cy="641442"/>
-          </a:xfrm>
-          <a:prstGeom prst="ellipse">
-            <a:avLst/>
-          </a:prstGeom>
-          <a:solidFill>
-            <a:srgbClr val="2AB9D2"/>
-          </a:solidFill>
-          <a:ln>
-            <a:noFill/>
-          </a:ln>
-        </p:spPr>
-        <p:style>
-          <a:lnRef idx="2">
-            <a:schemeClr val="accent1">
-              <a:shade val="15000"/>
-            </a:schemeClr>
-          </a:lnRef>
-          <a:fillRef idx="1">
-            <a:schemeClr val="accent1"/>
-          </a:fillRef>
-          <a:effectRef idx="0">
-            <a:schemeClr val="accent1"/>
-          </a:effectRef>
-          <a:fontRef idx="minor">
-            <a:schemeClr val="lt1"/>
-          </a:fontRef>
-        </p:style>
-        <p:txBody>
-          <a:bodyPr rtlCol="0" anchor="ctr"/>
-          <a:lstStyle/>
-          <a:p>
-            <a:pPr algn="ctr"/>
-            <a:endParaRPr lang="de-CH"/>
-          </a:p>
-        </p:txBody>
-      </p:sp>
-      <p:pic>
-        <p:nvPicPr>
-          <p:cNvPr id="4153" name="Picture 2">
-            <a:extLst>
-              <a:ext uri="{FF2B5EF4-FFF2-40B4-BE49-F238E27FC236}">
-                <a16:creationId xmlns:a16="http://schemas.microsoft.com/office/drawing/2014/main" id="{DEAFF357-1259-01CA-5960-D7CC52B48F26}"/>
-              </a:ext>
-            </a:extLst>
-          </p:cNvPr>
-          <p:cNvPicPr>
-            <a:picLocks noChangeAspect="1" noChangeArrowheads="1"/>
-          </p:cNvPicPr>
-          <p:nvPr/>
-        </p:nvPicPr>
-        <p:blipFill>
-          <a:blip r:embed="rId17">
-            <a:extLst>
-              <a:ext uri="{28A0092B-C50C-407E-A947-70E740481C1C}">
-                <a14:useLocalDpi xmlns:a14="http://schemas.microsoft.com/office/drawing/2010/main" val="0"/>
-              </a:ext>
-            </a:extLst>
-          </a:blip>
-          <a:srcRect/>
-          <a:stretch>
-            <a:fillRect/>
-          </a:stretch>
-        </p:blipFill>
-        <p:spPr bwMode="auto">
-          <a:xfrm>
-            <a:off x="11406848" y="1624958"/>
-            <a:ext cx="461664" cy="461664"/>
-          </a:xfrm>
-          <a:prstGeom prst="rect">
-            <a:avLst/>
-          </a:prstGeom>
-          <a:noFill/>
-          <a:extLst>
-            <a:ext uri="{909E8E84-426E-40DD-AFC4-6F175D3DCCD1}">
-              <a14:hiddenFill xmlns:a14="http://schemas.microsoft.com/office/drawing/2010/main">
-                <a:solidFill>
-                  <a:srgbClr val="FFFFFF"/>
-                </a:solidFill>
-              </a14:hiddenFill>
-            </a:ext>
-          </a:extLst>
-        </p:spPr>
-      </p:pic>
-      <p:sp>
-        <p:nvSpPr>
-          <p:cNvPr id="4154" name="Ellipse 4153">
-            <a:extLst>
-              <a:ext uri="{FF2B5EF4-FFF2-40B4-BE49-F238E27FC236}">
-                <a16:creationId xmlns:a16="http://schemas.microsoft.com/office/drawing/2014/main" id="{C6191D4C-8499-5C97-1D38-DB8638CFC008}"/>
-              </a:ext>
-            </a:extLst>
-          </p:cNvPr>
-          <p:cNvSpPr/>
-          <p:nvPr/>
-        </p:nvSpPr>
-        <p:spPr>
-          <a:xfrm>
-            <a:off x="10552144" y="1547522"/>
-            <a:ext cx="641442" cy="641442"/>
-          </a:xfrm>
-          <a:prstGeom prst="ellipse">
-            <a:avLst/>
-          </a:prstGeom>
-          <a:noFill/>
-          <a:ln w="28575">
-            <a:solidFill>
-              <a:srgbClr val="2AB9D2"/>
-            </a:solidFill>
-          </a:ln>
-        </p:spPr>
-        <p:style>
-          <a:lnRef idx="2">
-            <a:schemeClr val="accent1">
-              <a:shade val="15000"/>
-            </a:schemeClr>
-          </a:lnRef>
-          <a:fillRef idx="1">
-            <a:schemeClr val="accent1"/>
-          </a:fillRef>
-          <a:effectRef idx="0">
-            <a:schemeClr val="accent1"/>
-          </a:effectRef>
-          <a:fontRef idx="minor">
-            <a:schemeClr val="lt1"/>
-          </a:fontRef>
-        </p:style>
-        <p:txBody>
-          <a:bodyPr rtlCol="0" anchor="ctr"/>
-          <a:lstStyle/>
-          <a:p>
-            <a:pPr algn="ctr"/>
-            <a:endParaRPr lang="de-CH"/>
-          </a:p>
-        </p:txBody>
-      </p:sp>
-      <p:pic>
-        <p:nvPicPr>
-          <p:cNvPr id="4155" name="Picture 4">
-            <a:extLst>
-              <a:ext uri="{FF2B5EF4-FFF2-40B4-BE49-F238E27FC236}">
-                <a16:creationId xmlns:a16="http://schemas.microsoft.com/office/drawing/2014/main" id="{C3CC271B-4EA4-E7BD-E7E8-092F7E1E60A5}"/>
-              </a:ext>
-            </a:extLst>
-          </p:cNvPr>
-          <p:cNvPicPr>
-            <a:picLocks noChangeAspect="1" noChangeArrowheads="1"/>
-          </p:cNvPicPr>
-          <p:nvPr/>
-        </p:nvPicPr>
-        <p:blipFill>
-          <a:blip r:embed="rId18">
-            <a:extLst>
-              <a:ext uri="{28A0092B-C50C-407E-A947-70E740481C1C}">
-                <a14:useLocalDpi xmlns:a14="http://schemas.microsoft.com/office/drawing/2010/main" val="0"/>
-              </a:ext>
-            </a:extLst>
-          </a:blip>
-          <a:srcRect/>
-          <a:stretch>
-            <a:fillRect/>
-          </a:stretch>
-        </p:blipFill>
-        <p:spPr bwMode="auto">
-          <a:xfrm>
-            <a:off x="10663333" y="1657849"/>
-            <a:ext cx="421337" cy="421337"/>
+            <a:off x="11600444" y="841677"/>
+            <a:ext cx="260064" cy="260064"/>
           </a:xfrm>
           <a:prstGeom prst="rect">
             <a:avLst/>

--- a/mockups/SonicWaveMockup.pptx
+++ b/mockups/SonicWaveMockup.pptx
@@ -222,7 +222,7 @@
           <a:p>
             <a:fld id="{0E757DC4-2315-4FE9-87C1-E5FAB21BBA1E}" type="datetimeFigureOut">
               <a:rPr lang="de-CH" smtClean="0"/>
-              <a:t>24.07.2025</a:t>
+              <a:t>31.07.2025</a:t>
             </a:fld>
             <a:endParaRPr lang="de-CH"/>
           </a:p>
@@ -2976,7 +2976,7 @@
           <a:p>
             <a:fld id="{8043C726-E4AC-4898-A7DA-106D25D4B538}" type="datetimeFigureOut">
               <a:rPr lang="de-CH" smtClean="0"/>
-              <a:t>24.07.2025</a:t>
+              <a:t>31.07.2025</a:t>
             </a:fld>
             <a:endParaRPr lang="de-CH"/>
           </a:p>
@@ -3176,7 +3176,7 @@
           <a:p>
             <a:fld id="{8043C726-E4AC-4898-A7DA-106D25D4B538}" type="datetimeFigureOut">
               <a:rPr lang="de-CH" smtClean="0"/>
-              <a:t>24.07.2025</a:t>
+              <a:t>31.07.2025</a:t>
             </a:fld>
             <a:endParaRPr lang="de-CH"/>
           </a:p>
@@ -3386,7 +3386,7 @@
           <a:p>
             <a:fld id="{8043C726-E4AC-4898-A7DA-106D25D4B538}" type="datetimeFigureOut">
               <a:rPr lang="de-CH" smtClean="0"/>
-              <a:t>24.07.2025</a:t>
+              <a:t>31.07.2025</a:t>
             </a:fld>
             <a:endParaRPr lang="de-CH"/>
           </a:p>
@@ -3586,7 +3586,7 @@
           <a:p>
             <a:fld id="{8043C726-E4AC-4898-A7DA-106D25D4B538}" type="datetimeFigureOut">
               <a:rPr lang="de-CH" smtClean="0"/>
-              <a:t>24.07.2025</a:t>
+              <a:t>31.07.2025</a:t>
             </a:fld>
             <a:endParaRPr lang="de-CH"/>
           </a:p>
@@ -3862,7 +3862,7 @@
           <a:p>
             <a:fld id="{8043C726-E4AC-4898-A7DA-106D25D4B538}" type="datetimeFigureOut">
               <a:rPr lang="de-CH" smtClean="0"/>
-              <a:t>24.07.2025</a:t>
+              <a:t>31.07.2025</a:t>
             </a:fld>
             <a:endParaRPr lang="de-CH"/>
           </a:p>
@@ -4130,7 +4130,7 @@
           <a:p>
             <a:fld id="{8043C726-E4AC-4898-A7DA-106D25D4B538}" type="datetimeFigureOut">
               <a:rPr lang="de-CH" smtClean="0"/>
-              <a:t>24.07.2025</a:t>
+              <a:t>31.07.2025</a:t>
             </a:fld>
             <a:endParaRPr lang="de-CH"/>
           </a:p>
@@ -4545,7 +4545,7 @@
           <a:p>
             <a:fld id="{8043C726-E4AC-4898-A7DA-106D25D4B538}" type="datetimeFigureOut">
               <a:rPr lang="de-CH" smtClean="0"/>
-              <a:t>24.07.2025</a:t>
+              <a:t>31.07.2025</a:t>
             </a:fld>
             <a:endParaRPr lang="de-CH"/>
           </a:p>
@@ -4687,7 +4687,7 @@
           <a:p>
             <a:fld id="{8043C726-E4AC-4898-A7DA-106D25D4B538}" type="datetimeFigureOut">
               <a:rPr lang="de-CH" smtClean="0"/>
-              <a:t>24.07.2025</a:t>
+              <a:t>31.07.2025</a:t>
             </a:fld>
             <a:endParaRPr lang="de-CH"/>
           </a:p>
@@ -4800,7 +4800,7 @@
           <a:p>
             <a:fld id="{8043C726-E4AC-4898-A7DA-106D25D4B538}" type="datetimeFigureOut">
               <a:rPr lang="de-CH" smtClean="0"/>
-              <a:t>24.07.2025</a:t>
+              <a:t>31.07.2025</a:t>
             </a:fld>
             <a:endParaRPr lang="de-CH"/>
           </a:p>
@@ -5113,7 +5113,7 @@
           <a:p>
             <a:fld id="{8043C726-E4AC-4898-A7DA-106D25D4B538}" type="datetimeFigureOut">
               <a:rPr lang="de-CH" smtClean="0"/>
-              <a:t>24.07.2025</a:t>
+              <a:t>31.07.2025</a:t>
             </a:fld>
             <a:endParaRPr lang="de-CH"/>
           </a:p>
@@ -5402,7 +5402,7 @@
           <a:p>
             <a:fld id="{8043C726-E4AC-4898-A7DA-106D25D4B538}" type="datetimeFigureOut">
               <a:rPr lang="de-CH" smtClean="0"/>
-              <a:t>24.07.2025</a:t>
+              <a:t>31.07.2025</a:t>
             </a:fld>
             <a:endParaRPr lang="de-CH"/>
           </a:p>
@@ -5645,7 +5645,7 @@
           <a:p>
             <a:fld id="{8043C726-E4AC-4898-A7DA-106D25D4B538}" type="datetimeFigureOut">
               <a:rPr lang="de-CH" smtClean="0"/>
-              <a:t>24.07.2025</a:t>
+              <a:t>31.07.2025</a:t>
             </a:fld>
             <a:endParaRPr lang="de-CH"/>
           </a:p>
@@ -50760,7 +50760,7 @@
             <a:pPr algn="ctr"/>
             <a:r>
               <a:rPr lang="en-US" noProof="0" dirty="0"/>
-              <a:t>§	</a:t>
+              <a:t>	</a:t>
             </a:r>
           </a:p>
         </p:txBody>
@@ -51543,8 +51543,8 @@
         </p:blipFill>
         <p:spPr>
           <a:xfrm>
-            <a:off x="862849" y="1426004"/>
-            <a:ext cx="5296651" cy="5296651"/>
+            <a:off x="9589135" y="1426005"/>
+            <a:ext cx="2414725" cy="2414725"/>
           </a:xfrm>
           <a:prstGeom prst="roundRect">
             <a:avLst>
@@ -51567,8 +51567,8 @@
         </p:nvSpPr>
         <p:spPr>
           <a:xfrm>
-            <a:off x="6346326" y="1733762"/>
-            <a:ext cx="5747195" cy="410105"/>
+            <a:off x="796024" y="1772821"/>
+            <a:ext cx="8626595" cy="410105"/>
           </a:xfrm>
           <a:prstGeom prst="roundRect">
             <a:avLst/>
@@ -51619,7 +51619,7 @@
         </p:nvSpPr>
         <p:spPr>
           <a:xfrm>
-            <a:off x="6333093" y="1420935"/>
+            <a:off x="782791" y="1459994"/>
             <a:ext cx="1124211" cy="276999"/>
           </a:xfrm>
           <a:prstGeom prst="rect">
@@ -51659,7 +51659,7 @@
         </p:nvSpPr>
         <p:spPr>
           <a:xfrm>
-            <a:off x="6346326" y="1800314"/>
+            <a:off x="796024" y="1839373"/>
             <a:ext cx="1654260" cy="276999"/>
           </a:xfrm>
           <a:prstGeom prst="rect">
@@ -51701,17 +51701,19 @@
         </p:nvSpPr>
         <p:spPr>
           <a:xfrm>
-            <a:off x="6359559" y="2597027"/>
-            <a:ext cx="5736182" cy="410105"/>
+            <a:off x="814128" y="4279936"/>
+            <a:ext cx="8608491" cy="561990"/>
           </a:xfrm>
           <a:prstGeom prst="roundRect">
-            <a:avLst/>
-          </a:prstGeom>
-          <a:solidFill>
-            <a:srgbClr val="002646"/>
-          </a:solidFill>
+            <a:avLst>
+              <a:gd name="adj" fmla="val 7468"/>
+            </a:avLst>
+          </a:prstGeom>
+          <a:noFill/>
           <a:ln>
-            <a:noFill/>
+            <a:solidFill>
+              <a:srgbClr val="002646"/>
+            </a:solidFill>
           </a:ln>
         </p:spPr>
         <p:style>
@@ -51753,7 +51755,7 @@
         </p:nvSpPr>
         <p:spPr>
           <a:xfrm>
-            <a:off x="6346326" y="2284200"/>
+            <a:off x="800895" y="3936385"/>
             <a:ext cx="1124211" cy="276999"/>
           </a:xfrm>
           <a:prstGeom prst="rect">
@@ -51781,48 +51783,6 @@
       </p:sp>
       <p:sp>
         <p:nvSpPr>
-          <p:cNvPr id="17" name="TextBox 16">
-            <a:extLst>
-              <a:ext uri="{FF2B5EF4-FFF2-40B4-BE49-F238E27FC236}">
-                <a16:creationId xmlns:a16="http://schemas.microsoft.com/office/drawing/2014/main" id="{4DE8445A-BFEB-FC85-648F-A3DA6E5D0076}"/>
-              </a:ext>
-            </a:extLst>
-          </p:cNvPr>
-          <p:cNvSpPr txBox="1"/>
-          <p:nvPr/>
-        </p:nvSpPr>
-        <p:spPr>
-          <a:xfrm>
-            <a:off x="6359559" y="2663579"/>
-            <a:ext cx="1654260" cy="276999"/>
-          </a:xfrm>
-          <a:prstGeom prst="rect">
-            <a:avLst/>
-          </a:prstGeom>
-          <a:noFill/>
-        </p:spPr>
-        <p:txBody>
-          <a:bodyPr wrap="square" rtlCol="0">
-            <a:spAutoFit/>
-          </a:bodyPr>
-          <a:lstStyle/>
-          <a:p>
-            <a:r>
-              <a:rPr lang="en-US" sz="1200" noProof="0" dirty="0">
-                <a:solidFill>
-                  <a:schemeClr val="bg1">
-                    <a:lumMod val="65000"/>
-                  </a:schemeClr>
-                </a:solidFill>
-                <a:latin typeface="Montserrat" panose="00000500000000000000" pitchFamily="2" charset="0"/>
-              </a:rPr>
-              <a:t>Artist …</a:t>
-            </a:r>
-          </a:p>
-        </p:txBody>
-      </p:sp>
-      <p:sp>
-        <p:nvSpPr>
           <p:cNvPr id="20" name="Rectangle: Rounded Corners 19">
             <a:extLst>
               <a:ext uri="{FF2B5EF4-FFF2-40B4-BE49-F238E27FC236}">
@@ -51835,8 +51795,8 @@
         </p:nvSpPr>
         <p:spPr>
           <a:xfrm>
-            <a:off x="6359559" y="3430624"/>
-            <a:ext cx="5747195" cy="410105"/>
+            <a:off x="814128" y="2584730"/>
+            <a:ext cx="8608491" cy="410105"/>
           </a:xfrm>
           <a:prstGeom prst="roundRect">
             <a:avLst/>
@@ -51887,7 +51847,7 @@
         </p:nvSpPr>
         <p:spPr>
           <a:xfrm>
-            <a:off x="6346326" y="3117797"/>
+            <a:off x="800895" y="2271903"/>
             <a:ext cx="1124211" cy="276999"/>
           </a:xfrm>
           <a:prstGeom prst="rect">
@@ -51927,7 +51887,7 @@
         </p:nvSpPr>
         <p:spPr>
           <a:xfrm>
-            <a:off x="6359559" y="3497176"/>
+            <a:off x="814128" y="2651282"/>
             <a:ext cx="1654260" cy="276999"/>
           </a:xfrm>
           <a:prstGeom prst="rect">
@@ -51969,8 +51929,8 @@
         </p:nvSpPr>
         <p:spPr>
           <a:xfrm>
-            <a:off x="6346327" y="4264221"/>
-            <a:ext cx="5747194" cy="410105"/>
+            <a:off x="800895" y="3418327"/>
+            <a:ext cx="8600101" cy="410105"/>
           </a:xfrm>
           <a:prstGeom prst="roundRect">
             <a:avLst/>
@@ -52021,7 +51981,7 @@
         </p:nvSpPr>
         <p:spPr>
           <a:xfrm>
-            <a:off x="6333093" y="3951394"/>
+            <a:off x="787662" y="3105500"/>
             <a:ext cx="1654260" cy="276999"/>
           </a:xfrm>
           <a:prstGeom prst="rect">
@@ -52061,7 +52021,7 @@
         </p:nvSpPr>
         <p:spPr>
           <a:xfrm>
-            <a:off x="6346326" y="4330773"/>
+            <a:off x="800895" y="3484879"/>
             <a:ext cx="1654260" cy="276999"/>
           </a:xfrm>
           <a:prstGeom prst="rect">
@@ -52210,8 +52170,8 @@
         </p:nvSpPr>
         <p:spPr>
           <a:xfrm>
-            <a:off x="6394695" y="6312601"/>
-            <a:ext cx="5695308" cy="410106"/>
+            <a:off x="9589134" y="4734206"/>
+            <a:ext cx="2414726" cy="410106"/>
           </a:xfrm>
           <a:prstGeom prst="roundRect">
             <a:avLst/>
@@ -52285,7 +52245,7 @@
         </p:blipFill>
         <p:spPr bwMode="auto">
           <a:xfrm>
-            <a:off x="8342236" y="6350433"/>
+            <a:off x="10038023" y="4774603"/>
             <a:ext cx="312825" cy="312825"/>
           </a:xfrm>
           <a:prstGeom prst="rect">
@@ -52317,8 +52277,8 @@
         </p:nvSpPr>
         <p:spPr>
           <a:xfrm>
-            <a:off x="6374112" y="5767202"/>
-            <a:ext cx="5722795" cy="410106"/>
+            <a:off x="9599946" y="4145877"/>
+            <a:ext cx="2414726" cy="410106"/>
           </a:xfrm>
           <a:prstGeom prst="roundRect">
             <a:avLst/>
@@ -52392,7 +52352,392 @@
         </p:blipFill>
         <p:spPr bwMode="auto">
           <a:xfrm>
-            <a:off x="8342236" y="5815842"/>
+            <a:off x="10038023" y="4213384"/>
+            <a:ext cx="312825" cy="312825"/>
+          </a:xfrm>
+          <a:prstGeom prst="rect">
+            <a:avLst/>
+          </a:prstGeom>
+          <a:noFill/>
+          <a:extLst>
+            <a:ext uri="{909E8E84-426E-40DD-AFC4-6F175D3DCCD1}">
+              <a14:hiddenFill xmlns:a14="http://schemas.microsoft.com/office/drawing/2010/main">
+                <a:solidFill>
+                  <a:srgbClr val="FFFFFF"/>
+                </a:solidFill>
+              </a14:hiddenFill>
+            </a:ext>
+          </a:extLst>
+        </p:spPr>
+      </p:pic>
+      <p:sp>
+        <p:nvSpPr>
+          <p:cNvPr id="16" name="Rectangle: Rounded Corners 15">
+            <a:extLst>
+              <a:ext uri="{FF2B5EF4-FFF2-40B4-BE49-F238E27FC236}">
+                <a16:creationId xmlns:a16="http://schemas.microsoft.com/office/drawing/2014/main" id="{3FCCDCC1-D5E9-F083-8A46-8805F39EBA91}"/>
+              </a:ext>
+            </a:extLst>
+          </p:cNvPr>
+          <p:cNvSpPr/>
+          <p:nvPr/>
+        </p:nvSpPr>
+        <p:spPr>
+          <a:xfrm>
+            <a:off x="900370" y="4364498"/>
+            <a:ext cx="1286240" cy="410105"/>
+          </a:xfrm>
+          <a:prstGeom prst="roundRect">
+            <a:avLst/>
+          </a:prstGeom>
+          <a:solidFill>
+            <a:srgbClr val="002646"/>
+          </a:solidFill>
+          <a:ln>
+            <a:noFill/>
+          </a:ln>
+        </p:spPr>
+        <p:style>
+          <a:lnRef idx="2">
+            <a:schemeClr val="accent1">
+              <a:shade val="15000"/>
+            </a:schemeClr>
+          </a:lnRef>
+          <a:fillRef idx="1">
+            <a:schemeClr val="accent1"/>
+          </a:fillRef>
+          <a:effectRef idx="0">
+            <a:schemeClr val="accent1"/>
+          </a:effectRef>
+          <a:fontRef idx="minor">
+            <a:schemeClr val="lt1"/>
+          </a:fontRef>
+        </p:style>
+        <p:txBody>
+          <a:bodyPr rtlCol="0" anchor="ctr"/>
+          <a:lstStyle/>
+          <a:p>
+            <a:pPr algn="ctr"/>
+            <a:r>
+              <a:rPr lang="en-US" sz="1200" noProof="0" dirty="0"/>
+              <a:t>F-777</a:t>
+            </a:r>
+          </a:p>
+        </p:txBody>
+      </p:sp>
+      <p:pic>
+        <p:nvPicPr>
+          <p:cNvPr id="28" name="Picture 4">
+            <a:extLst>
+              <a:ext uri="{FF2B5EF4-FFF2-40B4-BE49-F238E27FC236}">
+                <a16:creationId xmlns:a16="http://schemas.microsoft.com/office/drawing/2014/main" id="{350A3D3B-9B1B-6C18-7F38-4EDD437EB99A}"/>
+              </a:ext>
+            </a:extLst>
+          </p:cNvPr>
+          <p:cNvPicPr>
+            <a:picLocks noChangeAspect="1" noChangeArrowheads="1"/>
+          </p:cNvPicPr>
+          <p:nvPr/>
+        </p:nvPicPr>
+        <p:blipFill>
+          <a:blip r:embed="rId13">
+            <a:extLst>
+              <a:ext uri="{28A0092B-C50C-407E-A947-70E740481C1C}">
+                <a14:useLocalDpi xmlns:a14="http://schemas.microsoft.com/office/drawing/2010/main" val="0"/>
+              </a:ext>
+            </a:extLst>
+          </a:blip>
+          <a:srcRect/>
+          <a:stretch>
+            <a:fillRect/>
+          </a:stretch>
+        </p:blipFill>
+        <p:spPr bwMode="auto">
+          <a:xfrm>
+            <a:off x="1800630" y="4399298"/>
+            <a:ext cx="312825" cy="312825"/>
+          </a:xfrm>
+          <a:prstGeom prst="rect">
+            <a:avLst/>
+          </a:prstGeom>
+          <a:noFill/>
+          <a:extLst>
+            <a:ext uri="{909E8E84-426E-40DD-AFC4-6F175D3DCCD1}">
+              <a14:hiddenFill xmlns:a14="http://schemas.microsoft.com/office/drawing/2010/main">
+                <a:solidFill>
+                  <a:srgbClr val="FFFFFF"/>
+                </a:solidFill>
+              </a14:hiddenFill>
+            </a:ext>
+          </a:extLst>
+        </p:spPr>
+      </p:pic>
+      <p:sp>
+        <p:nvSpPr>
+          <p:cNvPr id="36" name="Rectangle: Rounded Corners 35">
+            <a:extLst>
+              <a:ext uri="{FF2B5EF4-FFF2-40B4-BE49-F238E27FC236}">
+                <a16:creationId xmlns:a16="http://schemas.microsoft.com/office/drawing/2014/main" id="{599EFCEC-11EE-D99B-A173-080C988FC6EC}"/>
+              </a:ext>
+            </a:extLst>
+          </p:cNvPr>
+          <p:cNvSpPr/>
+          <p:nvPr/>
+        </p:nvSpPr>
+        <p:spPr>
+          <a:xfrm>
+            <a:off x="814128" y="4945687"/>
+            <a:ext cx="3360420" cy="410105"/>
+          </a:xfrm>
+          <a:prstGeom prst="roundRect">
+            <a:avLst/>
+          </a:prstGeom>
+          <a:solidFill>
+            <a:srgbClr val="002646"/>
+          </a:solidFill>
+          <a:ln>
+            <a:noFill/>
+          </a:ln>
+        </p:spPr>
+        <p:style>
+          <a:lnRef idx="2">
+            <a:schemeClr val="accent1">
+              <a:shade val="15000"/>
+            </a:schemeClr>
+          </a:lnRef>
+          <a:fillRef idx="1">
+            <a:schemeClr val="accent1"/>
+          </a:fillRef>
+          <a:effectRef idx="0">
+            <a:schemeClr val="accent1"/>
+          </a:effectRef>
+          <a:fontRef idx="minor">
+            <a:schemeClr val="lt1"/>
+          </a:fontRef>
+        </p:style>
+        <p:txBody>
+          <a:bodyPr rtlCol="0" anchor="ctr"/>
+          <a:lstStyle/>
+          <a:p>
+            <a:pPr algn="ctr"/>
+            <a:endParaRPr lang="en-US" noProof="0" dirty="0"/>
+          </a:p>
+        </p:txBody>
+      </p:sp>
+      <p:sp>
+        <p:nvSpPr>
+          <p:cNvPr id="37" name="TextBox 36">
+            <a:extLst>
+              <a:ext uri="{FF2B5EF4-FFF2-40B4-BE49-F238E27FC236}">
+                <a16:creationId xmlns:a16="http://schemas.microsoft.com/office/drawing/2014/main" id="{35846852-0F14-F451-5155-6D6D9ED63F7D}"/>
+              </a:ext>
+            </a:extLst>
+          </p:cNvPr>
+          <p:cNvSpPr txBox="1"/>
+          <p:nvPr/>
+        </p:nvSpPr>
+        <p:spPr>
+          <a:xfrm>
+            <a:off x="822312" y="5027505"/>
+            <a:ext cx="1987693" cy="276999"/>
+          </a:xfrm>
+          <a:prstGeom prst="rect">
+            <a:avLst/>
+          </a:prstGeom>
+          <a:noFill/>
+        </p:spPr>
+        <p:txBody>
+          <a:bodyPr wrap="square" rtlCol="0">
+            <a:spAutoFit/>
+          </a:bodyPr>
+          <a:lstStyle/>
+          <a:p>
+            <a:r>
+              <a:rPr lang="en-US" sz="1200" noProof="0" dirty="0">
+                <a:solidFill>
+                  <a:schemeClr val="bg1">
+                    <a:lumMod val="65000"/>
+                  </a:schemeClr>
+                </a:solidFill>
+                <a:latin typeface="Montserrat" panose="00000500000000000000" pitchFamily="2" charset="0"/>
+              </a:rPr>
+              <a:t>Artist …</a:t>
+            </a:r>
+          </a:p>
+        </p:txBody>
+      </p:sp>
+      <p:cxnSp>
+        <p:nvCxnSpPr>
+          <p:cNvPr id="38" name="Straight Connector 37">
+            <a:extLst>
+              <a:ext uri="{FF2B5EF4-FFF2-40B4-BE49-F238E27FC236}">
+                <a16:creationId xmlns:a16="http://schemas.microsoft.com/office/drawing/2014/main" id="{E30DD5EA-C47A-128E-CD09-C8AC954A774B}"/>
+              </a:ext>
+            </a:extLst>
+          </p:cNvPr>
+          <p:cNvCxnSpPr>
+            <a:cxnSpLocks/>
+          </p:cNvCxnSpPr>
+          <p:nvPr/>
+        </p:nvCxnSpPr>
+        <p:spPr>
+          <a:xfrm>
+            <a:off x="3745757" y="4927570"/>
+            <a:ext cx="0" cy="428222"/>
+          </a:xfrm>
+          <a:prstGeom prst="line">
+            <a:avLst/>
+          </a:prstGeom>
+          <a:ln>
+            <a:solidFill>
+              <a:srgbClr val="00172B"/>
+            </a:solidFill>
+          </a:ln>
+        </p:spPr>
+        <p:style>
+          <a:lnRef idx="2">
+            <a:schemeClr val="accent1"/>
+          </a:lnRef>
+          <a:fillRef idx="0">
+            <a:schemeClr val="accent1"/>
+          </a:fillRef>
+          <a:effectRef idx="1">
+            <a:schemeClr val="accent1"/>
+          </a:effectRef>
+          <a:fontRef idx="minor">
+            <a:schemeClr val="tx1"/>
+          </a:fontRef>
+        </p:style>
+      </p:cxnSp>
+      <p:pic>
+        <p:nvPicPr>
+          <p:cNvPr id="39" name="Picture 16">
+            <a:extLst>
+              <a:ext uri="{FF2B5EF4-FFF2-40B4-BE49-F238E27FC236}">
+                <a16:creationId xmlns:a16="http://schemas.microsoft.com/office/drawing/2014/main" id="{6C7C76DA-D2D3-2A74-1EA7-82AF119FC6FC}"/>
+              </a:ext>
+            </a:extLst>
+          </p:cNvPr>
+          <p:cNvPicPr>
+            <a:picLocks noChangeAspect="1" noChangeArrowheads="1"/>
+          </p:cNvPicPr>
+          <p:nvPr/>
+        </p:nvPicPr>
+        <p:blipFill>
+          <a:blip r:embed="rId7">
+            <a:extLst>
+              <a:ext uri="{28A0092B-C50C-407E-A947-70E740481C1C}">
+                <a14:useLocalDpi xmlns:a14="http://schemas.microsoft.com/office/drawing/2010/main" val="0"/>
+              </a:ext>
+            </a:extLst>
+          </a:blip>
+          <a:srcRect/>
+          <a:stretch>
+            <a:fillRect/>
+          </a:stretch>
+        </p:blipFill>
+        <p:spPr bwMode="auto">
+          <a:xfrm>
+            <a:off x="3828709" y="5027505"/>
+            <a:ext cx="261734" cy="261734"/>
+          </a:xfrm>
+          <a:prstGeom prst="rect">
+            <a:avLst/>
+          </a:prstGeom>
+          <a:noFill/>
+          <a:extLst>
+            <a:ext uri="{909E8E84-426E-40DD-AFC4-6F175D3DCCD1}">
+              <a14:hiddenFill xmlns:a14="http://schemas.microsoft.com/office/drawing/2010/main">
+                <a:solidFill>
+                  <a:srgbClr val="FFFFFF"/>
+                </a:solidFill>
+              </a14:hiddenFill>
+            </a:ext>
+          </a:extLst>
+        </p:spPr>
+      </p:pic>
+      <p:sp>
+        <p:nvSpPr>
+          <p:cNvPr id="34" name="Rectangle: Rounded Corners 33">
+            <a:extLst>
+              <a:ext uri="{FF2B5EF4-FFF2-40B4-BE49-F238E27FC236}">
+                <a16:creationId xmlns:a16="http://schemas.microsoft.com/office/drawing/2014/main" id="{9CBCE951-CC68-6D78-09EC-1B68B17667B3}"/>
+              </a:ext>
+            </a:extLst>
+          </p:cNvPr>
+          <p:cNvSpPr/>
+          <p:nvPr/>
+        </p:nvSpPr>
+        <p:spPr>
+          <a:xfrm>
+            <a:off x="3771490" y="4945687"/>
+            <a:ext cx="423157" cy="410105"/>
+          </a:xfrm>
+          <a:prstGeom prst="roundRect">
+            <a:avLst/>
+          </a:prstGeom>
+          <a:solidFill>
+            <a:srgbClr val="2AB9D2"/>
+          </a:solidFill>
+          <a:ln>
+            <a:noFill/>
+          </a:ln>
+        </p:spPr>
+        <p:style>
+          <a:lnRef idx="2">
+            <a:schemeClr val="accent1">
+              <a:shade val="15000"/>
+            </a:schemeClr>
+          </a:lnRef>
+          <a:fillRef idx="1">
+            <a:schemeClr val="accent1"/>
+          </a:fillRef>
+          <a:effectRef idx="0">
+            <a:schemeClr val="accent1"/>
+          </a:effectRef>
+          <a:fontRef idx="minor">
+            <a:schemeClr val="lt1"/>
+          </a:fontRef>
+        </p:style>
+        <p:txBody>
+          <a:bodyPr rtlCol="0" anchor="ctr"/>
+          <a:lstStyle/>
+          <a:p>
+            <a:pPr algn="ctr"/>
+            <a:endParaRPr lang="en-US" sz="1200" noProof="0" dirty="0"/>
+          </a:p>
+        </p:txBody>
+      </p:sp>
+      <p:pic>
+        <p:nvPicPr>
+          <p:cNvPr id="35" name="Picture 4">
+            <a:extLst>
+              <a:ext uri="{FF2B5EF4-FFF2-40B4-BE49-F238E27FC236}">
+                <a16:creationId xmlns:a16="http://schemas.microsoft.com/office/drawing/2014/main" id="{CC1C47AD-CB0B-1064-0011-840FB995938D}"/>
+              </a:ext>
+            </a:extLst>
+          </p:cNvPr>
+          <p:cNvPicPr>
+            <a:picLocks noChangeAspect="1" noChangeArrowheads="1"/>
+          </p:cNvPicPr>
+          <p:nvPr/>
+        </p:nvPicPr>
+        <p:blipFill>
+          <a:blip r:embed="rId13">
+            <a:extLst>
+              <a:ext uri="{28A0092B-C50C-407E-A947-70E740481C1C}">
+                <a14:useLocalDpi xmlns:a14="http://schemas.microsoft.com/office/drawing/2010/main" val="0"/>
+              </a:ext>
+            </a:extLst>
+          </a:blip>
+          <a:srcRect/>
+          <a:stretch>
+            <a:fillRect/>
+          </a:stretch>
+        </p:blipFill>
+        <p:spPr bwMode="auto">
+          <a:xfrm>
+            <a:off x="3826655" y="4994326"/>
             <a:ext cx="312825" cy="312825"/>
           </a:xfrm>
           <a:prstGeom prst="rect">

--- a/mockups/SonicWaveMockup.pptx
+++ b/mockups/SonicWaveMockup.pptx
@@ -5,7 +5,7 @@
     <p:sldMasterId id="2147483648" r:id="rId1"/>
   </p:sldMasterIdLst>
   <p:notesMasterIdLst>
-    <p:notesMasterId r:id="rId28"/>
+    <p:notesMasterId r:id="rId29"/>
   </p:notesMasterIdLst>
   <p:sldIdLst>
     <p:sldId id="258" r:id="rId2"/>
@@ -22,18 +22,19 @@
     <p:sldId id="270" r:id="rId13"/>
     <p:sldId id="262" r:id="rId14"/>
     <p:sldId id="263" r:id="rId15"/>
-    <p:sldId id="267" r:id="rId16"/>
-    <p:sldId id="277" r:id="rId17"/>
-    <p:sldId id="271" r:id="rId18"/>
-    <p:sldId id="272" r:id="rId19"/>
-    <p:sldId id="279" r:id="rId20"/>
-    <p:sldId id="273" r:id="rId21"/>
-    <p:sldId id="281" r:id="rId22"/>
-    <p:sldId id="283" r:id="rId23"/>
-    <p:sldId id="282" r:id="rId24"/>
-    <p:sldId id="280" r:id="rId25"/>
-    <p:sldId id="275" r:id="rId26"/>
-    <p:sldId id="276" r:id="rId27"/>
+    <p:sldId id="284" r:id="rId16"/>
+    <p:sldId id="267" r:id="rId17"/>
+    <p:sldId id="277" r:id="rId18"/>
+    <p:sldId id="271" r:id="rId19"/>
+    <p:sldId id="272" r:id="rId20"/>
+    <p:sldId id="279" r:id="rId21"/>
+    <p:sldId id="273" r:id="rId22"/>
+    <p:sldId id="281" r:id="rId23"/>
+    <p:sldId id="283" r:id="rId24"/>
+    <p:sldId id="282" r:id="rId25"/>
+    <p:sldId id="280" r:id="rId26"/>
+    <p:sldId id="275" r:id="rId27"/>
+    <p:sldId id="276" r:id="rId28"/>
   </p:sldIdLst>
   <p:sldSz cx="12192000" cy="6858000"/>
   <p:notesSz cx="6858000" cy="9144000"/>
@@ -222,7 +223,7 @@
           <a:p>
             <a:fld id="{0E757DC4-2315-4FE9-87C1-E5FAB21BBA1E}" type="datetimeFigureOut">
               <a:rPr lang="de-CH" smtClean="0"/>
-              <a:t>31.07.2025</a:t>
+              <a:t>22.09.2025</a:t>
             </a:fld>
             <a:endParaRPr lang="de-CH"/>
           </a:p>
@@ -381,7 +382,7 @@
           <a:p>
             <a:fld id="{3AC06FFD-237E-4B60-BABF-A7579C15EB0E}" type="slidenum">
               <a:rPr lang="de-CH" smtClean="0"/>
-              <a:t>‹#›</a:t>
+              <a:t>‹Nr.›</a:t>
             </a:fld>
             <a:endParaRPr lang="de-CH"/>
           </a:p>
@@ -867,6 +868,122 @@
   <p:cSld>
     <p:spTree>
       <p:nvGrpSpPr>
+        <p:cNvPr id="1" name="">
+          <a:extLst>
+            <a:ext uri="{FF2B5EF4-FFF2-40B4-BE49-F238E27FC236}">
+              <a16:creationId xmlns:a16="http://schemas.microsoft.com/office/drawing/2014/main" id="{0330C962-B192-965B-0E5A-7C569CB9FCB8}"/>
+            </a:ext>
+          </a:extLst>
+        </p:cNvPr>
+        <p:cNvGrpSpPr/>
+        <p:nvPr/>
+      </p:nvGrpSpPr>
+      <p:grpSpPr>
+        <a:xfrm>
+          <a:off x="0" y="0"/>
+          <a:ext cx="0" cy="0"/>
+          <a:chOff x="0" y="0"/>
+          <a:chExt cx="0" cy="0"/>
+        </a:xfrm>
+      </p:grpSpPr>
+      <p:sp>
+        <p:nvSpPr>
+          <p:cNvPr id="2" name="Slide Image Placeholder 1">
+            <a:extLst>
+              <a:ext uri="{FF2B5EF4-FFF2-40B4-BE49-F238E27FC236}">
+                <a16:creationId xmlns:a16="http://schemas.microsoft.com/office/drawing/2014/main" id="{EDE27731-3759-ACCD-60E9-F9E782EE1A8D}"/>
+              </a:ext>
+            </a:extLst>
+          </p:cNvPr>
+          <p:cNvSpPr>
+            <a:spLocks noGrp="1" noRot="1" noChangeAspect="1"/>
+          </p:cNvSpPr>
+          <p:nvPr>
+            <p:ph type="sldImg"/>
+          </p:nvPr>
+        </p:nvSpPr>
+        <p:spPr/>
+      </p:sp>
+      <p:sp>
+        <p:nvSpPr>
+          <p:cNvPr id="3" name="Notes Placeholder 2">
+            <a:extLst>
+              <a:ext uri="{FF2B5EF4-FFF2-40B4-BE49-F238E27FC236}">
+                <a16:creationId xmlns:a16="http://schemas.microsoft.com/office/drawing/2014/main" id="{47D75B04-209E-C3DC-3997-AD5C0BAC315D}"/>
+              </a:ext>
+            </a:extLst>
+          </p:cNvPr>
+          <p:cNvSpPr>
+            <a:spLocks noGrp="1"/>
+          </p:cNvSpPr>
+          <p:nvPr>
+            <p:ph type="body" idx="1"/>
+          </p:nvPr>
+        </p:nvSpPr>
+        <p:spPr/>
+        <p:txBody>
+          <a:bodyPr/>
+          <a:lstStyle/>
+          <a:p>
+            <a:r>
+              <a:rPr lang="de-CH" dirty="0"/>
+              <a:t>Search </a:t>
+            </a:r>
+            <a:r>
+              <a:rPr lang="de-CH"/>
+              <a:t>dropdown</a:t>
+            </a:r>
+            <a:endParaRPr lang="de-CH" dirty="0"/>
+          </a:p>
+        </p:txBody>
+      </p:sp>
+      <p:sp>
+        <p:nvSpPr>
+          <p:cNvPr id="4" name="Slide Number Placeholder 3">
+            <a:extLst>
+              <a:ext uri="{FF2B5EF4-FFF2-40B4-BE49-F238E27FC236}">
+                <a16:creationId xmlns:a16="http://schemas.microsoft.com/office/drawing/2014/main" id="{3F2663A9-6686-7214-38DE-A62EA6BEA873}"/>
+              </a:ext>
+            </a:extLst>
+          </p:cNvPr>
+          <p:cNvSpPr>
+            <a:spLocks noGrp="1"/>
+          </p:cNvSpPr>
+          <p:nvPr>
+            <p:ph type="sldNum" sz="quarter" idx="5"/>
+          </p:nvPr>
+        </p:nvSpPr>
+        <p:spPr/>
+        <p:txBody>
+          <a:bodyPr/>
+          <a:lstStyle/>
+          <a:p>
+            <a:fld id="{3AC06FFD-237E-4B60-BABF-A7579C15EB0E}" type="slidenum">
+              <a:rPr lang="de-CH" smtClean="0"/>
+              <a:t>15</a:t>
+            </a:fld>
+            <a:endParaRPr lang="de-CH"/>
+          </a:p>
+        </p:txBody>
+      </p:sp>
+    </p:spTree>
+    <p:extLst>
+      <p:ext uri="{BB962C8B-B14F-4D97-AF65-F5344CB8AC3E}">
+        <p14:creationId xmlns:p14="http://schemas.microsoft.com/office/powerpoint/2010/main" val="3199981252"/>
+      </p:ext>
+    </p:extLst>
+  </p:cSld>
+  <p:clrMapOvr>
+    <a:masterClrMapping/>
+  </p:clrMapOvr>
+</p:notes>
+</file>
+
+<file path=ppt/notesSlides/notesSlide14.xml><?xml version="1.0" encoding="utf-8"?>
+<p:notes xmlns:a="http://schemas.openxmlformats.org/drawingml/2006/main" xmlns:r="http://schemas.openxmlformats.org/officeDocument/2006/relationships" xmlns:p="http://schemas.openxmlformats.org/presentationml/2006/main">
+  <p:cSld>
+    <p:spTree>
+      <p:nvGrpSpPr>
         <p:cNvPr id="1" name=""/>
         <p:cNvGrpSpPr/>
         <p:nvPr/>
@@ -930,7 +1047,7 @@
           <a:p>
             <a:fld id="{3AC06FFD-237E-4B60-BABF-A7579C15EB0E}" type="slidenum">
               <a:rPr lang="de-CH" smtClean="0"/>
-              <a:t>15</a:t>
+              <a:t>16</a:t>
             </a:fld>
             <a:endParaRPr lang="de-CH"/>
           </a:p>
@@ -949,7 +1066,7 @@
 </p:notes>
 </file>
 
-<file path=ppt/notesSlides/notesSlide14.xml><?xml version="1.0" encoding="utf-8"?>
+<file path=ppt/notesSlides/notesSlide15.xml><?xml version="1.0" encoding="utf-8"?>
 <p:notes xmlns:a="http://schemas.openxmlformats.org/drawingml/2006/main" xmlns:r="http://schemas.openxmlformats.org/officeDocument/2006/relationships" xmlns:p="http://schemas.openxmlformats.org/presentationml/2006/main">
   <p:cSld>
     <p:spTree>
@@ -1041,7 +1158,7 @@
           <a:p>
             <a:fld id="{3AC06FFD-237E-4B60-BABF-A7579C15EB0E}" type="slidenum">
               <a:rPr lang="de-CH" smtClean="0"/>
-              <a:t>17</a:t>
+              <a:t>18</a:t>
             </a:fld>
             <a:endParaRPr lang="de-CH"/>
           </a:p>
@@ -1060,7 +1177,7 @@
 </p:notes>
 </file>
 
-<file path=ppt/notesSlides/notesSlide15.xml><?xml version="1.0" encoding="utf-8"?>
+<file path=ppt/notesSlides/notesSlide16.xml><?xml version="1.0" encoding="utf-8"?>
 <p:notes xmlns:a="http://schemas.openxmlformats.org/drawingml/2006/main" xmlns:r="http://schemas.openxmlformats.org/officeDocument/2006/relationships" xmlns:p="http://schemas.openxmlformats.org/presentationml/2006/main">
   <p:cSld>
     <p:spTree>
@@ -1152,7 +1269,7 @@
           <a:p>
             <a:fld id="{3AC06FFD-237E-4B60-BABF-A7579C15EB0E}" type="slidenum">
               <a:rPr lang="de-CH" smtClean="0"/>
-              <a:t>18</a:t>
+              <a:t>19</a:t>
             </a:fld>
             <a:endParaRPr lang="de-CH"/>
           </a:p>
@@ -1171,7 +1288,7 @@
 </p:notes>
 </file>
 
-<file path=ppt/notesSlides/notesSlide16.xml><?xml version="1.0" encoding="utf-8"?>
+<file path=ppt/notesSlides/notesSlide17.xml><?xml version="1.0" encoding="utf-8"?>
 <p:notes xmlns:a="http://schemas.openxmlformats.org/drawingml/2006/main" xmlns:r="http://schemas.openxmlformats.org/officeDocument/2006/relationships" xmlns:p="http://schemas.openxmlformats.org/presentationml/2006/main">
   <p:cSld>
     <p:spTree>
@@ -1263,7 +1380,7 @@
           <a:p>
             <a:fld id="{3AC06FFD-237E-4B60-BABF-A7579C15EB0E}" type="slidenum">
               <a:rPr lang="de-CH" smtClean="0"/>
-              <a:t>19</a:t>
+              <a:t>20</a:t>
             </a:fld>
             <a:endParaRPr lang="de-CH"/>
           </a:p>
@@ -1282,7 +1399,7 @@
 </p:notes>
 </file>
 
-<file path=ppt/notesSlides/notesSlide17.xml><?xml version="1.0" encoding="utf-8"?>
+<file path=ppt/notesSlides/notesSlide18.xml><?xml version="1.0" encoding="utf-8"?>
 <p:notes xmlns:a="http://schemas.openxmlformats.org/drawingml/2006/main" xmlns:r="http://schemas.openxmlformats.org/officeDocument/2006/relationships" xmlns:p="http://schemas.openxmlformats.org/presentationml/2006/main">
   <p:cSld>
     <p:spTree>
@@ -1374,7 +1491,7 @@
           <a:p>
             <a:fld id="{3AC06FFD-237E-4B60-BABF-A7579C15EB0E}" type="slidenum">
               <a:rPr lang="de-CH" smtClean="0"/>
-              <a:t>20</a:t>
+              <a:t>21</a:t>
             </a:fld>
             <a:endParaRPr lang="de-CH"/>
           </a:p>
@@ -1393,7 +1510,7 @@
 </p:notes>
 </file>
 
-<file path=ppt/notesSlides/notesSlide18.xml><?xml version="1.0" encoding="utf-8"?>
+<file path=ppt/notesSlides/notesSlide19.xml><?xml version="1.0" encoding="utf-8"?>
 <p:notes xmlns:a="http://schemas.openxmlformats.org/drawingml/2006/main" xmlns:r="http://schemas.openxmlformats.org/officeDocument/2006/relationships" xmlns:p="http://schemas.openxmlformats.org/presentationml/2006/main">
   <p:cSld>
     <p:spTree>
@@ -1485,7 +1602,7 @@
           <a:p>
             <a:fld id="{3AC06FFD-237E-4B60-BABF-A7579C15EB0E}" type="slidenum">
               <a:rPr lang="de-CH" smtClean="0"/>
-              <a:t>21</a:t>
+              <a:t>22</a:t>
             </a:fld>
             <a:endParaRPr lang="de-CH"/>
           </a:p>
@@ -1495,117 +1612,6 @@
     <p:extLst>
       <p:ext uri="{BB962C8B-B14F-4D97-AF65-F5344CB8AC3E}">
         <p14:creationId xmlns:p14="http://schemas.microsoft.com/office/powerpoint/2010/main" val="1363146090"/>
-      </p:ext>
-    </p:extLst>
-  </p:cSld>
-  <p:clrMapOvr>
-    <a:masterClrMapping/>
-  </p:clrMapOvr>
-</p:notes>
-</file>
-
-<file path=ppt/notesSlides/notesSlide19.xml><?xml version="1.0" encoding="utf-8"?>
-<p:notes xmlns:a="http://schemas.openxmlformats.org/drawingml/2006/main" xmlns:r="http://schemas.openxmlformats.org/officeDocument/2006/relationships" xmlns:p="http://schemas.openxmlformats.org/presentationml/2006/main">
-  <p:cSld>
-    <p:spTree>
-      <p:nvGrpSpPr>
-        <p:cNvPr id="1" name="">
-          <a:extLst>
-            <a:ext uri="{FF2B5EF4-FFF2-40B4-BE49-F238E27FC236}">
-              <a16:creationId xmlns:a16="http://schemas.microsoft.com/office/drawing/2014/main" id="{0DB59AAB-EDE8-05D9-5793-A37336057E39}"/>
-            </a:ext>
-          </a:extLst>
-        </p:cNvPr>
-        <p:cNvGrpSpPr/>
-        <p:nvPr/>
-      </p:nvGrpSpPr>
-      <p:grpSpPr>
-        <a:xfrm>
-          <a:off x="0" y="0"/>
-          <a:ext cx="0" cy="0"/>
-          <a:chOff x="0" y="0"/>
-          <a:chExt cx="0" cy="0"/>
-        </a:xfrm>
-      </p:grpSpPr>
-      <p:sp>
-        <p:nvSpPr>
-          <p:cNvPr id="2" name="Slide Image Placeholder 1">
-            <a:extLst>
-              <a:ext uri="{FF2B5EF4-FFF2-40B4-BE49-F238E27FC236}">
-                <a16:creationId xmlns:a16="http://schemas.microsoft.com/office/drawing/2014/main" id="{80DD6655-EC75-624F-6623-0BCF4D1035A6}"/>
-              </a:ext>
-            </a:extLst>
-          </p:cNvPr>
-          <p:cNvSpPr>
-            <a:spLocks noGrp="1" noRot="1" noChangeAspect="1"/>
-          </p:cNvSpPr>
-          <p:nvPr>
-            <p:ph type="sldImg"/>
-          </p:nvPr>
-        </p:nvSpPr>
-        <p:spPr/>
-      </p:sp>
-      <p:sp>
-        <p:nvSpPr>
-          <p:cNvPr id="3" name="Notes Placeholder 2">
-            <a:extLst>
-              <a:ext uri="{FF2B5EF4-FFF2-40B4-BE49-F238E27FC236}">
-                <a16:creationId xmlns:a16="http://schemas.microsoft.com/office/drawing/2014/main" id="{7ADEAB1D-0EE1-B2FF-272C-B80171EA47E6}"/>
-              </a:ext>
-            </a:extLst>
-          </p:cNvPr>
-          <p:cNvSpPr>
-            <a:spLocks noGrp="1"/>
-          </p:cNvSpPr>
-          <p:nvPr>
-            <p:ph type="body" idx="1"/>
-          </p:nvPr>
-        </p:nvSpPr>
-        <p:spPr/>
-        <p:txBody>
-          <a:bodyPr/>
-          <a:lstStyle/>
-          <a:p>
-            <a:r>
-              <a:rPr lang="de-CH" dirty="0"/>
-              <a:t>Welcome page if not logged in</a:t>
-            </a:r>
-          </a:p>
-        </p:txBody>
-      </p:sp>
-      <p:sp>
-        <p:nvSpPr>
-          <p:cNvPr id="4" name="Slide Number Placeholder 3">
-            <a:extLst>
-              <a:ext uri="{FF2B5EF4-FFF2-40B4-BE49-F238E27FC236}">
-                <a16:creationId xmlns:a16="http://schemas.microsoft.com/office/drawing/2014/main" id="{A8442A22-9862-760C-E12B-27D4F45582FD}"/>
-              </a:ext>
-            </a:extLst>
-          </p:cNvPr>
-          <p:cNvSpPr>
-            <a:spLocks noGrp="1"/>
-          </p:cNvSpPr>
-          <p:nvPr>
-            <p:ph type="sldNum" sz="quarter" idx="5"/>
-          </p:nvPr>
-        </p:nvSpPr>
-        <p:spPr/>
-        <p:txBody>
-          <a:bodyPr/>
-          <a:lstStyle/>
-          <a:p>
-            <a:fld id="{3AC06FFD-237E-4B60-BABF-A7579C15EB0E}" type="slidenum">
-              <a:rPr lang="de-CH" smtClean="0"/>
-              <a:t>22</a:t>
-            </a:fld>
-            <a:endParaRPr lang="de-CH"/>
-          </a:p>
-        </p:txBody>
-      </p:sp>
-    </p:spTree>
-    <p:extLst>
-      <p:ext uri="{BB962C8B-B14F-4D97-AF65-F5344CB8AC3E}">
-        <p14:creationId xmlns:p14="http://schemas.microsoft.com/office/powerpoint/2010/main" val="3189852626"/>
       </p:ext>
     </p:extLst>
   </p:cSld>
@@ -1710,6 +1716,117 @@
         <p:cNvPr id="1" name="">
           <a:extLst>
             <a:ext uri="{FF2B5EF4-FFF2-40B4-BE49-F238E27FC236}">
+              <a16:creationId xmlns:a16="http://schemas.microsoft.com/office/drawing/2014/main" id="{0DB59AAB-EDE8-05D9-5793-A37336057E39}"/>
+            </a:ext>
+          </a:extLst>
+        </p:cNvPr>
+        <p:cNvGrpSpPr/>
+        <p:nvPr/>
+      </p:nvGrpSpPr>
+      <p:grpSpPr>
+        <a:xfrm>
+          <a:off x="0" y="0"/>
+          <a:ext cx="0" cy="0"/>
+          <a:chOff x="0" y="0"/>
+          <a:chExt cx="0" cy="0"/>
+        </a:xfrm>
+      </p:grpSpPr>
+      <p:sp>
+        <p:nvSpPr>
+          <p:cNvPr id="2" name="Slide Image Placeholder 1">
+            <a:extLst>
+              <a:ext uri="{FF2B5EF4-FFF2-40B4-BE49-F238E27FC236}">
+                <a16:creationId xmlns:a16="http://schemas.microsoft.com/office/drawing/2014/main" id="{80DD6655-EC75-624F-6623-0BCF4D1035A6}"/>
+              </a:ext>
+            </a:extLst>
+          </p:cNvPr>
+          <p:cNvSpPr>
+            <a:spLocks noGrp="1" noRot="1" noChangeAspect="1"/>
+          </p:cNvSpPr>
+          <p:nvPr>
+            <p:ph type="sldImg"/>
+          </p:nvPr>
+        </p:nvSpPr>
+        <p:spPr/>
+      </p:sp>
+      <p:sp>
+        <p:nvSpPr>
+          <p:cNvPr id="3" name="Notes Placeholder 2">
+            <a:extLst>
+              <a:ext uri="{FF2B5EF4-FFF2-40B4-BE49-F238E27FC236}">
+                <a16:creationId xmlns:a16="http://schemas.microsoft.com/office/drawing/2014/main" id="{7ADEAB1D-0EE1-B2FF-272C-B80171EA47E6}"/>
+              </a:ext>
+            </a:extLst>
+          </p:cNvPr>
+          <p:cNvSpPr>
+            <a:spLocks noGrp="1"/>
+          </p:cNvSpPr>
+          <p:nvPr>
+            <p:ph type="body" idx="1"/>
+          </p:nvPr>
+        </p:nvSpPr>
+        <p:spPr/>
+        <p:txBody>
+          <a:bodyPr/>
+          <a:lstStyle/>
+          <a:p>
+            <a:r>
+              <a:rPr lang="de-CH" dirty="0"/>
+              <a:t>Welcome page if not logged in</a:t>
+            </a:r>
+          </a:p>
+        </p:txBody>
+      </p:sp>
+      <p:sp>
+        <p:nvSpPr>
+          <p:cNvPr id="4" name="Slide Number Placeholder 3">
+            <a:extLst>
+              <a:ext uri="{FF2B5EF4-FFF2-40B4-BE49-F238E27FC236}">
+                <a16:creationId xmlns:a16="http://schemas.microsoft.com/office/drawing/2014/main" id="{A8442A22-9862-760C-E12B-27D4F45582FD}"/>
+              </a:ext>
+            </a:extLst>
+          </p:cNvPr>
+          <p:cNvSpPr>
+            <a:spLocks noGrp="1"/>
+          </p:cNvSpPr>
+          <p:nvPr>
+            <p:ph type="sldNum" sz="quarter" idx="5"/>
+          </p:nvPr>
+        </p:nvSpPr>
+        <p:spPr/>
+        <p:txBody>
+          <a:bodyPr/>
+          <a:lstStyle/>
+          <a:p>
+            <a:fld id="{3AC06FFD-237E-4B60-BABF-A7579C15EB0E}" type="slidenum">
+              <a:rPr lang="de-CH" smtClean="0"/>
+              <a:t>23</a:t>
+            </a:fld>
+            <a:endParaRPr lang="de-CH"/>
+          </a:p>
+        </p:txBody>
+      </p:sp>
+    </p:spTree>
+    <p:extLst>
+      <p:ext uri="{BB962C8B-B14F-4D97-AF65-F5344CB8AC3E}">
+        <p14:creationId xmlns:p14="http://schemas.microsoft.com/office/powerpoint/2010/main" val="3189852626"/>
+      </p:ext>
+    </p:extLst>
+  </p:cSld>
+  <p:clrMapOvr>
+    <a:masterClrMapping/>
+  </p:clrMapOvr>
+</p:notes>
+</file>
+
+<file path=ppt/notesSlides/notesSlide21.xml><?xml version="1.0" encoding="utf-8"?>
+<p:notes xmlns:a="http://schemas.openxmlformats.org/drawingml/2006/main" xmlns:r="http://schemas.openxmlformats.org/officeDocument/2006/relationships" xmlns:p="http://schemas.openxmlformats.org/presentationml/2006/main">
+  <p:cSld>
+    <p:spTree>
+      <p:nvGrpSpPr>
+        <p:cNvPr id="1" name="">
+          <a:extLst>
+            <a:ext uri="{FF2B5EF4-FFF2-40B4-BE49-F238E27FC236}">
               <a16:creationId xmlns:a16="http://schemas.microsoft.com/office/drawing/2014/main" id="{E11C2962-E7BA-EAD7-B47C-012261E74C9D}"/>
             </a:ext>
           </a:extLst>
@@ -1794,7 +1911,7 @@
           <a:p>
             <a:fld id="{3AC06FFD-237E-4B60-BABF-A7579C15EB0E}" type="slidenum">
               <a:rPr lang="de-CH" smtClean="0"/>
-              <a:t>23</a:t>
+              <a:t>24</a:t>
             </a:fld>
             <a:endParaRPr lang="de-CH"/>
           </a:p>
@@ -1813,7 +1930,7 @@
 </p:notes>
 </file>
 
-<file path=ppt/notesSlides/notesSlide21.xml><?xml version="1.0" encoding="utf-8"?>
+<file path=ppt/notesSlides/notesSlide22.xml><?xml version="1.0" encoding="utf-8"?>
 <p:notes xmlns:a="http://schemas.openxmlformats.org/drawingml/2006/main" xmlns:r="http://schemas.openxmlformats.org/officeDocument/2006/relationships" xmlns:p="http://schemas.openxmlformats.org/presentationml/2006/main">
   <p:cSld>
     <p:spTree>
@@ -1905,7 +2022,7 @@
           <a:p>
             <a:fld id="{3AC06FFD-237E-4B60-BABF-A7579C15EB0E}" type="slidenum">
               <a:rPr lang="de-CH" smtClean="0"/>
-              <a:t>24</a:t>
+              <a:t>25</a:t>
             </a:fld>
             <a:endParaRPr lang="de-CH"/>
           </a:p>
@@ -1924,7 +2041,7 @@
 </p:notes>
 </file>
 
-<file path=ppt/notesSlides/notesSlide22.xml><?xml version="1.0" encoding="utf-8"?>
+<file path=ppt/notesSlides/notesSlide23.xml><?xml version="1.0" encoding="utf-8"?>
 <p:notes xmlns:a="http://schemas.openxmlformats.org/drawingml/2006/main" xmlns:r="http://schemas.openxmlformats.org/officeDocument/2006/relationships" xmlns:p="http://schemas.openxmlformats.org/presentationml/2006/main">
   <p:cSld>
     <p:spTree>
@@ -2016,7 +2133,7 @@
           <a:p>
             <a:fld id="{3AC06FFD-237E-4B60-BABF-A7579C15EB0E}" type="slidenum">
               <a:rPr lang="de-CH" smtClean="0"/>
-              <a:t>25</a:t>
+              <a:t>26</a:t>
             </a:fld>
             <a:endParaRPr lang="de-CH"/>
           </a:p>
@@ -2035,7 +2152,7 @@
 </p:notes>
 </file>
 
-<file path=ppt/notesSlides/notesSlide23.xml><?xml version="1.0" encoding="utf-8"?>
+<file path=ppt/notesSlides/notesSlide24.xml><?xml version="1.0" encoding="utf-8"?>
 <p:notes xmlns:a="http://schemas.openxmlformats.org/drawingml/2006/main" xmlns:r="http://schemas.openxmlformats.org/officeDocument/2006/relationships" xmlns:p="http://schemas.openxmlformats.org/presentationml/2006/main">
   <p:cSld>
     <p:spTree>
@@ -2127,7 +2244,7 @@
           <a:p>
             <a:fld id="{3AC06FFD-237E-4B60-BABF-A7579C15EB0E}" type="slidenum">
               <a:rPr lang="de-CH" smtClean="0"/>
-              <a:t>26</a:t>
+              <a:t>27</a:t>
             </a:fld>
             <a:endParaRPr lang="de-CH"/>
           </a:p>
@@ -2976,7 +3093,7 @@
           <a:p>
             <a:fld id="{8043C726-E4AC-4898-A7DA-106D25D4B538}" type="datetimeFigureOut">
               <a:rPr lang="de-CH" smtClean="0"/>
-              <a:t>31.07.2025</a:t>
+              <a:t>22.09.2025</a:t>
             </a:fld>
             <a:endParaRPr lang="de-CH"/>
           </a:p>
@@ -3030,7 +3147,7 @@
           <a:p>
             <a:fld id="{332761EB-263D-4DA9-878E-17644D4B84A3}" type="slidenum">
               <a:rPr lang="de-CH" smtClean="0"/>
-              <a:t>‹#›</a:t>
+              <a:t>‹Nr.›</a:t>
             </a:fld>
             <a:endParaRPr lang="de-CH"/>
           </a:p>
@@ -3176,7 +3293,7 @@
           <a:p>
             <a:fld id="{8043C726-E4AC-4898-A7DA-106D25D4B538}" type="datetimeFigureOut">
               <a:rPr lang="de-CH" smtClean="0"/>
-              <a:t>31.07.2025</a:t>
+              <a:t>22.09.2025</a:t>
             </a:fld>
             <a:endParaRPr lang="de-CH"/>
           </a:p>
@@ -3230,7 +3347,7 @@
           <a:p>
             <a:fld id="{332761EB-263D-4DA9-878E-17644D4B84A3}" type="slidenum">
               <a:rPr lang="de-CH" smtClean="0"/>
-              <a:t>‹#›</a:t>
+              <a:t>‹Nr.›</a:t>
             </a:fld>
             <a:endParaRPr lang="de-CH"/>
           </a:p>
@@ -3386,7 +3503,7 @@
           <a:p>
             <a:fld id="{8043C726-E4AC-4898-A7DA-106D25D4B538}" type="datetimeFigureOut">
               <a:rPr lang="de-CH" smtClean="0"/>
-              <a:t>31.07.2025</a:t>
+              <a:t>22.09.2025</a:t>
             </a:fld>
             <a:endParaRPr lang="de-CH"/>
           </a:p>
@@ -3440,7 +3557,7 @@
           <a:p>
             <a:fld id="{332761EB-263D-4DA9-878E-17644D4B84A3}" type="slidenum">
               <a:rPr lang="de-CH" smtClean="0"/>
-              <a:t>‹#›</a:t>
+              <a:t>‹Nr.›</a:t>
             </a:fld>
             <a:endParaRPr lang="de-CH"/>
           </a:p>
@@ -3586,7 +3703,7 @@
           <a:p>
             <a:fld id="{8043C726-E4AC-4898-A7DA-106D25D4B538}" type="datetimeFigureOut">
               <a:rPr lang="de-CH" smtClean="0"/>
-              <a:t>31.07.2025</a:t>
+              <a:t>22.09.2025</a:t>
             </a:fld>
             <a:endParaRPr lang="de-CH"/>
           </a:p>
@@ -3640,7 +3757,7 @@
           <a:p>
             <a:fld id="{332761EB-263D-4DA9-878E-17644D4B84A3}" type="slidenum">
               <a:rPr lang="de-CH" smtClean="0"/>
-              <a:t>‹#›</a:t>
+              <a:t>‹Nr.›</a:t>
             </a:fld>
             <a:endParaRPr lang="de-CH"/>
           </a:p>
@@ -3862,7 +3979,7 @@
           <a:p>
             <a:fld id="{8043C726-E4AC-4898-A7DA-106D25D4B538}" type="datetimeFigureOut">
               <a:rPr lang="de-CH" smtClean="0"/>
-              <a:t>31.07.2025</a:t>
+              <a:t>22.09.2025</a:t>
             </a:fld>
             <a:endParaRPr lang="de-CH"/>
           </a:p>
@@ -3916,7 +4033,7 @@
           <a:p>
             <a:fld id="{332761EB-263D-4DA9-878E-17644D4B84A3}" type="slidenum">
               <a:rPr lang="de-CH" smtClean="0"/>
-              <a:t>‹#›</a:t>
+              <a:t>‹Nr.›</a:t>
             </a:fld>
             <a:endParaRPr lang="de-CH"/>
           </a:p>
@@ -4130,7 +4247,7 @@
           <a:p>
             <a:fld id="{8043C726-E4AC-4898-A7DA-106D25D4B538}" type="datetimeFigureOut">
               <a:rPr lang="de-CH" smtClean="0"/>
-              <a:t>31.07.2025</a:t>
+              <a:t>22.09.2025</a:t>
             </a:fld>
             <a:endParaRPr lang="de-CH"/>
           </a:p>
@@ -4184,7 +4301,7 @@
           <a:p>
             <a:fld id="{332761EB-263D-4DA9-878E-17644D4B84A3}" type="slidenum">
               <a:rPr lang="de-CH" smtClean="0"/>
-              <a:t>‹#›</a:t>
+              <a:t>‹Nr.›</a:t>
             </a:fld>
             <a:endParaRPr lang="de-CH"/>
           </a:p>
@@ -4545,7 +4662,7 @@
           <a:p>
             <a:fld id="{8043C726-E4AC-4898-A7DA-106D25D4B538}" type="datetimeFigureOut">
               <a:rPr lang="de-CH" smtClean="0"/>
-              <a:t>31.07.2025</a:t>
+              <a:t>22.09.2025</a:t>
             </a:fld>
             <a:endParaRPr lang="de-CH"/>
           </a:p>
@@ -4599,7 +4716,7 @@
           <a:p>
             <a:fld id="{332761EB-263D-4DA9-878E-17644D4B84A3}" type="slidenum">
               <a:rPr lang="de-CH" smtClean="0"/>
-              <a:t>‹#›</a:t>
+              <a:t>‹Nr.›</a:t>
             </a:fld>
             <a:endParaRPr lang="de-CH"/>
           </a:p>
@@ -4687,7 +4804,7 @@
           <a:p>
             <a:fld id="{8043C726-E4AC-4898-A7DA-106D25D4B538}" type="datetimeFigureOut">
               <a:rPr lang="de-CH" smtClean="0"/>
-              <a:t>31.07.2025</a:t>
+              <a:t>22.09.2025</a:t>
             </a:fld>
             <a:endParaRPr lang="de-CH"/>
           </a:p>
@@ -4741,7 +4858,7 @@
           <a:p>
             <a:fld id="{332761EB-263D-4DA9-878E-17644D4B84A3}" type="slidenum">
               <a:rPr lang="de-CH" smtClean="0"/>
-              <a:t>‹#›</a:t>
+              <a:t>‹Nr.›</a:t>
             </a:fld>
             <a:endParaRPr lang="de-CH"/>
           </a:p>
@@ -4800,7 +4917,7 @@
           <a:p>
             <a:fld id="{8043C726-E4AC-4898-A7DA-106D25D4B538}" type="datetimeFigureOut">
               <a:rPr lang="de-CH" smtClean="0"/>
-              <a:t>31.07.2025</a:t>
+              <a:t>22.09.2025</a:t>
             </a:fld>
             <a:endParaRPr lang="de-CH"/>
           </a:p>
@@ -4854,7 +4971,7 @@
           <a:p>
             <a:fld id="{332761EB-263D-4DA9-878E-17644D4B84A3}" type="slidenum">
               <a:rPr lang="de-CH" smtClean="0"/>
-              <a:t>‹#›</a:t>
+              <a:t>‹Nr.›</a:t>
             </a:fld>
             <a:endParaRPr lang="de-CH"/>
           </a:p>
@@ -5113,7 +5230,7 @@
           <a:p>
             <a:fld id="{8043C726-E4AC-4898-A7DA-106D25D4B538}" type="datetimeFigureOut">
               <a:rPr lang="de-CH" smtClean="0"/>
-              <a:t>31.07.2025</a:t>
+              <a:t>22.09.2025</a:t>
             </a:fld>
             <a:endParaRPr lang="de-CH"/>
           </a:p>
@@ -5167,7 +5284,7 @@
           <a:p>
             <a:fld id="{332761EB-263D-4DA9-878E-17644D4B84A3}" type="slidenum">
               <a:rPr lang="de-CH" smtClean="0"/>
-              <a:t>‹#›</a:t>
+              <a:t>‹Nr.›</a:t>
             </a:fld>
             <a:endParaRPr lang="de-CH"/>
           </a:p>
@@ -5402,7 +5519,7 @@
           <a:p>
             <a:fld id="{8043C726-E4AC-4898-A7DA-106D25D4B538}" type="datetimeFigureOut">
               <a:rPr lang="de-CH" smtClean="0"/>
-              <a:t>31.07.2025</a:t>
+              <a:t>22.09.2025</a:t>
             </a:fld>
             <a:endParaRPr lang="de-CH"/>
           </a:p>
@@ -5456,7 +5573,7 @@
           <a:p>
             <a:fld id="{332761EB-263D-4DA9-878E-17644D4B84A3}" type="slidenum">
               <a:rPr lang="de-CH" smtClean="0"/>
-              <a:t>‹#›</a:t>
+              <a:t>‹Nr.›</a:t>
             </a:fld>
             <a:endParaRPr lang="de-CH"/>
           </a:p>
@@ -5645,7 +5762,7 @@
           <a:p>
             <a:fld id="{8043C726-E4AC-4898-A7DA-106D25D4B538}" type="datetimeFigureOut">
               <a:rPr lang="de-CH" smtClean="0"/>
-              <a:t>31.07.2025</a:t>
+              <a:t>22.09.2025</a:t>
             </a:fld>
             <a:endParaRPr lang="de-CH"/>
           </a:p>
@@ -5735,7 +5852,7 @@
           <a:p>
             <a:fld id="{332761EB-263D-4DA9-878E-17644D4B84A3}" type="slidenum">
               <a:rPr lang="de-CH" smtClean="0"/>
-              <a:t>‹#›</a:t>
+              <a:t>‹Nr.›</a:t>
             </a:fld>
             <a:endParaRPr lang="de-CH"/>
           </a:p>
@@ -19640,6 +19757,1211 @@
         <p:cNvPr id="1" name="">
           <a:extLst>
             <a:ext uri="{FF2B5EF4-FFF2-40B4-BE49-F238E27FC236}">
+              <a16:creationId xmlns:a16="http://schemas.microsoft.com/office/drawing/2014/main" id="{D697FDBB-882C-48B0-74FF-9F1117BF8094}"/>
+            </a:ext>
+          </a:extLst>
+        </p:cNvPr>
+        <p:cNvGrpSpPr/>
+        <p:nvPr/>
+      </p:nvGrpSpPr>
+      <p:grpSpPr>
+        <a:xfrm>
+          <a:off x="0" y="0"/>
+          <a:ext cx="0" cy="0"/>
+          <a:chOff x="0" y="0"/>
+          <a:chExt cx="0" cy="0"/>
+        </a:xfrm>
+      </p:grpSpPr>
+      <p:sp>
+        <p:nvSpPr>
+          <p:cNvPr id="4" name="Rectangle 3">
+            <a:extLst>
+              <a:ext uri="{FF2B5EF4-FFF2-40B4-BE49-F238E27FC236}">
+                <a16:creationId xmlns:a16="http://schemas.microsoft.com/office/drawing/2014/main" id="{CADDE07A-501B-1201-AFF2-1E3B2BE437CA}"/>
+              </a:ext>
+            </a:extLst>
+          </p:cNvPr>
+          <p:cNvSpPr/>
+          <p:nvPr/>
+        </p:nvSpPr>
+        <p:spPr>
+          <a:xfrm>
+            <a:off x="0" y="0"/>
+            <a:ext cx="12192000" cy="6858000"/>
+          </a:xfrm>
+          <a:prstGeom prst="rect">
+            <a:avLst/>
+          </a:prstGeom>
+          <a:solidFill>
+            <a:srgbClr val="00172B"/>
+          </a:solidFill>
+          <a:ln>
+            <a:noFill/>
+          </a:ln>
+        </p:spPr>
+        <p:style>
+          <a:lnRef idx="2">
+            <a:schemeClr val="accent1">
+              <a:shade val="15000"/>
+            </a:schemeClr>
+          </a:lnRef>
+          <a:fillRef idx="1">
+            <a:schemeClr val="accent1"/>
+          </a:fillRef>
+          <a:effectRef idx="0">
+            <a:schemeClr val="accent1"/>
+          </a:effectRef>
+          <a:fontRef idx="minor">
+            <a:schemeClr val="lt1"/>
+          </a:fontRef>
+        </p:style>
+        <p:txBody>
+          <a:bodyPr rtlCol="0" anchor="ctr"/>
+          <a:lstStyle/>
+          <a:p>
+            <a:pPr algn="ctr"/>
+            <a:endParaRPr lang="en-US" noProof="0" dirty="0"/>
+          </a:p>
+        </p:txBody>
+      </p:sp>
+      <p:sp>
+        <p:nvSpPr>
+          <p:cNvPr id="5" name="Rectangle 4">
+            <a:extLst>
+              <a:ext uri="{FF2B5EF4-FFF2-40B4-BE49-F238E27FC236}">
+                <a16:creationId xmlns:a16="http://schemas.microsoft.com/office/drawing/2014/main" id="{9FCE9A43-A596-9E6C-7005-E2F487460EEB}"/>
+              </a:ext>
+            </a:extLst>
+          </p:cNvPr>
+          <p:cNvSpPr/>
+          <p:nvPr/>
+        </p:nvSpPr>
+        <p:spPr>
+          <a:xfrm>
+            <a:off x="0" y="0"/>
+            <a:ext cx="12192000" cy="556591"/>
+          </a:xfrm>
+          <a:prstGeom prst="rect">
+            <a:avLst/>
+          </a:prstGeom>
+          <a:solidFill>
+            <a:srgbClr val="002646"/>
+          </a:solidFill>
+          <a:ln>
+            <a:noFill/>
+          </a:ln>
+        </p:spPr>
+        <p:style>
+          <a:lnRef idx="2">
+            <a:schemeClr val="accent1">
+              <a:shade val="15000"/>
+            </a:schemeClr>
+          </a:lnRef>
+          <a:fillRef idx="1">
+            <a:schemeClr val="accent1"/>
+          </a:fillRef>
+          <a:effectRef idx="0">
+            <a:schemeClr val="accent1"/>
+          </a:effectRef>
+          <a:fontRef idx="minor">
+            <a:schemeClr val="lt1"/>
+          </a:fontRef>
+        </p:style>
+        <p:txBody>
+          <a:bodyPr rtlCol="0" anchor="ctr"/>
+          <a:lstStyle/>
+          <a:p>
+            <a:pPr algn="ctr"/>
+            <a:endParaRPr lang="en-US" noProof="0" dirty="0"/>
+          </a:p>
+        </p:txBody>
+      </p:sp>
+      <p:pic>
+        <p:nvPicPr>
+          <p:cNvPr id="6" name="Picture 5" descr="A white letter on a black background&#10;&#10;AI-generated content may be incorrect.">
+            <a:extLst>
+              <a:ext uri="{FF2B5EF4-FFF2-40B4-BE49-F238E27FC236}">
+                <a16:creationId xmlns:a16="http://schemas.microsoft.com/office/drawing/2014/main" id="{18695290-3359-5D90-813A-94DDF0E91D17}"/>
+              </a:ext>
+            </a:extLst>
+          </p:cNvPr>
+          <p:cNvPicPr>
+            <a:picLocks noChangeAspect="1"/>
+          </p:cNvPicPr>
+          <p:nvPr/>
+        </p:nvPicPr>
+        <p:blipFill>
+          <a:blip r:embed="rId3">
+            <a:extLst>
+              <a:ext uri="{28A0092B-C50C-407E-A947-70E740481C1C}">
+                <a14:useLocalDpi xmlns:a14="http://schemas.microsoft.com/office/drawing/2010/main" val="0"/>
+              </a:ext>
+            </a:extLst>
+          </a:blip>
+          <a:stretch>
+            <a:fillRect/>
+          </a:stretch>
+        </p:blipFill>
+        <p:spPr>
+          <a:xfrm>
+            <a:off x="107636" y="100766"/>
+            <a:ext cx="1943307" cy="343869"/>
+          </a:xfrm>
+          <a:prstGeom prst="rect">
+            <a:avLst/>
+          </a:prstGeom>
+        </p:spPr>
+      </p:pic>
+      <p:sp>
+        <p:nvSpPr>
+          <p:cNvPr id="8" name="Rectangle: Rounded Corners 7">
+            <a:extLst>
+              <a:ext uri="{FF2B5EF4-FFF2-40B4-BE49-F238E27FC236}">
+                <a16:creationId xmlns:a16="http://schemas.microsoft.com/office/drawing/2014/main" id="{A9DAFA71-BD3F-BCCE-360B-7A8E21F440DD}"/>
+              </a:ext>
+            </a:extLst>
+          </p:cNvPr>
+          <p:cNvSpPr/>
+          <p:nvPr/>
+        </p:nvSpPr>
+        <p:spPr>
+          <a:xfrm>
+            <a:off x="4244340" y="60027"/>
+            <a:ext cx="3360420" cy="410105"/>
+          </a:xfrm>
+          <a:prstGeom prst="roundRect">
+            <a:avLst/>
+          </a:prstGeom>
+          <a:solidFill>
+            <a:srgbClr val="00172B"/>
+          </a:solidFill>
+          <a:ln>
+            <a:noFill/>
+          </a:ln>
+        </p:spPr>
+        <p:style>
+          <a:lnRef idx="2">
+            <a:schemeClr val="accent1">
+              <a:shade val="15000"/>
+            </a:schemeClr>
+          </a:lnRef>
+          <a:fillRef idx="1">
+            <a:schemeClr val="accent1"/>
+          </a:fillRef>
+          <a:effectRef idx="0">
+            <a:schemeClr val="accent1"/>
+          </a:effectRef>
+          <a:fontRef idx="minor">
+            <a:schemeClr val="lt1"/>
+          </a:fontRef>
+        </p:style>
+        <p:txBody>
+          <a:bodyPr rtlCol="0" anchor="ctr"/>
+          <a:lstStyle/>
+          <a:p>
+            <a:pPr algn="ctr"/>
+            <a:endParaRPr lang="en-US" noProof="0" dirty="0"/>
+          </a:p>
+        </p:txBody>
+      </p:sp>
+      <p:sp>
+        <p:nvSpPr>
+          <p:cNvPr id="9" name="Rectangle 8">
+            <a:extLst>
+              <a:ext uri="{FF2B5EF4-FFF2-40B4-BE49-F238E27FC236}">
+                <a16:creationId xmlns:a16="http://schemas.microsoft.com/office/drawing/2014/main" id="{3E78CBD9-0C2E-E3A9-C684-52A8BCA20BAA}"/>
+              </a:ext>
+            </a:extLst>
+          </p:cNvPr>
+          <p:cNvSpPr/>
+          <p:nvPr/>
+        </p:nvSpPr>
+        <p:spPr>
+          <a:xfrm flipV="1">
+            <a:off x="0" y="545399"/>
+            <a:ext cx="12192000" cy="45719"/>
+          </a:xfrm>
+          <a:prstGeom prst="rect">
+            <a:avLst/>
+          </a:prstGeom>
+          <a:solidFill>
+            <a:srgbClr val="2AB9D2"/>
+          </a:solidFill>
+          <a:ln>
+            <a:noFill/>
+          </a:ln>
+        </p:spPr>
+        <p:style>
+          <a:lnRef idx="2">
+            <a:schemeClr val="accent1">
+              <a:shade val="15000"/>
+            </a:schemeClr>
+          </a:lnRef>
+          <a:fillRef idx="1">
+            <a:schemeClr val="accent1"/>
+          </a:fillRef>
+          <a:effectRef idx="0">
+            <a:schemeClr val="accent1"/>
+          </a:effectRef>
+          <a:fontRef idx="minor">
+            <a:schemeClr val="lt1"/>
+          </a:fontRef>
+        </p:style>
+        <p:txBody>
+          <a:bodyPr rtlCol="0" anchor="ctr"/>
+          <a:lstStyle/>
+          <a:p>
+            <a:pPr algn="ctr"/>
+            <a:endParaRPr lang="en-US" noProof="0" dirty="0"/>
+          </a:p>
+        </p:txBody>
+      </p:sp>
+      <p:cxnSp>
+        <p:nvCxnSpPr>
+          <p:cNvPr id="11" name="Straight Connector 10">
+            <a:extLst>
+              <a:ext uri="{FF2B5EF4-FFF2-40B4-BE49-F238E27FC236}">
+                <a16:creationId xmlns:a16="http://schemas.microsoft.com/office/drawing/2014/main" id="{6A19AA05-27EA-68F8-E4CB-CC88F96B6447}"/>
+              </a:ext>
+            </a:extLst>
+          </p:cNvPr>
+          <p:cNvCxnSpPr>
+            <a:cxnSpLocks/>
+          </p:cNvCxnSpPr>
+          <p:nvPr/>
+        </p:nvCxnSpPr>
+        <p:spPr>
+          <a:xfrm>
+            <a:off x="4629664" y="41910"/>
+            <a:ext cx="0" cy="428222"/>
+          </a:xfrm>
+          <a:prstGeom prst="line">
+            <a:avLst/>
+          </a:prstGeom>
+          <a:ln>
+            <a:solidFill>
+              <a:srgbClr val="002646"/>
+            </a:solidFill>
+          </a:ln>
+        </p:spPr>
+        <p:style>
+          <a:lnRef idx="2">
+            <a:schemeClr val="accent1"/>
+          </a:lnRef>
+          <a:fillRef idx="0">
+            <a:schemeClr val="accent1"/>
+          </a:fillRef>
+          <a:effectRef idx="1">
+            <a:schemeClr val="accent1"/>
+          </a:effectRef>
+          <a:fontRef idx="minor">
+            <a:schemeClr val="tx1"/>
+          </a:fontRef>
+        </p:style>
+      </p:cxnSp>
+      <p:sp>
+        <p:nvSpPr>
+          <p:cNvPr id="15" name="TextBox 14">
+            <a:extLst>
+              <a:ext uri="{FF2B5EF4-FFF2-40B4-BE49-F238E27FC236}">
+                <a16:creationId xmlns:a16="http://schemas.microsoft.com/office/drawing/2014/main" id="{B54A89CB-2BD1-78AC-810D-A54F9E53BA2F}"/>
+              </a:ext>
+            </a:extLst>
+          </p:cNvPr>
+          <p:cNvSpPr txBox="1"/>
+          <p:nvPr/>
+        </p:nvSpPr>
+        <p:spPr>
+          <a:xfrm>
+            <a:off x="4654844" y="134199"/>
+            <a:ext cx="1987693" cy="276999"/>
+          </a:xfrm>
+          <a:prstGeom prst="rect">
+            <a:avLst/>
+          </a:prstGeom>
+          <a:noFill/>
+        </p:spPr>
+        <p:txBody>
+          <a:bodyPr wrap="square" rtlCol="0">
+            <a:spAutoFit/>
+          </a:bodyPr>
+          <a:lstStyle/>
+          <a:p>
+            <a:r>
+              <a:rPr lang="en-US" sz="1200" noProof="0" dirty="0">
+                <a:solidFill>
+                  <a:schemeClr val="bg1"/>
+                </a:solidFill>
+                <a:latin typeface="Montserrat" panose="00000500000000000000" pitchFamily="2" charset="0"/>
+              </a:rPr>
+              <a:t>Sonic </a:t>
+            </a:r>
+            <a:r>
+              <a:rPr lang="en-US" sz="1200" noProof="0" dirty="0" err="1">
+                <a:solidFill>
+                  <a:schemeClr val="bg1"/>
+                </a:solidFill>
+                <a:latin typeface="Montserrat" panose="00000500000000000000" pitchFamily="2" charset="0"/>
+              </a:rPr>
+              <a:t>Bla</a:t>
+            </a:r>
+            <a:endParaRPr lang="en-US" sz="1200" noProof="0" dirty="0">
+              <a:solidFill>
+                <a:schemeClr val="bg1"/>
+              </a:solidFill>
+              <a:latin typeface="Montserrat" panose="00000500000000000000" pitchFamily="2" charset="0"/>
+            </a:endParaRPr>
+          </a:p>
+        </p:txBody>
+      </p:sp>
+      <p:sp>
+        <p:nvSpPr>
+          <p:cNvPr id="18" name="Rectangle 17">
+            <a:extLst>
+              <a:ext uri="{FF2B5EF4-FFF2-40B4-BE49-F238E27FC236}">
+                <a16:creationId xmlns:a16="http://schemas.microsoft.com/office/drawing/2014/main" id="{1B0E7782-87D4-507C-6683-5FAB6B54FC21}"/>
+              </a:ext>
+            </a:extLst>
+          </p:cNvPr>
+          <p:cNvSpPr/>
+          <p:nvPr/>
+        </p:nvSpPr>
+        <p:spPr>
+          <a:xfrm rot="16200000">
+            <a:off x="-2855145" y="3446264"/>
+            <a:ext cx="6266881" cy="556591"/>
+          </a:xfrm>
+          <a:prstGeom prst="rect">
+            <a:avLst/>
+          </a:prstGeom>
+          <a:solidFill>
+            <a:srgbClr val="002646"/>
+          </a:solidFill>
+          <a:ln>
+            <a:noFill/>
+          </a:ln>
+        </p:spPr>
+        <p:style>
+          <a:lnRef idx="2">
+            <a:schemeClr val="accent1">
+              <a:shade val="15000"/>
+            </a:schemeClr>
+          </a:lnRef>
+          <a:fillRef idx="1">
+            <a:schemeClr val="accent1"/>
+          </a:fillRef>
+          <a:effectRef idx="0">
+            <a:schemeClr val="accent1"/>
+          </a:effectRef>
+          <a:fontRef idx="minor">
+            <a:schemeClr val="lt1"/>
+          </a:fontRef>
+        </p:style>
+        <p:txBody>
+          <a:bodyPr rtlCol="0" anchor="ctr"/>
+          <a:lstStyle/>
+          <a:p>
+            <a:pPr algn="ctr"/>
+            <a:endParaRPr lang="en-US" noProof="0" dirty="0"/>
+          </a:p>
+        </p:txBody>
+      </p:sp>
+      <p:pic>
+        <p:nvPicPr>
+          <p:cNvPr id="1034" name="Picture 10">
+            <a:extLst>
+              <a:ext uri="{FF2B5EF4-FFF2-40B4-BE49-F238E27FC236}">
+                <a16:creationId xmlns:a16="http://schemas.microsoft.com/office/drawing/2014/main" id="{A35BB312-3D79-1AF6-30E0-A19C100D3A2D}"/>
+              </a:ext>
+            </a:extLst>
+          </p:cNvPr>
+          <p:cNvPicPr>
+            <a:picLocks noChangeAspect="1" noChangeArrowheads="1"/>
+          </p:cNvPicPr>
+          <p:nvPr/>
+        </p:nvPicPr>
+        <p:blipFill>
+          <a:blip r:embed="rId4">
+            <a:extLst>
+              <a:ext uri="{28A0092B-C50C-407E-A947-70E740481C1C}">
+                <a14:useLocalDpi xmlns:a14="http://schemas.microsoft.com/office/drawing/2010/main" val="0"/>
+              </a:ext>
+            </a:extLst>
+          </a:blip>
+          <a:srcRect/>
+          <a:stretch>
+            <a:fillRect/>
+          </a:stretch>
+        </p:blipFill>
+        <p:spPr bwMode="auto">
+          <a:xfrm>
+            <a:off x="4325279" y="159413"/>
+            <a:ext cx="228600" cy="228600"/>
+          </a:xfrm>
+          <a:prstGeom prst="rect">
+            <a:avLst/>
+          </a:prstGeom>
+          <a:noFill/>
+          <a:extLst>
+            <a:ext uri="{909E8E84-426E-40DD-AFC4-6F175D3DCCD1}">
+              <a14:hiddenFill xmlns:a14="http://schemas.microsoft.com/office/drawing/2010/main">
+                <a:solidFill>
+                  <a:srgbClr val="FFFFFF"/>
+                </a:solidFill>
+              </a14:hiddenFill>
+            </a:ext>
+          </a:extLst>
+        </p:spPr>
+      </p:pic>
+      <p:pic>
+        <p:nvPicPr>
+          <p:cNvPr id="1036" name="Picture 12">
+            <a:extLst>
+              <a:ext uri="{FF2B5EF4-FFF2-40B4-BE49-F238E27FC236}">
+                <a16:creationId xmlns:a16="http://schemas.microsoft.com/office/drawing/2014/main" id="{4BE583E7-80FA-51AF-3DB9-A00A9A64572F}"/>
+              </a:ext>
+            </a:extLst>
+          </p:cNvPr>
+          <p:cNvPicPr>
+            <a:picLocks noChangeAspect="1" noChangeArrowheads="1"/>
+          </p:cNvPicPr>
+          <p:nvPr/>
+        </p:nvPicPr>
+        <p:blipFill>
+          <a:blip r:embed="rId5">
+            <a:extLst>
+              <a:ext uri="{28A0092B-C50C-407E-A947-70E740481C1C}">
+                <a14:useLocalDpi xmlns:a14="http://schemas.microsoft.com/office/drawing/2010/main" val="0"/>
+              </a:ext>
+            </a:extLst>
+          </a:blip>
+          <a:srcRect/>
+          <a:stretch>
+            <a:fillRect/>
+          </a:stretch>
+        </p:blipFill>
+        <p:spPr bwMode="auto">
+          <a:xfrm>
+            <a:off x="120180" y="705018"/>
+            <a:ext cx="316230" cy="316230"/>
+          </a:xfrm>
+          <a:prstGeom prst="rect">
+            <a:avLst/>
+          </a:prstGeom>
+          <a:noFill/>
+          <a:extLst>
+            <a:ext uri="{909E8E84-426E-40DD-AFC4-6F175D3DCCD1}">
+              <a14:hiddenFill xmlns:a14="http://schemas.microsoft.com/office/drawing/2010/main">
+                <a:solidFill>
+                  <a:srgbClr val="FFFFFF"/>
+                </a:solidFill>
+              </a14:hiddenFill>
+            </a:ext>
+          </a:extLst>
+        </p:spPr>
+      </p:pic>
+      <p:sp>
+        <p:nvSpPr>
+          <p:cNvPr id="22" name="Rectangle 21">
+            <a:extLst>
+              <a:ext uri="{FF2B5EF4-FFF2-40B4-BE49-F238E27FC236}">
+                <a16:creationId xmlns:a16="http://schemas.microsoft.com/office/drawing/2014/main" id="{75DBCACC-5013-A592-2CF6-51A8A47FB2EB}"/>
+              </a:ext>
+            </a:extLst>
+          </p:cNvPr>
+          <p:cNvSpPr/>
+          <p:nvPr/>
+        </p:nvSpPr>
+        <p:spPr>
+          <a:xfrm>
+            <a:off x="-4" y="2260893"/>
+            <a:ext cx="556592" cy="556592"/>
+          </a:xfrm>
+          <a:prstGeom prst="rect">
+            <a:avLst/>
+          </a:prstGeom>
+          <a:solidFill>
+            <a:srgbClr val="003866"/>
+          </a:solidFill>
+          <a:ln>
+            <a:noFill/>
+          </a:ln>
+        </p:spPr>
+        <p:style>
+          <a:lnRef idx="2">
+            <a:schemeClr val="accent1">
+              <a:shade val="15000"/>
+            </a:schemeClr>
+          </a:lnRef>
+          <a:fillRef idx="1">
+            <a:schemeClr val="accent1"/>
+          </a:fillRef>
+          <a:effectRef idx="0">
+            <a:schemeClr val="accent1"/>
+          </a:effectRef>
+          <a:fontRef idx="minor">
+            <a:schemeClr val="lt1"/>
+          </a:fontRef>
+        </p:style>
+        <p:txBody>
+          <a:bodyPr rtlCol="0" anchor="ctr"/>
+          <a:lstStyle/>
+          <a:p>
+            <a:pPr algn="ctr"/>
+            <a:endParaRPr lang="en-US" noProof="0" dirty="0"/>
+          </a:p>
+        </p:txBody>
+      </p:sp>
+      <p:pic>
+        <p:nvPicPr>
+          <p:cNvPr id="1038" name="Picture 14">
+            <a:extLst>
+              <a:ext uri="{FF2B5EF4-FFF2-40B4-BE49-F238E27FC236}">
+                <a16:creationId xmlns:a16="http://schemas.microsoft.com/office/drawing/2014/main" id="{F54D017C-40D4-D33F-FEBA-A995CF4C9426}"/>
+              </a:ext>
+            </a:extLst>
+          </p:cNvPr>
+          <p:cNvPicPr>
+            <a:picLocks noChangeAspect="1" noChangeArrowheads="1"/>
+          </p:cNvPicPr>
+          <p:nvPr/>
+        </p:nvPicPr>
+        <p:blipFill>
+          <a:blip r:embed="rId6">
+            <a:extLst>
+              <a:ext uri="{28A0092B-C50C-407E-A947-70E740481C1C}">
+                <a14:useLocalDpi xmlns:a14="http://schemas.microsoft.com/office/drawing/2010/main" val="0"/>
+              </a:ext>
+            </a:extLst>
+          </a:blip>
+          <a:srcRect/>
+          <a:stretch>
+            <a:fillRect/>
+          </a:stretch>
+        </p:blipFill>
+        <p:spPr bwMode="auto">
+          <a:xfrm>
+            <a:off x="120181" y="1832708"/>
+            <a:ext cx="316229" cy="316229"/>
+          </a:xfrm>
+          <a:prstGeom prst="rect">
+            <a:avLst/>
+          </a:prstGeom>
+          <a:noFill/>
+          <a:extLst>
+            <a:ext uri="{909E8E84-426E-40DD-AFC4-6F175D3DCCD1}">
+              <a14:hiddenFill xmlns:a14="http://schemas.microsoft.com/office/drawing/2010/main">
+                <a:solidFill>
+                  <a:srgbClr val="FFFFFF"/>
+                </a:solidFill>
+              </a14:hiddenFill>
+            </a:ext>
+          </a:extLst>
+        </p:spPr>
+      </p:pic>
+      <p:pic>
+        <p:nvPicPr>
+          <p:cNvPr id="1040" name="Picture 16">
+            <a:extLst>
+              <a:ext uri="{FF2B5EF4-FFF2-40B4-BE49-F238E27FC236}">
+                <a16:creationId xmlns:a16="http://schemas.microsoft.com/office/drawing/2014/main" id="{1507F10D-DC70-D34D-8333-DC9142A96B3C}"/>
+              </a:ext>
+            </a:extLst>
+          </p:cNvPr>
+          <p:cNvPicPr>
+            <a:picLocks noChangeAspect="1" noChangeArrowheads="1"/>
+          </p:cNvPicPr>
+          <p:nvPr/>
+        </p:nvPicPr>
+        <p:blipFill>
+          <a:blip r:embed="rId7">
+            <a:extLst>
+              <a:ext uri="{28A0092B-C50C-407E-A947-70E740481C1C}">
+                <a14:useLocalDpi xmlns:a14="http://schemas.microsoft.com/office/drawing/2010/main" val="0"/>
+              </a:ext>
+            </a:extLst>
+          </a:blip>
+          <a:srcRect/>
+          <a:stretch>
+            <a:fillRect/>
+          </a:stretch>
+        </p:blipFill>
+        <p:spPr bwMode="auto">
+          <a:xfrm>
+            <a:off x="117904" y="2381074"/>
+            <a:ext cx="316229" cy="316229"/>
+          </a:xfrm>
+          <a:prstGeom prst="rect">
+            <a:avLst/>
+          </a:prstGeom>
+          <a:noFill/>
+          <a:extLst>
+            <a:ext uri="{909E8E84-426E-40DD-AFC4-6F175D3DCCD1}">
+              <a14:hiddenFill xmlns:a14="http://schemas.microsoft.com/office/drawing/2010/main">
+                <a:solidFill>
+                  <a:srgbClr val="FFFFFF"/>
+                </a:solidFill>
+              </a14:hiddenFill>
+            </a:ext>
+          </a:extLst>
+        </p:spPr>
+      </p:pic>
+      <p:pic>
+        <p:nvPicPr>
+          <p:cNvPr id="1042" name="Picture 18">
+            <a:extLst>
+              <a:ext uri="{FF2B5EF4-FFF2-40B4-BE49-F238E27FC236}">
+                <a16:creationId xmlns:a16="http://schemas.microsoft.com/office/drawing/2014/main" id="{14B3CF69-E568-68D8-E36F-3A8051F6C2EA}"/>
+              </a:ext>
+            </a:extLst>
+          </p:cNvPr>
+          <p:cNvPicPr>
+            <a:picLocks noChangeAspect="1" noChangeArrowheads="1"/>
+          </p:cNvPicPr>
+          <p:nvPr/>
+        </p:nvPicPr>
+        <p:blipFill>
+          <a:blip r:embed="rId8">
+            <a:extLst>
+              <a:ext uri="{28A0092B-C50C-407E-A947-70E740481C1C}">
+                <a14:useLocalDpi xmlns:a14="http://schemas.microsoft.com/office/drawing/2010/main" val="0"/>
+              </a:ext>
+            </a:extLst>
+          </a:blip>
+          <a:srcRect/>
+          <a:stretch>
+            <a:fillRect/>
+          </a:stretch>
+        </p:blipFill>
+        <p:spPr bwMode="auto">
+          <a:xfrm>
+            <a:off x="122448" y="1270163"/>
+            <a:ext cx="311685" cy="311685"/>
+          </a:xfrm>
+          <a:prstGeom prst="rect">
+            <a:avLst/>
+          </a:prstGeom>
+          <a:noFill/>
+          <a:extLst>
+            <a:ext uri="{909E8E84-426E-40DD-AFC4-6F175D3DCCD1}">
+              <a14:hiddenFill xmlns:a14="http://schemas.microsoft.com/office/drawing/2010/main">
+                <a:solidFill>
+                  <a:srgbClr val="FFFFFF"/>
+                </a:solidFill>
+              </a14:hiddenFill>
+            </a:ext>
+          </a:extLst>
+        </p:spPr>
+      </p:pic>
+      <p:pic>
+        <p:nvPicPr>
+          <p:cNvPr id="1044" name="Picture 20">
+            <a:extLst>
+              <a:ext uri="{FF2B5EF4-FFF2-40B4-BE49-F238E27FC236}">
+                <a16:creationId xmlns:a16="http://schemas.microsoft.com/office/drawing/2014/main" id="{9730D779-CBBA-9D07-9CCC-075EEE70B6C0}"/>
+              </a:ext>
+            </a:extLst>
+          </p:cNvPr>
+          <p:cNvPicPr>
+            <a:picLocks noChangeAspect="1" noChangeArrowheads="1"/>
+          </p:cNvPicPr>
+          <p:nvPr/>
+        </p:nvPicPr>
+        <p:blipFill>
+          <a:blip r:embed="rId9">
+            <a:extLst>
+              <a:ext uri="{28A0092B-C50C-407E-A947-70E740481C1C}">
+                <a14:useLocalDpi xmlns:a14="http://schemas.microsoft.com/office/drawing/2010/main" val="0"/>
+              </a:ext>
+            </a:extLst>
+          </a:blip>
+          <a:srcRect/>
+          <a:stretch>
+            <a:fillRect/>
+          </a:stretch>
+        </p:blipFill>
+        <p:spPr bwMode="auto">
+          <a:xfrm>
+            <a:off x="95093" y="5842186"/>
+            <a:ext cx="361849" cy="361849"/>
+          </a:xfrm>
+          <a:prstGeom prst="rect">
+            <a:avLst/>
+          </a:prstGeom>
+          <a:noFill/>
+          <a:extLst>
+            <a:ext uri="{909E8E84-426E-40DD-AFC4-6F175D3DCCD1}">
+              <a14:hiddenFill xmlns:a14="http://schemas.microsoft.com/office/drawing/2010/main">
+                <a:solidFill>
+                  <a:srgbClr val="FFFFFF"/>
+                </a:solidFill>
+              </a14:hiddenFill>
+            </a:ext>
+          </a:extLst>
+        </p:spPr>
+      </p:pic>
+      <p:pic>
+        <p:nvPicPr>
+          <p:cNvPr id="25" name="Picture 22">
+            <a:extLst>
+              <a:ext uri="{FF2B5EF4-FFF2-40B4-BE49-F238E27FC236}">
+                <a16:creationId xmlns:a16="http://schemas.microsoft.com/office/drawing/2014/main" id="{1CD77D2B-83F5-ED10-2584-45358E641205}"/>
+              </a:ext>
+            </a:extLst>
+          </p:cNvPr>
+          <p:cNvPicPr>
+            <a:picLocks noChangeAspect="1" noChangeArrowheads="1"/>
+          </p:cNvPicPr>
+          <p:nvPr/>
+        </p:nvPicPr>
+        <p:blipFill>
+          <a:blip r:embed="rId10">
+            <a:extLst>
+              <a:ext uri="{28A0092B-C50C-407E-A947-70E740481C1C}">
+                <a14:useLocalDpi xmlns:a14="http://schemas.microsoft.com/office/drawing/2010/main" val="0"/>
+              </a:ext>
+            </a:extLst>
+          </a:blip>
+          <a:srcRect/>
+          <a:stretch>
+            <a:fillRect/>
+          </a:stretch>
+        </p:blipFill>
+        <p:spPr bwMode="auto">
+          <a:xfrm>
+            <a:off x="101997" y="6405683"/>
+            <a:ext cx="348040" cy="348040"/>
+          </a:xfrm>
+          <a:prstGeom prst="rect">
+            <a:avLst/>
+          </a:prstGeom>
+          <a:noFill/>
+          <a:extLst>
+            <a:ext uri="{909E8E84-426E-40DD-AFC4-6F175D3DCCD1}">
+              <a14:hiddenFill xmlns:a14="http://schemas.microsoft.com/office/drawing/2010/main">
+                <a:solidFill>
+                  <a:srgbClr val="FFFFFF"/>
+                </a:solidFill>
+              </a14:hiddenFill>
+            </a:ext>
+          </a:extLst>
+        </p:spPr>
+      </p:pic>
+      <p:sp>
+        <p:nvSpPr>
+          <p:cNvPr id="2" name="TextBox 1">
+            <a:extLst>
+              <a:ext uri="{FF2B5EF4-FFF2-40B4-BE49-F238E27FC236}">
+                <a16:creationId xmlns:a16="http://schemas.microsoft.com/office/drawing/2014/main" id="{1355CD18-0F4D-C3BB-4618-B2DAE49162DF}"/>
+              </a:ext>
+            </a:extLst>
+          </p:cNvPr>
+          <p:cNvSpPr txBox="1"/>
+          <p:nvPr/>
+        </p:nvSpPr>
+        <p:spPr>
+          <a:xfrm>
+            <a:off x="782791" y="805368"/>
+            <a:ext cx="2148840" cy="369332"/>
+          </a:xfrm>
+          <a:prstGeom prst="rect">
+            <a:avLst/>
+          </a:prstGeom>
+          <a:noFill/>
+        </p:spPr>
+        <p:txBody>
+          <a:bodyPr wrap="square" rtlCol="0">
+            <a:spAutoFit/>
+          </a:bodyPr>
+          <a:lstStyle/>
+          <a:p>
+            <a:r>
+              <a:rPr lang="en-US" b="1" noProof="0" dirty="0">
+                <a:solidFill>
+                  <a:schemeClr val="bg1"/>
+                </a:solidFill>
+                <a:latin typeface="Montserrat" panose="00000500000000000000" pitchFamily="2" charset="0"/>
+              </a:rPr>
+              <a:t>Download</a:t>
+            </a:r>
+          </a:p>
+        </p:txBody>
+      </p:sp>
+      <p:sp>
+        <p:nvSpPr>
+          <p:cNvPr id="17" name="Rectangle: Rounded Corners 16">
+            <a:extLst>
+              <a:ext uri="{FF2B5EF4-FFF2-40B4-BE49-F238E27FC236}">
+                <a16:creationId xmlns:a16="http://schemas.microsoft.com/office/drawing/2014/main" id="{8C4DB4E8-9A5A-4566-88D1-84FDD412FD72}"/>
+              </a:ext>
+            </a:extLst>
+          </p:cNvPr>
+          <p:cNvSpPr/>
+          <p:nvPr/>
+        </p:nvSpPr>
+        <p:spPr>
+          <a:xfrm>
+            <a:off x="11300461" y="50968"/>
+            <a:ext cx="811164" cy="410105"/>
+          </a:xfrm>
+          <a:prstGeom prst="roundRect">
+            <a:avLst/>
+          </a:prstGeom>
+          <a:noFill/>
+          <a:ln w="19050">
+            <a:solidFill>
+              <a:srgbClr val="2AB9D2"/>
+            </a:solidFill>
+          </a:ln>
+        </p:spPr>
+        <p:style>
+          <a:lnRef idx="2">
+            <a:schemeClr val="accent1">
+              <a:shade val="15000"/>
+            </a:schemeClr>
+          </a:lnRef>
+          <a:fillRef idx="1">
+            <a:schemeClr val="accent1"/>
+          </a:fillRef>
+          <a:effectRef idx="0">
+            <a:schemeClr val="accent1"/>
+          </a:effectRef>
+          <a:fontRef idx="minor">
+            <a:schemeClr val="lt1"/>
+          </a:fontRef>
+        </p:style>
+        <p:txBody>
+          <a:bodyPr rtlCol="0" anchor="ctr"/>
+          <a:lstStyle/>
+          <a:p>
+            <a:pPr algn="ctr"/>
+            <a:r>
+              <a:rPr lang="en-US" sz="1200" b="1" noProof="0" dirty="0">
+                <a:solidFill>
+                  <a:srgbClr val="2AB9D2"/>
+                </a:solidFill>
+                <a:latin typeface="Montserrat" panose="00000500000000000000" pitchFamily="2" charset="0"/>
+              </a:rPr>
+              <a:t>Logout</a:t>
+            </a:r>
+          </a:p>
+        </p:txBody>
+      </p:sp>
+      <p:pic>
+        <p:nvPicPr>
+          <p:cNvPr id="2050" name="Picture 2">
+            <a:extLst>
+              <a:ext uri="{FF2B5EF4-FFF2-40B4-BE49-F238E27FC236}">
+                <a16:creationId xmlns:a16="http://schemas.microsoft.com/office/drawing/2014/main" id="{977FEFC6-DE28-491F-B82F-9420959DEE89}"/>
+              </a:ext>
+            </a:extLst>
+          </p:cNvPr>
+          <p:cNvPicPr>
+            <a:picLocks noChangeAspect="1" noChangeArrowheads="1"/>
+          </p:cNvPicPr>
+          <p:nvPr/>
+        </p:nvPicPr>
+        <p:blipFill>
+          <a:blip r:embed="rId11">
+            <a:extLst>
+              <a:ext uri="{28A0092B-C50C-407E-A947-70E740481C1C}">
+                <a14:useLocalDpi xmlns:a14="http://schemas.microsoft.com/office/drawing/2010/main" val="0"/>
+              </a:ext>
+            </a:extLst>
+          </a:blip>
+          <a:srcRect/>
+          <a:stretch>
+            <a:fillRect/>
+          </a:stretch>
+        </p:blipFill>
+        <p:spPr bwMode="auto">
+          <a:xfrm>
+            <a:off x="129253" y="2955381"/>
+            <a:ext cx="293527" cy="293527"/>
+          </a:xfrm>
+          <a:prstGeom prst="rect">
+            <a:avLst/>
+          </a:prstGeom>
+          <a:noFill/>
+          <a:extLst>
+            <a:ext uri="{909E8E84-426E-40DD-AFC4-6F175D3DCCD1}">
+              <a14:hiddenFill xmlns:a14="http://schemas.microsoft.com/office/drawing/2010/main">
+                <a:solidFill>
+                  <a:srgbClr val="FFFFFF"/>
+                </a:solidFill>
+              </a14:hiddenFill>
+            </a:ext>
+          </a:extLst>
+        </p:spPr>
+      </p:pic>
+      <p:sp>
+        <p:nvSpPr>
+          <p:cNvPr id="7" name="Rectangle 4">
+            <a:extLst>
+              <a:ext uri="{FF2B5EF4-FFF2-40B4-BE49-F238E27FC236}">
+                <a16:creationId xmlns:a16="http://schemas.microsoft.com/office/drawing/2014/main" id="{A48D30E0-2BD8-DA8C-3C24-01B513139F00}"/>
+              </a:ext>
+            </a:extLst>
+          </p:cNvPr>
+          <p:cNvSpPr/>
+          <p:nvPr/>
+        </p:nvSpPr>
+        <p:spPr>
+          <a:xfrm>
+            <a:off x="3820278" y="598500"/>
+            <a:ext cx="4208543" cy="4675319"/>
+          </a:xfrm>
+          <a:prstGeom prst="rect">
+            <a:avLst/>
+          </a:prstGeom>
+          <a:solidFill>
+            <a:srgbClr val="002646"/>
+          </a:solidFill>
+          <a:ln>
+            <a:noFill/>
+          </a:ln>
+        </p:spPr>
+        <p:style>
+          <a:lnRef idx="2">
+            <a:schemeClr val="accent1">
+              <a:shade val="15000"/>
+            </a:schemeClr>
+          </a:lnRef>
+          <a:fillRef idx="1">
+            <a:schemeClr val="accent1"/>
+          </a:fillRef>
+          <a:effectRef idx="0">
+            <a:schemeClr val="accent1"/>
+          </a:effectRef>
+          <a:fontRef idx="minor">
+            <a:schemeClr val="lt1"/>
+          </a:fontRef>
+        </p:style>
+        <p:txBody>
+          <a:bodyPr rtlCol="0" anchor="ctr"/>
+          <a:lstStyle/>
+          <a:p>
+            <a:pPr algn="ctr"/>
+            <a:endParaRPr lang="en-US" noProof="0" dirty="0"/>
+          </a:p>
+        </p:txBody>
+      </p:sp>
+      <p:sp>
+        <p:nvSpPr>
+          <p:cNvPr id="16" name="Rectangle 8">
+            <a:extLst>
+              <a:ext uri="{FF2B5EF4-FFF2-40B4-BE49-F238E27FC236}">
+                <a16:creationId xmlns:a16="http://schemas.microsoft.com/office/drawing/2014/main" id="{C7538A3F-A8AA-156D-BC5C-4A9D7D98C294}"/>
+              </a:ext>
+            </a:extLst>
+          </p:cNvPr>
+          <p:cNvSpPr/>
+          <p:nvPr/>
+        </p:nvSpPr>
+        <p:spPr>
+          <a:xfrm rot="10800000" flipV="1">
+            <a:off x="3820277" y="591118"/>
+            <a:ext cx="4208543" cy="249363"/>
+          </a:xfrm>
+          <a:prstGeom prst="rect">
+            <a:avLst/>
+          </a:prstGeom>
+          <a:solidFill>
+            <a:srgbClr val="2AB9D2"/>
+          </a:solidFill>
+          <a:ln>
+            <a:noFill/>
+          </a:ln>
+        </p:spPr>
+        <p:style>
+          <a:lnRef idx="2">
+            <a:schemeClr val="accent1">
+              <a:shade val="15000"/>
+            </a:schemeClr>
+          </a:lnRef>
+          <a:fillRef idx="1">
+            <a:schemeClr val="accent1"/>
+          </a:fillRef>
+          <a:effectRef idx="0">
+            <a:schemeClr val="accent1"/>
+          </a:effectRef>
+          <a:fontRef idx="minor">
+            <a:schemeClr val="lt1"/>
+          </a:fontRef>
+        </p:style>
+        <p:txBody>
+          <a:bodyPr rtlCol="0" anchor="ctr"/>
+          <a:lstStyle/>
+          <a:p>
+            <a:r>
+              <a:rPr lang="en-US" sz="1400" b="1" dirty="0">
+                <a:solidFill>
+                  <a:srgbClr val="00172B"/>
+                </a:solidFill>
+                <a:latin typeface="Montserrat" pitchFamily="2" charset="0"/>
+              </a:rPr>
+              <a:t>Songs</a:t>
+            </a:r>
+            <a:endParaRPr lang="en-US" sz="1400" b="1" noProof="0" dirty="0">
+              <a:solidFill>
+                <a:srgbClr val="00172B"/>
+              </a:solidFill>
+              <a:latin typeface="Montserrat" pitchFamily="2" charset="0"/>
+            </a:endParaRPr>
+          </a:p>
+        </p:txBody>
+      </p:sp>
+      <p:sp>
+        <p:nvSpPr>
+          <p:cNvPr id="19" name="Rectangle 8">
+            <a:extLst>
+              <a:ext uri="{FF2B5EF4-FFF2-40B4-BE49-F238E27FC236}">
+                <a16:creationId xmlns:a16="http://schemas.microsoft.com/office/drawing/2014/main" id="{84B8AAFF-91A9-6C1F-FAAD-13ECC774A91C}"/>
+              </a:ext>
+            </a:extLst>
+          </p:cNvPr>
+          <p:cNvSpPr/>
+          <p:nvPr/>
+        </p:nvSpPr>
+        <p:spPr>
+          <a:xfrm rot="10800000" flipV="1">
+            <a:off x="3820277" y="2187364"/>
+            <a:ext cx="4208543" cy="249363"/>
+          </a:xfrm>
+          <a:prstGeom prst="rect">
+            <a:avLst/>
+          </a:prstGeom>
+          <a:solidFill>
+            <a:srgbClr val="2AB9D2"/>
+          </a:solidFill>
+          <a:ln>
+            <a:noFill/>
+          </a:ln>
+        </p:spPr>
+        <p:style>
+          <a:lnRef idx="2">
+            <a:schemeClr val="accent1">
+              <a:shade val="15000"/>
+            </a:schemeClr>
+          </a:lnRef>
+          <a:fillRef idx="1">
+            <a:schemeClr val="accent1"/>
+          </a:fillRef>
+          <a:effectRef idx="0">
+            <a:schemeClr val="accent1"/>
+          </a:effectRef>
+          <a:fontRef idx="minor">
+            <a:schemeClr val="lt1"/>
+          </a:fontRef>
+        </p:style>
+        <p:txBody>
+          <a:bodyPr rtlCol="0" anchor="ctr"/>
+          <a:lstStyle/>
+          <a:p>
+            <a:r>
+              <a:rPr lang="en-US" sz="1400" b="1" dirty="0">
+                <a:solidFill>
+                  <a:srgbClr val="00172B"/>
+                </a:solidFill>
+                <a:latin typeface="Montserrat" pitchFamily="2" charset="0"/>
+              </a:rPr>
+              <a:t>Playlists</a:t>
+            </a:r>
+            <a:endParaRPr lang="en-US" sz="1400" b="1" noProof="0" dirty="0">
+              <a:solidFill>
+                <a:srgbClr val="00172B"/>
+              </a:solidFill>
+              <a:latin typeface="Montserrat" pitchFamily="2" charset="0"/>
+            </a:endParaRPr>
+          </a:p>
+        </p:txBody>
+      </p:sp>
+      <p:sp>
+        <p:nvSpPr>
+          <p:cNvPr id="20" name="Rectangle 8">
+            <a:extLst>
+              <a:ext uri="{FF2B5EF4-FFF2-40B4-BE49-F238E27FC236}">
+                <a16:creationId xmlns:a16="http://schemas.microsoft.com/office/drawing/2014/main" id="{FA565EA3-F4AA-C8A7-5A89-5B24B6E996F7}"/>
+              </a:ext>
+            </a:extLst>
+          </p:cNvPr>
+          <p:cNvSpPr/>
+          <p:nvPr/>
+        </p:nvSpPr>
+        <p:spPr>
+          <a:xfrm rot="10800000" flipV="1">
+            <a:off x="3820277" y="3724559"/>
+            <a:ext cx="4208543" cy="249363"/>
+          </a:xfrm>
+          <a:prstGeom prst="rect">
+            <a:avLst/>
+          </a:prstGeom>
+          <a:solidFill>
+            <a:srgbClr val="2AB9D2"/>
+          </a:solidFill>
+          <a:ln>
+            <a:noFill/>
+          </a:ln>
+        </p:spPr>
+        <p:style>
+          <a:lnRef idx="2">
+            <a:schemeClr val="accent1">
+              <a:shade val="15000"/>
+            </a:schemeClr>
+          </a:lnRef>
+          <a:fillRef idx="1">
+            <a:schemeClr val="accent1"/>
+          </a:fillRef>
+          <a:effectRef idx="0">
+            <a:schemeClr val="accent1"/>
+          </a:effectRef>
+          <a:fontRef idx="minor">
+            <a:schemeClr val="lt1"/>
+          </a:fontRef>
+        </p:style>
+        <p:txBody>
+          <a:bodyPr rtlCol="0" anchor="ctr"/>
+          <a:lstStyle/>
+          <a:p>
+            <a:r>
+              <a:rPr lang="en-US" sz="1400" b="1" dirty="0">
+                <a:solidFill>
+                  <a:srgbClr val="00172B"/>
+                </a:solidFill>
+                <a:latin typeface="Montserrat" pitchFamily="2" charset="0"/>
+              </a:rPr>
+              <a:t>Artists</a:t>
+            </a:r>
+            <a:endParaRPr lang="en-US" sz="1400" b="1" noProof="0" dirty="0">
+              <a:solidFill>
+                <a:srgbClr val="00172B"/>
+              </a:solidFill>
+              <a:latin typeface="Montserrat" pitchFamily="2" charset="0"/>
+            </a:endParaRPr>
+          </a:p>
+        </p:txBody>
+      </p:sp>
+    </p:spTree>
+    <p:extLst>
+      <p:ext uri="{BB962C8B-B14F-4D97-AF65-F5344CB8AC3E}">
+        <p14:creationId xmlns:p14="http://schemas.microsoft.com/office/powerpoint/2010/main" val="2509423327"/>
+      </p:ext>
+    </p:extLst>
+  </p:cSld>
+  <p:clrMapOvr>
+    <a:masterClrMapping/>
+  </p:clrMapOvr>
+</p:sld>
+</file>
+
+<file path=ppt/slides/slide16.xml><?xml version="1.0" encoding="utf-8"?>
+<p:sld xmlns:a="http://schemas.openxmlformats.org/drawingml/2006/main" xmlns:r="http://schemas.openxmlformats.org/officeDocument/2006/relationships" xmlns:p="http://schemas.openxmlformats.org/presentationml/2006/main">
+  <p:cSld>
+    <p:spTree>
+      <p:nvGrpSpPr>
+        <p:cNvPr id="1" name="">
+          <a:extLst>
+            <a:ext uri="{FF2B5EF4-FFF2-40B4-BE49-F238E27FC236}">
               <a16:creationId xmlns:a16="http://schemas.microsoft.com/office/drawing/2014/main" id="{A30A6A0A-E071-73E6-74F1-FFA46C0A9466}"/>
             </a:ext>
           </a:extLst>
@@ -22872,7 +24194,7 @@
 </p:sld>
 </file>
 
-<file path=ppt/slides/slide16.xml><?xml version="1.0" encoding="utf-8"?>
+<file path=ppt/slides/slide17.xml><?xml version="1.0" encoding="utf-8"?>
 <p:sld xmlns:a="http://schemas.openxmlformats.org/drawingml/2006/main" xmlns:r="http://schemas.openxmlformats.org/officeDocument/2006/relationships" xmlns:p="http://schemas.openxmlformats.org/presentationml/2006/main">
   <p:cSld>
     <p:spTree>
@@ -22944,7 +24266,7 @@
 </p:sld>
 </file>
 
-<file path=ppt/slides/slide17.xml><?xml version="1.0" encoding="utf-8"?>
+<file path=ppt/slides/slide18.xml><?xml version="1.0" encoding="utf-8"?>
 <p:sld xmlns:a="http://schemas.openxmlformats.org/drawingml/2006/main" xmlns:r="http://schemas.openxmlformats.org/officeDocument/2006/relationships" xmlns:p="http://schemas.openxmlformats.org/presentationml/2006/main">
   <p:cSld>
     <p:spTree>
@@ -23698,7 +25020,7 @@
 </p:sld>
 </file>
 
-<file path=ppt/slides/slide18.xml><?xml version="1.0" encoding="utf-8"?>
+<file path=ppt/slides/slide19.xml><?xml version="1.0" encoding="utf-8"?>
 <p:sld xmlns:a="http://schemas.openxmlformats.org/drawingml/2006/main" xmlns:r="http://schemas.openxmlformats.org/officeDocument/2006/relationships" xmlns:p="http://schemas.openxmlformats.org/presentationml/2006/main">
   <p:cSld>
     <p:spTree>
@@ -25692,2666 +27014,6 @@
     <p:extLst>
       <p:ext uri="{BB962C8B-B14F-4D97-AF65-F5344CB8AC3E}">
         <p14:creationId xmlns:p14="http://schemas.microsoft.com/office/powerpoint/2010/main" val="3534418709"/>
-      </p:ext>
-    </p:extLst>
-  </p:cSld>
-  <p:clrMapOvr>
-    <a:masterClrMapping/>
-  </p:clrMapOvr>
-</p:sld>
-</file>
-
-<file path=ppt/slides/slide19.xml><?xml version="1.0" encoding="utf-8"?>
-<p:sld xmlns:a="http://schemas.openxmlformats.org/drawingml/2006/main" xmlns:r="http://schemas.openxmlformats.org/officeDocument/2006/relationships" xmlns:p="http://schemas.openxmlformats.org/presentationml/2006/main">
-  <p:cSld>
-    <p:spTree>
-      <p:nvGrpSpPr>
-        <p:cNvPr id="1" name="">
-          <a:extLst>
-            <a:ext uri="{FF2B5EF4-FFF2-40B4-BE49-F238E27FC236}">
-              <a16:creationId xmlns:a16="http://schemas.microsoft.com/office/drawing/2014/main" id="{577BD5B4-307D-C75E-BCE6-DC162B884FD5}"/>
-            </a:ext>
-          </a:extLst>
-        </p:cNvPr>
-        <p:cNvGrpSpPr/>
-        <p:nvPr/>
-      </p:nvGrpSpPr>
-      <p:grpSpPr>
-        <a:xfrm>
-          <a:off x="0" y="0"/>
-          <a:ext cx="0" cy="0"/>
-          <a:chOff x="0" y="0"/>
-          <a:chExt cx="0" cy="0"/>
-        </a:xfrm>
-      </p:grpSpPr>
-      <p:sp>
-        <p:nvSpPr>
-          <p:cNvPr id="4" name="Rectangle 3">
-            <a:extLst>
-              <a:ext uri="{FF2B5EF4-FFF2-40B4-BE49-F238E27FC236}">
-                <a16:creationId xmlns:a16="http://schemas.microsoft.com/office/drawing/2014/main" id="{3AAA31F6-27E8-C219-F8F1-1EE7F3E95055}"/>
-              </a:ext>
-            </a:extLst>
-          </p:cNvPr>
-          <p:cNvSpPr/>
-          <p:nvPr/>
-        </p:nvSpPr>
-        <p:spPr>
-          <a:xfrm>
-            <a:off x="-6" y="0"/>
-            <a:ext cx="3078000" cy="6858000"/>
-          </a:xfrm>
-          <a:prstGeom prst="rect">
-            <a:avLst/>
-          </a:prstGeom>
-          <a:solidFill>
-            <a:srgbClr val="00172B"/>
-          </a:solidFill>
-          <a:ln>
-            <a:noFill/>
-          </a:ln>
-        </p:spPr>
-        <p:style>
-          <a:lnRef idx="2">
-            <a:schemeClr val="accent1">
-              <a:shade val="15000"/>
-            </a:schemeClr>
-          </a:lnRef>
-          <a:fillRef idx="1">
-            <a:schemeClr val="accent1"/>
-          </a:fillRef>
-          <a:effectRef idx="0">
-            <a:schemeClr val="accent1"/>
-          </a:effectRef>
-          <a:fontRef idx="minor">
-            <a:schemeClr val="lt1"/>
-          </a:fontRef>
-        </p:style>
-        <p:txBody>
-          <a:bodyPr rtlCol="0" anchor="ctr"/>
-          <a:lstStyle/>
-          <a:p>
-            <a:pPr algn="ctr"/>
-            <a:endParaRPr lang="en-US" noProof="0" dirty="0"/>
-          </a:p>
-        </p:txBody>
-      </p:sp>
-      <p:sp>
-        <p:nvSpPr>
-          <p:cNvPr id="5" name="Rectangle 4">
-            <a:extLst>
-              <a:ext uri="{FF2B5EF4-FFF2-40B4-BE49-F238E27FC236}">
-                <a16:creationId xmlns:a16="http://schemas.microsoft.com/office/drawing/2014/main" id="{E7C241B8-27AF-3F4D-8749-24107ECFA982}"/>
-              </a:ext>
-            </a:extLst>
-          </p:cNvPr>
-          <p:cNvSpPr/>
-          <p:nvPr/>
-        </p:nvSpPr>
-        <p:spPr>
-          <a:xfrm>
-            <a:off x="0" y="0"/>
-            <a:ext cx="3077994" cy="468000"/>
-          </a:xfrm>
-          <a:prstGeom prst="rect">
-            <a:avLst/>
-          </a:prstGeom>
-          <a:solidFill>
-            <a:srgbClr val="002646"/>
-          </a:solidFill>
-          <a:ln>
-            <a:noFill/>
-          </a:ln>
-        </p:spPr>
-        <p:style>
-          <a:lnRef idx="2">
-            <a:schemeClr val="accent1">
-              <a:shade val="15000"/>
-            </a:schemeClr>
-          </a:lnRef>
-          <a:fillRef idx="1">
-            <a:schemeClr val="accent1"/>
-          </a:fillRef>
-          <a:effectRef idx="0">
-            <a:schemeClr val="accent1"/>
-          </a:effectRef>
-          <a:fontRef idx="minor">
-            <a:schemeClr val="lt1"/>
-          </a:fontRef>
-        </p:style>
-        <p:txBody>
-          <a:bodyPr rtlCol="0" anchor="ctr"/>
-          <a:lstStyle/>
-          <a:p>
-            <a:pPr algn="ctr"/>
-            <a:endParaRPr lang="en-US" noProof="0" dirty="0"/>
-          </a:p>
-        </p:txBody>
-      </p:sp>
-      <p:pic>
-        <p:nvPicPr>
-          <p:cNvPr id="6" name="Picture 5" descr="A white letter on a black background&#10;&#10;AI-generated content may be incorrect.">
-            <a:extLst>
-              <a:ext uri="{FF2B5EF4-FFF2-40B4-BE49-F238E27FC236}">
-                <a16:creationId xmlns:a16="http://schemas.microsoft.com/office/drawing/2014/main" id="{379F92A2-4B34-FCB4-50E8-05256524D8DB}"/>
-              </a:ext>
-            </a:extLst>
-          </p:cNvPr>
-          <p:cNvPicPr>
-            <a:picLocks noChangeAspect="1"/>
-          </p:cNvPicPr>
-          <p:nvPr/>
-        </p:nvPicPr>
-        <p:blipFill>
-          <a:blip r:embed="rId3">
-            <a:extLst>
-              <a:ext uri="{28A0092B-C50C-407E-A947-70E740481C1C}">
-                <a14:useLocalDpi xmlns:a14="http://schemas.microsoft.com/office/drawing/2010/main" val="0"/>
-              </a:ext>
-            </a:extLst>
-          </a:blip>
-          <a:stretch>
-            <a:fillRect/>
-          </a:stretch>
-        </p:blipFill>
-        <p:spPr>
-          <a:xfrm>
-            <a:off x="107637" y="100767"/>
-            <a:ext cx="1634763" cy="289272"/>
-          </a:xfrm>
-          <a:prstGeom prst="rect">
-            <a:avLst/>
-          </a:prstGeom>
-        </p:spPr>
-      </p:pic>
-      <p:sp>
-        <p:nvSpPr>
-          <p:cNvPr id="9" name="Rectangle 8">
-            <a:extLst>
-              <a:ext uri="{FF2B5EF4-FFF2-40B4-BE49-F238E27FC236}">
-                <a16:creationId xmlns:a16="http://schemas.microsoft.com/office/drawing/2014/main" id="{FF887B36-9751-3B82-3BDF-6FA89352C6A5}"/>
-              </a:ext>
-            </a:extLst>
-          </p:cNvPr>
-          <p:cNvSpPr/>
-          <p:nvPr/>
-        </p:nvSpPr>
-        <p:spPr>
-          <a:xfrm flipV="1">
-            <a:off x="0" y="467438"/>
-            <a:ext cx="3077994" cy="45719"/>
-          </a:xfrm>
-          <a:prstGeom prst="rect">
-            <a:avLst/>
-          </a:prstGeom>
-          <a:solidFill>
-            <a:srgbClr val="2AB9D2"/>
-          </a:solidFill>
-          <a:ln>
-            <a:noFill/>
-          </a:ln>
-        </p:spPr>
-        <p:style>
-          <a:lnRef idx="2">
-            <a:schemeClr val="accent1">
-              <a:shade val="15000"/>
-            </a:schemeClr>
-          </a:lnRef>
-          <a:fillRef idx="1">
-            <a:schemeClr val="accent1"/>
-          </a:fillRef>
-          <a:effectRef idx="0">
-            <a:schemeClr val="accent1"/>
-          </a:effectRef>
-          <a:fontRef idx="minor">
-            <a:schemeClr val="lt1"/>
-          </a:fontRef>
-        </p:style>
-        <p:txBody>
-          <a:bodyPr rtlCol="0" anchor="ctr"/>
-          <a:lstStyle/>
-          <a:p>
-            <a:pPr algn="ctr"/>
-            <a:endParaRPr lang="en-US" noProof="0" dirty="0"/>
-          </a:p>
-        </p:txBody>
-      </p:sp>
-      <p:sp>
-        <p:nvSpPr>
-          <p:cNvPr id="17" name="Rectangle 17">
-            <a:extLst>
-              <a:ext uri="{FF2B5EF4-FFF2-40B4-BE49-F238E27FC236}">
-                <a16:creationId xmlns:a16="http://schemas.microsoft.com/office/drawing/2014/main" id="{36487CBE-C52B-0C48-46B2-A3A0D7FD9758}"/>
-              </a:ext>
-            </a:extLst>
-          </p:cNvPr>
-          <p:cNvSpPr/>
-          <p:nvPr/>
-        </p:nvSpPr>
-        <p:spPr>
-          <a:xfrm>
-            <a:off x="-6" y="6390000"/>
-            <a:ext cx="3078000" cy="468000"/>
-          </a:xfrm>
-          <a:prstGeom prst="rect">
-            <a:avLst/>
-          </a:prstGeom>
-          <a:solidFill>
-            <a:srgbClr val="002646"/>
-          </a:solidFill>
-          <a:ln>
-            <a:noFill/>
-          </a:ln>
-        </p:spPr>
-        <p:style>
-          <a:lnRef idx="2">
-            <a:schemeClr val="accent1">
-              <a:shade val="15000"/>
-            </a:schemeClr>
-          </a:lnRef>
-          <a:fillRef idx="1">
-            <a:schemeClr val="accent1"/>
-          </a:fillRef>
-          <a:effectRef idx="0">
-            <a:schemeClr val="accent1"/>
-          </a:effectRef>
-          <a:fontRef idx="minor">
-            <a:schemeClr val="lt1"/>
-          </a:fontRef>
-        </p:style>
-        <p:txBody>
-          <a:bodyPr rtlCol="0" anchor="ctr"/>
-          <a:lstStyle/>
-          <a:p>
-            <a:pPr algn="ctr"/>
-            <a:endParaRPr lang="en-US" noProof="0" dirty="0"/>
-          </a:p>
-        </p:txBody>
-      </p:sp>
-      <p:sp>
-        <p:nvSpPr>
-          <p:cNvPr id="33" name="Rectangle 22">
-            <a:extLst>
-              <a:ext uri="{FF2B5EF4-FFF2-40B4-BE49-F238E27FC236}">
-                <a16:creationId xmlns:a16="http://schemas.microsoft.com/office/drawing/2014/main" id="{A9A38F63-24A8-9BA2-94CC-7DDE59A03788}"/>
-              </a:ext>
-            </a:extLst>
-          </p:cNvPr>
-          <p:cNvSpPr/>
-          <p:nvPr/>
-        </p:nvSpPr>
-        <p:spPr>
-          <a:xfrm>
-            <a:off x="0" y="6390000"/>
-            <a:ext cx="615600" cy="468000"/>
-          </a:xfrm>
-          <a:prstGeom prst="rect">
-            <a:avLst/>
-          </a:prstGeom>
-          <a:solidFill>
-            <a:srgbClr val="003866"/>
-          </a:solidFill>
-          <a:ln>
-            <a:noFill/>
-          </a:ln>
-        </p:spPr>
-        <p:style>
-          <a:lnRef idx="2">
-            <a:schemeClr val="accent1">
-              <a:shade val="15000"/>
-            </a:schemeClr>
-          </a:lnRef>
-          <a:fillRef idx="1">
-            <a:schemeClr val="accent1"/>
-          </a:fillRef>
-          <a:effectRef idx="0">
-            <a:schemeClr val="accent1"/>
-          </a:effectRef>
-          <a:fontRef idx="minor">
-            <a:schemeClr val="lt1"/>
-          </a:fontRef>
-        </p:style>
-        <p:txBody>
-          <a:bodyPr rtlCol="0" anchor="ctr"/>
-          <a:lstStyle/>
-          <a:p>
-            <a:pPr algn="ctr"/>
-            <a:endParaRPr lang="en-US" noProof="0" dirty="0"/>
-          </a:p>
-        </p:txBody>
-      </p:sp>
-      <p:pic>
-        <p:nvPicPr>
-          <p:cNvPr id="1036" name="Picture 12">
-            <a:extLst>
-              <a:ext uri="{FF2B5EF4-FFF2-40B4-BE49-F238E27FC236}">
-                <a16:creationId xmlns:a16="http://schemas.microsoft.com/office/drawing/2014/main" id="{EC791415-0422-2610-9F8C-234880510276}"/>
-              </a:ext>
-            </a:extLst>
-          </p:cNvPr>
-          <p:cNvPicPr>
-            <a:picLocks noChangeAspect="1" noChangeArrowheads="1"/>
-          </p:cNvPicPr>
-          <p:nvPr/>
-        </p:nvPicPr>
-        <p:blipFill>
-          <a:blip r:embed="rId4">
-            <a:extLst>
-              <a:ext uri="{28A0092B-C50C-407E-A947-70E740481C1C}">
-                <a14:useLocalDpi xmlns:a14="http://schemas.microsoft.com/office/drawing/2010/main" val="0"/>
-              </a:ext>
-            </a:extLst>
-          </a:blip>
-          <a:srcRect/>
-          <a:stretch>
-            <a:fillRect/>
-          </a:stretch>
-        </p:blipFill>
-        <p:spPr bwMode="auto">
-          <a:xfrm>
-            <a:off x="165824" y="6477961"/>
-            <a:ext cx="288000" cy="288000"/>
-          </a:xfrm>
-          <a:prstGeom prst="rect">
-            <a:avLst/>
-          </a:prstGeom>
-          <a:noFill/>
-          <a:extLst>
-            <a:ext uri="{909E8E84-426E-40DD-AFC4-6F175D3DCCD1}">
-              <a14:hiddenFill xmlns:a14="http://schemas.microsoft.com/office/drawing/2010/main">
-                <a:solidFill>
-                  <a:srgbClr val="FFFFFF"/>
-                </a:solidFill>
-              </a14:hiddenFill>
-            </a:ext>
-          </a:extLst>
-        </p:spPr>
-      </p:pic>
-      <p:pic>
-        <p:nvPicPr>
-          <p:cNvPr id="1038" name="Picture 14">
-            <a:extLst>
-              <a:ext uri="{FF2B5EF4-FFF2-40B4-BE49-F238E27FC236}">
-                <a16:creationId xmlns:a16="http://schemas.microsoft.com/office/drawing/2014/main" id="{12967700-4BCF-08BE-7087-B7DFA7220751}"/>
-              </a:ext>
-            </a:extLst>
-          </p:cNvPr>
-          <p:cNvPicPr>
-            <a:picLocks noChangeAspect="1" noChangeArrowheads="1"/>
-          </p:cNvPicPr>
-          <p:nvPr/>
-        </p:nvPicPr>
-        <p:blipFill>
-          <a:blip r:embed="rId5">
-            <a:extLst>
-              <a:ext uri="{28A0092B-C50C-407E-A947-70E740481C1C}">
-                <a14:useLocalDpi xmlns:a14="http://schemas.microsoft.com/office/drawing/2010/main" val="0"/>
-              </a:ext>
-            </a:extLst>
-          </a:blip>
-          <a:srcRect/>
-          <a:stretch>
-            <a:fillRect/>
-          </a:stretch>
-        </p:blipFill>
-        <p:spPr bwMode="auto">
-          <a:xfrm>
-            <a:off x="2010594" y="6477961"/>
-            <a:ext cx="288000" cy="288000"/>
-          </a:xfrm>
-          <a:prstGeom prst="rect">
-            <a:avLst/>
-          </a:prstGeom>
-          <a:noFill/>
-          <a:extLst>
-            <a:ext uri="{909E8E84-426E-40DD-AFC4-6F175D3DCCD1}">
-              <a14:hiddenFill xmlns:a14="http://schemas.microsoft.com/office/drawing/2010/main">
-                <a:solidFill>
-                  <a:srgbClr val="FFFFFF"/>
-                </a:solidFill>
-              </a14:hiddenFill>
-            </a:ext>
-          </a:extLst>
-        </p:spPr>
-      </p:pic>
-      <p:pic>
-        <p:nvPicPr>
-          <p:cNvPr id="1042" name="Picture 18">
-            <a:extLst>
-              <a:ext uri="{FF2B5EF4-FFF2-40B4-BE49-F238E27FC236}">
-                <a16:creationId xmlns:a16="http://schemas.microsoft.com/office/drawing/2014/main" id="{4E655D2A-710D-18A2-3018-45D04FDFB43B}"/>
-              </a:ext>
-            </a:extLst>
-          </p:cNvPr>
-          <p:cNvPicPr>
-            <a:picLocks noChangeAspect="1" noChangeArrowheads="1"/>
-          </p:cNvPicPr>
-          <p:nvPr/>
-        </p:nvPicPr>
-        <p:blipFill>
-          <a:blip r:embed="rId6">
-            <a:extLst>
-              <a:ext uri="{28A0092B-C50C-407E-A947-70E740481C1C}">
-                <a14:useLocalDpi xmlns:a14="http://schemas.microsoft.com/office/drawing/2010/main" val="0"/>
-              </a:ext>
-            </a:extLst>
-          </a:blip>
-          <a:srcRect/>
-          <a:stretch>
-            <a:fillRect/>
-          </a:stretch>
-        </p:blipFill>
-        <p:spPr bwMode="auto">
-          <a:xfrm>
-            <a:off x="781018" y="6477961"/>
-            <a:ext cx="288000" cy="288000"/>
-          </a:xfrm>
-          <a:prstGeom prst="rect">
-            <a:avLst/>
-          </a:prstGeom>
-          <a:noFill/>
-          <a:extLst>
-            <a:ext uri="{909E8E84-426E-40DD-AFC4-6F175D3DCCD1}">
-              <a14:hiddenFill xmlns:a14="http://schemas.microsoft.com/office/drawing/2010/main">
-                <a:solidFill>
-                  <a:srgbClr val="FFFFFF"/>
-                </a:solidFill>
-              </a14:hiddenFill>
-            </a:ext>
-          </a:extLst>
-        </p:spPr>
-      </p:pic>
-      <p:pic>
-        <p:nvPicPr>
-          <p:cNvPr id="1040" name="Picture 16">
-            <a:extLst>
-              <a:ext uri="{FF2B5EF4-FFF2-40B4-BE49-F238E27FC236}">
-                <a16:creationId xmlns:a16="http://schemas.microsoft.com/office/drawing/2014/main" id="{D81A1A6F-30A2-6E97-264C-68B40D587D75}"/>
-              </a:ext>
-            </a:extLst>
-          </p:cNvPr>
-          <p:cNvPicPr>
-            <a:picLocks noChangeAspect="1" noChangeArrowheads="1"/>
-          </p:cNvPicPr>
-          <p:nvPr/>
-        </p:nvPicPr>
-        <p:blipFill>
-          <a:blip r:embed="rId7">
-            <a:extLst>
-              <a:ext uri="{28A0092B-C50C-407E-A947-70E740481C1C}">
-                <a14:useLocalDpi xmlns:a14="http://schemas.microsoft.com/office/drawing/2010/main" val="0"/>
-              </a:ext>
-            </a:extLst>
-          </a:blip>
-          <a:srcRect/>
-          <a:stretch>
-            <a:fillRect/>
-          </a:stretch>
-        </p:blipFill>
-        <p:spPr bwMode="auto">
-          <a:xfrm>
-            <a:off x="2624976" y="6477961"/>
-            <a:ext cx="288000" cy="288000"/>
-          </a:xfrm>
-          <a:prstGeom prst="rect">
-            <a:avLst/>
-          </a:prstGeom>
-          <a:noFill/>
-          <a:extLst>
-            <a:ext uri="{909E8E84-426E-40DD-AFC4-6F175D3DCCD1}">
-              <a14:hiddenFill xmlns:a14="http://schemas.microsoft.com/office/drawing/2010/main">
-                <a:solidFill>
-                  <a:srgbClr val="FFFFFF"/>
-                </a:solidFill>
-              </a14:hiddenFill>
-            </a:ext>
-          </a:extLst>
-        </p:spPr>
-      </p:pic>
-      <p:pic>
-        <p:nvPicPr>
-          <p:cNvPr id="1034" name="Picture 10">
-            <a:extLst>
-              <a:ext uri="{FF2B5EF4-FFF2-40B4-BE49-F238E27FC236}">
-                <a16:creationId xmlns:a16="http://schemas.microsoft.com/office/drawing/2014/main" id="{CA31AEC2-A439-FFB3-DF57-59366F9F42A7}"/>
-              </a:ext>
-            </a:extLst>
-          </p:cNvPr>
-          <p:cNvPicPr>
-            <a:picLocks noChangeAspect="1" noChangeArrowheads="1"/>
-          </p:cNvPicPr>
-          <p:nvPr/>
-        </p:nvPicPr>
-        <p:blipFill>
-          <a:blip r:embed="rId8">
-            <a:extLst>
-              <a:ext uri="{28A0092B-C50C-407E-A947-70E740481C1C}">
-                <a14:useLocalDpi xmlns:a14="http://schemas.microsoft.com/office/drawing/2010/main" val="0"/>
-              </a:ext>
-            </a:extLst>
-          </a:blip>
-          <a:srcRect/>
-          <a:stretch>
-            <a:fillRect/>
-          </a:stretch>
-        </p:blipFill>
-        <p:spPr bwMode="auto">
-          <a:xfrm>
-            <a:off x="1394031" y="6477961"/>
-            <a:ext cx="288000" cy="288000"/>
-          </a:xfrm>
-          <a:prstGeom prst="rect">
-            <a:avLst/>
-          </a:prstGeom>
-          <a:noFill/>
-          <a:extLst>
-            <a:ext uri="{909E8E84-426E-40DD-AFC4-6F175D3DCCD1}">
-              <a14:hiddenFill xmlns:a14="http://schemas.microsoft.com/office/drawing/2010/main">
-                <a:solidFill>
-                  <a:srgbClr val="FFFFFF"/>
-                </a:solidFill>
-              </a14:hiddenFill>
-            </a:ext>
-          </a:extLst>
-        </p:spPr>
-      </p:pic>
-      <p:sp>
-        <p:nvSpPr>
-          <p:cNvPr id="18" name="Rectangle: Rounded Corners 12">
-            <a:extLst>
-              <a:ext uri="{FF2B5EF4-FFF2-40B4-BE49-F238E27FC236}">
-                <a16:creationId xmlns:a16="http://schemas.microsoft.com/office/drawing/2014/main" id="{7C169F0A-60AB-8DB6-3F75-6F0421B4C1E0}"/>
-              </a:ext>
-            </a:extLst>
-          </p:cNvPr>
-          <p:cNvSpPr/>
-          <p:nvPr/>
-        </p:nvSpPr>
-        <p:spPr>
-          <a:xfrm>
-            <a:off x="2196716" y="55135"/>
-            <a:ext cx="811164" cy="360000"/>
-          </a:xfrm>
-          <a:prstGeom prst="roundRect">
-            <a:avLst/>
-          </a:prstGeom>
-          <a:noFill/>
-          <a:ln w="28575">
-            <a:solidFill>
-              <a:srgbClr val="2AB9D2"/>
-            </a:solidFill>
-          </a:ln>
-        </p:spPr>
-        <p:style>
-          <a:lnRef idx="2">
-            <a:schemeClr val="accent1">
-              <a:shade val="15000"/>
-            </a:schemeClr>
-          </a:lnRef>
-          <a:fillRef idx="1">
-            <a:schemeClr val="accent1"/>
-          </a:fillRef>
-          <a:effectRef idx="0">
-            <a:schemeClr val="accent1"/>
-          </a:effectRef>
-          <a:fontRef idx="minor">
-            <a:schemeClr val="lt1"/>
-          </a:fontRef>
-        </p:style>
-        <p:txBody>
-          <a:bodyPr rtlCol="0" anchor="ctr"/>
-          <a:lstStyle/>
-          <a:p>
-            <a:pPr algn="ctr"/>
-            <a:r>
-              <a:rPr lang="en-US" sz="1200" b="1" noProof="0" dirty="0">
-                <a:solidFill>
-                  <a:srgbClr val="2AB9D2"/>
-                </a:solidFill>
-                <a:latin typeface="Montserrat" panose="00000500000000000000" pitchFamily="2" charset="0"/>
-              </a:rPr>
-              <a:t>Logout</a:t>
-            </a:r>
-          </a:p>
-        </p:txBody>
-      </p:sp>
-      <p:sp>
-        <p:nvSpPr>
-          <p:cNvPr id="34" name="Rectangle: Rounded Corners 1050">
-            <a:extLst>
-              <a:ext uri="{FF2B5EF4-FFF2-40B4-BE49-F238E27FC236}">
-                <a16:creationId xmlns:a16="http://schemas.microsoft.com/office/drawing/2014/main" id="{BBC51F59-5E1E-9257-8145-6866790580B3}"/>
-              </a:ext>
-            </a:extLst>
-          </p:cNvPr>
-          <p:cNvSpPr/>
-          <p:nvPr/>
-        </p:nvSpPr>
-        <p:spPr>
-          <a:xfrm>
-            <a:off x="107637" y="1068556"/>
-            <a:ext cx="2477501" cy="342362"/>
-          </a:xfrm>
-          <a:prstGeom prst="roundRect">
-            <a:avLst/>
-          </a:prstGeom>
-          <a:solidFill>
-            <a:srgbClr val="002646"/>
-          </a:solidFill>
-          <a:ln>
-            <a:noFill/>
-          </a:ln>
-        </p:spPr>
-        <p:style>
-          <a:lnRef idx="2">
-            <a:schemeClr val="accent1">
-              <a:shade val="15000"/>
-            </a:schemeClr>
-          </a:lnRef>
-          <a:fillRef idx="1">
-            <a:schemeClr val="accent1"/>
-          </a:fillRef>
-          <a:effectRef idx="0">
-            <a:schemeClr val="accent1"/>
-          </a:effectRef>
-          <a:fontRef idx="minor">
-            <a:schemeClr val="lt1"/>
-          </a:fontRef>
-        </p:style>
-        <p:txBody>
-          <a:bodyPr rtlCol="0" anchor="ctr"/>
-          <a:lstStyle/>
-          <a:p>
-            <a:pPr algn="ctr"/>
-            <a:endParaRPr lang="en-US" noProof="0" dirty="0"/>
-          </a:p>
-        </p:txBody>
-      </p:sp>
-      <p:pic>
-        <p:nvPicPr>
-          <p:cNvPr id="35" name="Picture 10">
-            <a:extLst>
-              <a:ext uri="{FF2B5EF4-FFF2-40B4-BE49-F238E27FC236}">
-                <a16:creationId xmlns:a16="http://schemas.microsoft.com/office/drawing/2014/main" id="{5FB76233-9E4F-88A2-24DC-E735607B3F30}"/>
-              </a:ext>
-            </a:extLst>
-          </p:cNvPr>
-          <p:cNvPicPr>
-            <a:picLocks noChangeAspect="1" noChangeArrowheads="1"/>
-          </p:cNvPicPr>
-          <p:nvPr/>
-        </p:nvPicPr>
-        <p:blipFill>
-          <a:blip r:embed="rId8">
-            <a:extLst>
-              <a:ext uri="{28A0092B-C50C-407E-A947-70E740481C1C}">
-                <a14:useLocalDpi xmlns:a14="http://schemas.microsoft.com/office/drawing/2010/main" val="0"/>
-              </a:ext>
-            </a:extLst>
-          </a:blip>
-          <a:srcRect/>
-          <a:stretch>
-            <a:fillRect/>
-          </a:stretch>
-        </p:blipFill>
-        <p:spPr bwMode="auto">
-          <a:xfrm>
-            <a:off x="180796" y="1137951"/>
-            <a:ext cx="216000" cy="216000"/>
-          </a:xfrm>
-          <a:prstGeom prst="rect">
-            <a:avLst/>
-          </a:prstGeom>
-          <a:noFill/>
-          <a:extLst>
-            <a:ext uri="{909E8E84-426E-40DD-AFC4-6F175D3DCCD1}">
-              <a14:hiddenFill xmlns:a14="http://schemas.microsoft.com/office/drawing/2010/main">
-                <a:solidFill>
-                  <a:srgbClr val="FFFFFF"/>
-                </a:solidFill>
-              </a14:hiddenFill>
-            </a:ext>
-          </a:extLst>
-        </p:spPr>
-      </p:pic>
-      <p:sp>
-        <p:nvSpPr>
-          <p:cNvPr id="36" name="TextBox 1053">
-            <a:extLst>
-              <a:ext uri="{FF2B5EF4-FFF2-40B4-BE49-F238E27FC236}">
-                <a16:creationId xmlns:a16="http://schemas.microsoft.com/office/drawing/2014/main" id="{E1D7F4C2-99CB-01D0-C617-D1B3B8B4DBAA}"/>
-              </a:ext>
-            </a:extLst>
-          </p:cNvPr>
-          <p:cNvSpPr txBox="1"/>
-          <p:nvPr/>
-        </p:nvSpPr>
-        <p:spPr>
-          <a:xfrm>
-            <a:off x="483289" y="1116626"/>
-            <a:ext cx="1987693" cy="246221"/>
-          </a:xfrm>
-          <a:prstGeom prst="rect">
-            <a:avLst/>
-          </a:prstGeom>
-          <a:noFill/>
-        </p:spPr>
-        <p:txBody>
-          <a:bodyPr wrap="square" rtlCol="0">
-            <a:spAutoFit/>
-          </a:bodyPr>
-          <a:lstStyle/>
-          <a:p>
-            <a:r>
-              <a:rPr lang="en-US" sz="1000" noProof="0" dirty="0">
-                <a:solidFill>
-                  <a:schemeClr val="bg1">
-                    <a:lumMod val="65000"/>
-                  </a:schemeClr>
-                </a:solidFill>
-                <a:latin typeface="Montserrat" panose="00000500000000000000" pitchFamily="2" charset="0"/>
-              </a:rPr>
-              <a:t>Search for something …</a:t>
-            </a:r>
-          </a:p>
-        </p:txBody>
-      </p:sp>
-      <p:sp>
-        <p:nvSpPr>
-          <p:cNvPr id="37" name="TextBox 26">
-            <a:extLst>
-              <a:ext uri="{FF2B5EF4-FFF2-40B4-BE49-F238E27FC236}">
-                <a16:creationId xmlns:a16="http://schemas.microsoft.com/office/drawing/2014/main" id="{59EC374B-B184-05A7-2E0D-461B1C59D3B8}"/>
-              </a:ext>
-            </a:extLst>
-          </p:cNvPr>
-          <p:cNvSpPr txBox="1"/>
-          <p:nvPr/>
-        </p:nvSpPr>
-        <p:spPr>
-          <a:xfrm>
-            <a:off x="107637" y="642041"/>
-            <a:ext cx="2148840" cy="338554"/>
-          </a:xfrm>
-          <a:prstGeom prst="rect">
-            <a:avLst/>
-          </a:prstGeom>
-          <a:noFill/>
-        </p:spPr>
-        <p:txBody>
-          <a:bodyPr wrap="square" rtlCol="0">
-            <a:spAutoFit/>
-          </a:bodyPr>
-          <a:lstStyle/>
-          <a:p>
-            <a:r>
-              <a:rPr lang="en-US" sz="1600" b="1" noProof="0" dirty="0">
-                <a:solidFill>
-                  <a:schemeClr val="bg1"/>
-                </a:solidFill>
-                <a:latin typeface="Montserrat" panose="00000500000000000000" pitchFamily="2" charset="0"/>
-              </a:rPr>
-              <a:t>Library</a:t>
-            </a:r>
-          </a:p>
-        </p:txBody>
-      </p:sp>
-      <p:sp>
-        <p:nvSpPr>
-          <p:cNvPr id="38" name="Rectangle: Rounded Corners 1054">
-            <a:extLst>
-              <a:ext uri="{FF2B5EF4-FFF2-40B4-BE49-F238E27FC236}">
-                <a16:creationId xmlns:a16="http://schemas.microsoft.com/office/drawing/2014/main" id="{DED98BAB-CDF4-B6D1-3BBA-5DF7AC8745E2}"/>
-              </a:ext>
-            </a:extLst>
-          </p:cNvPr>
-          <p:cNvSpPr/>
-          <p:nvPr/>
-        </p:nvSpPr>
-        <p:spPr>
-          <a:xfrm>
-            <a:off x="2647470" y="1069656"/>
-            <a:ext cx="342000" cy="342000"/>
-          </a:xfrm>
-          <a:prstGeom prst="roundRect">
-            <a:avLst/>
-          </a:prstGeom>
-          <a:solidFill>
-            <a:srgbClr val="002646"/>
-          </a:solidFill>
-          <a:ln>
-            <a:noFill/>
-          </a:ln>
-        </p:spPr>
-        <p:style>
-          <a:lnRef idx="2">
-            <a:schemeClr val="accent1">
-              <a:shade val="15000"/>
-            </a:schemeClr>
-          </a:lnRef>
-          <a:fillRef idx="1">
-            <a:schemeClr val="accent1"/>
-          </a:fillRef>
-          <a:effectRef idx="0">
-            <a:schemeClr val="accent1"/>
-          </a:effectRef>
-          <a:fontRef idx="minor">
-            <a:schemeClr val="lt1"/>
-          </a:fontRef>
-        </p:style>
-        <p:txBody>
-          <a:bodyPr rtlCol="0" anchor="ctr"/>
-          <a:lstStyle/>
-          <a:p>
-            <a:pPr algn="ctr"/>
-            <a:endParaRPr lang="en-US" noProof="0" dirty="0"/>
-          </a:p>
-        </p:txBody>
-      </p:sp>
-      <p:pic>
-        <p:nvPicPr>
-          <p:cNvPr id="41" name="Picture 10">
-            <a:extLst>
-              <a:ext uri="{FF2B5EF4-FFF2-40B4-BE49-F238E27FC236}">
-                <a16:creationId xmlns:a16="http://schemas.microsoft.com/office/drawing/2014/main" id="{A10F7495-7AD0-E800-8DF9-382B0BF2CB8E}"/>
-              </a:ext>
-            </a:extLst>
-          </p:cNvPr>
-          <p:cNvPicPr>
-            <a:picLocks noChangeAspect="1" noChangeArrowheads="1"/>
-          </p:cNvPicPr>
-          <p:nvPr/>
-        </p:nvPicPr>
-        <p:blipFill>
-          <a:blip r:embed="rId9">
-            <a:extLst>
-              <a:ext uri="{28A0092B-C50C-407E-A947-70E740481C1C}">
-                <a14:useLocalDpi xmlns:a14="http://schemas.microsoft.com/office/drawing/2010/main" val="0"/>
-              </a:ext>
-            </a:extLst>
-          </a:blip>
-          <a:srcRect/>
-          <a:stretch>
-            <a:fillRect/>
-          </a:stretch>
-        </p:blipFill>
-        <p:spPr bwMode="auto">
-          <a:xfrm>
-            <a:off x="2711138" y="1131736"/>
-            <a:ext cx="216000" cy="216000"/>
-          </a:xfrm>
-          <a:prstGeom prst="rect">
-            <a:avLst/>
-          </a:prstGeom>
-          <a:noFill/>
-          <a:extLst>
-            <a:ext uri="{909E8E84-426E-40DD-AFC4-6F175D3DCCD1}">
-              <a14:hiddenFill xmlns:a14="http://schemas.microsoft.com/office/drawing/2010/main">
-                <a:solidFill>
-                  <a:srgbClr val="FFFFFF"/>
-                </a:solidFill>
-              </a14:hiddenFill>
-            </a:ext>
-          </a:extLst>
-        </p:spPr>
-      </p:pic>
-      <p:sp>
-        <p:nvSpPr>
-          <p:cNvPr id="42" name="TextBox 1055">
-            <a:extLst>
-              <a:ext uri="{FF2B5EF4-FFF2-40B4-BE49-F238E27FC236}">
-                <a16:creationId xmlns:a16="http://schemas.microsoft.com/office/drawing/2014/main" id="{06E0B733-6E5B-231D-B223-0AE4B4D4D473}"/>
-              </a:ext>
-            </a:extLst>
-          </p:cNvPr>
-          <p:cNvSpPr txBox="1"/>
-          <p:nvPr/>
-        </p:nvSpPr>
-        <p:spPr>
-          <a:xfrm>
-            <a:off x="483289" y="1527577"/>
-            <a:ext cx="1350809" cy="253916"/>
-          </a:xfrm>
-          <a:prstGeom prst="rect">
-            <a:avLst/>
-          </a:prstGeom>
-          <a:noFill/>
-        </p:spPr>
-        <p:txBody>
-          <a:bodyPr wrap="square" rtlCol="0">
-            <a:spAutoFit/>
-          </a:bodyPr>
-          <a:lstStyle/>
-          <a:p>
-            <a:r>
-              <a:rPr lang="en-US" sz="1050" b="1" noProof="0" dirty="0">
-                <a:solidFill>
-                  <a:schemeClr val="bg1"/>
-                </a:solidFill>
-                <a:latin typeface="Montserrat" panose="00000500000000000000" pitchFamily="2" charset="0"/>
-              </a:rPr>
-              <a:t>Sonic Blaster</a:t>
-            </a:r>
-          </a:p>
-        </p:txBody>
-      </p:sp>
-      <p:pic>
-        <p:nvPicPr>
-          <p:cNvPr id="43" name="Picture 1056" descr="A purple and white background with text&#10;&#10;AI-generated content may be incorrect.">
-            <a:extLst>
-              <a:ext uri="{FF2B5EF4-FFF2-40B4-BE49-F238E27FC236}">
-                <a16:creationId xmlns:a16="http://schemas.microsoft.com/office/drawing/2014/main" id="{727035E9-D51A-4DC8-A978-7FEA28DAF11D}"/>
-              </a:ext>
-            </a:extLst>
-          </p:cNvPr>
-          <p:cNvPicPr>
-            <a:picLocks noChangeAspect="1"/>
-          </p:cNvPicPr>
-          <p:nvPr/>
-        </p:nvPicPr>
-        <p:blipFill>
-          <a:blip r:embed="rId10">
-            <a:extLst>
-              <a:ext uri="{28A0092B-C50C-407E-A947-70E740481C1C}">
-                <a14:useLocalDpi xmlns:a14="http://schemas.microsoft.com/office/drawing/2010/main" val="0"/>
-              </a:ext>
-            </a:extLst>
-          </a:blip>
-          <a:stretch>
-            <a:fillRect/>
-          </a:stretch>
-        </p:blipFill>
-        <p:spPr>
-          <a:xfrm>
-            <a:off x="103150" y="1532125"/>
-            <a:ext cx="380139" cy="380139"/>
-          </a:xfrm>
-          <a:prstGeom prst="roundRect">
-            <a:avLst>
-              <a:gd name="adj" fmla="val 19242"/>
-            </a:avLst>
-          </a:prstGeom>
-        </p:spPr>
-      </p:pic>
-      <p:sp>
-        <p:nvSpPr>
-          <p:cNvPr id="44" name="TextBox 1057">
-            <a:extLst>
-              <a:ext uri="{FF2B5EF4-FFF2-40B4-BE49-F238E27FC236}">
-                <a16:creationId xmlns:a16="http://schemas.microsoft.com/office/drawing/2014/main" id="{F15A4C36-3DCF-ADD9-4003-0D0618EF5509}"/>
-              </a:ext>
-            </a:extLst>
-          </p:cNvPr>
-          <p:cNvSpPr txBox="1"/>
-          <p:nvPr/>
-        </p:nvSpPr>
-        <p:spPr>
-          <a:xfrm>
-            <a:off x="483289" y="1697237"/>
-            <a:ext cx="637156" cy="215444"/>
-          </a:xfrm>
-          <a:prstGeom prst="rect">
-            <a:avLst/>
-          </a:prstGeom>
-          <a:noFill/>
-        </p:spPr>
-        <p:txBody>
-          <a:bodyPr wrap="square" rtlCol="0">
-            <a:spAutoFit/>
-          </a:bodyPr>
-          <a:lstStyle/>
-          <a:p>
-            <a:r>
-              <a:rPr lang="en-US" sz="800" noProof="0" dirty="0">
-                <a:solidFill>
-                  <a:schemeClr val="bg1"/>
-                </a:solidFill>
-                <a:latin typeface="Montserrat" panose="00000500000000000000" pitchFamily="2" charset="0"/>
-              </a:rPr>
-              <a:t>F-777</a:t>
-            </a:r>
-          </a:p>
-        </p:txBody>
-      </p:sp>
-      <p:sp>
-        <p:nvSpPr>
-          <p:cNvPr id="45" name="TextBox 1058">
-            <a:extLst>
-              <a:ext uri="{FF2B5EF4-FFF2-40B4-BE49-F238E27FC236}">
-                <a16:creationId xmlns:a16="http://schemas.microsoft.com/office/drawing/2014/main" id="{794C2775-043C-EEA3-91F9-58B12D9D31E3}"/>
-              </a:ext>
-            </a:extLst>
-          </p:cNvPr>
-          <p:cNvSpPr txBox="1"/>
-          <p:nvPr/>
-        </p:nvSpPr>
-        <p:spPr>
-          <a:xfrm>
-            <a:off x="2126227" y="1575453"/>
-            <a:ext cx="584911" cy="230832"/>
-          </a:xfrm>
-          <a:prstGeom prst="rect">
-            <a:avLst/>
-          </a:prstGeom>
-          <a:noFill/>
-        </p:spPr>
-        <p:txBody>
-          <a:bodyPr wrap="square" rtlCol="0">
-            <a:spAutoFit/>
-          </a:bodyPr>
-          <a:lstStyle/>
-          <a:p>
-            <a:r>
-              <a:rPr lang="en-US" sz="800" noProof="0" dirty="0">
-                <a:solidFill>
-                  <a:schemeClr val="bg1"/>
-                </a:solidFill>
-                <a:latin typeface="Montserrat" panose="00000500000000000000" pitchFamily="2" charset="0"/>
-              </a:rPr>
-              <a:t> </a:t>
-            </a:r>
-            <a:r>
-              <a:rPr lang="en-US" sz="900" noProof="0" dirty="0">
-                <a:solidFill>
-                  <a:schemeClr val="bg1"/>
-                </a:solidFill>
-                <a:latin typeface="Montserrat" panose="00000500000000000000" pitchFamily="2" charset="0"/>
-              </a:rPr>
-              <a:t>3:02</a:t>
-            </a:r>
-          </a:p>
-        </p:txBody>
-      </p:sp>
-      <p:pic>
-        <p:nvPicPr>
-          <p:cNvPr id="1078" name="Picture 2">
-            <a:extLst>
-              <a:ext uri="{FF2B5EF4-FFF2-40B4-BE49-F238E27FC236}">
-                <a16:creationId xmlns:a16="http://schemas.microsoft.com/office/drawing/2014/main" id="{86BB92B7-B888-4DE0-4182-DDFD03CA0A9E}"/>
-              </a:ext>
-            </a:extLst>
-          </p:cNvPr>
-          <p:cNvPicPr>
-            <a:picLocks noChangeAspect="1" noChangeArrowheads="1"/>
-          </p:cNvPicPr>
-          <p:nvPr/>
-        </p:nvPicPr>
-        <p:blipFill>
-          <a:blip r:embed="rId11">
-            <a:extLst>
-              <a:ext uri="{28A0092B-C50C-407E-A947-70E740481C1C}">
-                <a14:useLocalDpi xmlns:a14="http://schemas.microsoft.com/office/drawing/2010/main" val="0"/>
-              </a:ext>
-            </a:extLst>
-          </a:blip>
-          <a:srcRect/>
-          <a:stretch>
-            <a:fillRect/>
-          </a:stretch>
-        </p:blipFill>
-        <p:spPr bwMode="auto">
-          <a:xfrm>
-            <a:off x="2720107" y="1571237"/>
-            <a:ext cx="252000" cy="252000"/>
-          </a:xfrm>
-          <a:prstGeom prst="rect">
-            <a:avLst/>
-          </a:prstGeom>
-          <a:noFill/>
-          <a:extLst>
-            <a:ext uri="{909E8E84-426E-40DD-AFC4-6F175D3DCCD1}">
-              <a14:hiddenFill xmlns:a14="http://schemas.microsoft.com/office/drawing/2010/main">
-                <a:solidFill>
-                  <a:srgbClr val="FFFFFF"/>
-                </a:solidFill>
-              </a14:hiddenFill>
-            </a:ext>
-          </a:extLst>
-        </p:spPr>
-      </p:pic>
-      <p:sp>
-        <p:nvSpPr>
-          <p:cNvPr id="1079" name="TextBox 1055">
-            <a:extLst>
-              <a:ext uri="{FF2B5EF4-FFF2-40B4-BE49-F238E27FC236}">
-                <a16:creationId xmlns:a16="http://schemas.microsoft.com/office/drawing/2014/main" id="{78CA79AE-5E18-F387-CAD3-B83C87ED959E}"/>
-              </a:ext>
-            </a:extLst>
-          </p:cNvPr>
-          <p:cNvSpPr txBox="1"/>
-          <p:nvPr/>
-        </p:nvSpPr>
-        <p:spPr>
-          <a:xfrm>
-            <a:off x="494112" y="2008269"/>
-            <a:ext cx="1350809" cy="253916"/>
-          </a:xfrm>
-          <a:prstGeom prst="rect">
-            <a:avLst/>
-          </a:prstGeom>
-          <a:noFill/>
-        </p:spPr>
-        <p:txBody>
-          <a:bodyPr wrap="square" rtlCol="0">
-            <a:spAutoFit/>
-          </a:bodyPr>
-          <a:lstStyle/>
-          <a:p>
-            <a:r>
-              <a:rPr lang="en-US" sz="1050" b="1" noProof="0" dirty="0">
-                <a:solidFill>
-                  <a:schemeClr val="bg1"/>
-                </a:solidFill>
-                <a:latin typeface="Montserrat" panose="00000500000000000000" pitchFamily="2" charset="0"/>
-              </a:rPr>
-              <a:t>Sonic Blaster</a:t>
-            </a:r>
-          </a:p>
-        </p:txBody>
-      </p:sp>
-      <p:pic>
-        <p:nvPicPr>
-          <p:cNvPr id="1080" name="Picture 1056" descr="A purple and white background with text&#10;&#10;AI-generated content may be incorrect.">
-            <a:extLst>
-              <a:ext uri="{FF2B5EF4-FFF2-40B4-BE49-F238E27FC236}">
-                <a16:creationId xmlns:a16="http://schemas.microsoft.com/office/drawing/2014/main" id="{800A0B9E-4F2D-1728-27FC-C943CAF3523E}"/>
-              </a:ext>
-            </a:extLst>
-          </p:cNvPr>
-          <p:cNvPicPr>
-            <a:picLocks noChangeAspect="1"/>
-          </p:cNvPicPr>
-          <p:nvPr/>
-        </p:nvPicPr>
-        <p:blipFill>
-          <a:blip r:embed="rId10">
-            <a:extLst>
-              <a:ext uri="{28A0092B-C50C-407E-A947-70E740481C1C}">
-                <a14:useLocalDpi xmlns:a14="http://schemas.microsoft.com/office/drawing/2010/main" val="0"/>
-              </a:ext>
-            </a:extLst>
-          </a:blip>
-          <a:stretch>
-            <a:fillRect/>
-          </a:stretch>
-        </p:blipFill>
-        <p:spPr>
-          <a:xfrm>
-            <a:off x="113973" y="2012817"/>
-            <a:ext cx="380139" cy="380139"/>
-          </a:xfrm>
-          <a:prstGeom prst="roundRect">
-            <a:avLst>
-              <a:gd name="adj" fmla="val 19242"/>
-            </a:avLst>
-          </a:prstGeom>
-        </p:spPr>
-      </p:pic>
-      <p:sp>
-        <p:nvSpPr>
-          <p:cNvPr id="1081" name="TextBox 1057">
-            <a:extLst>
-              <a:ext uri="{FF2B5EF4-FFF2-40B4-BE49-F238E27FC236}">
-                <a16:creationId xmlns:a16="http://schemas.microsoft.com/office/drawing/2014/main" id="{782DA40A-824B-AC20-D229-4A32F165F656}"/>
-              </a:ext>
-            </a:extLst>
-          </p:cNvPr>
-          <p:cNvSpPr txBox="1"/>
-          <p:nvPr/>
-        </p:nvSpPr>
-        <p:spPr>
-          <a:xfrm>
-            <a:off x="494112" y="2177929"/>
-            <a:ext cx="637156" cy="215444"/>
-          </a:xfrm>
-          <a:prstGeom prst="rect">
-            <a:avLst/>
-          </a:prstGeom>
-          <a:noFill/>
-        </p:spPr>
-        <p:txBody>
-          <a:bodyPr wrap="square" rtlCol="0">
-            <a:spAutoFit/>
-          </a:bodyPr>
-          <a:lstStyle/>
-          <a:p>
-            <a:r>
-              <a:rPr lang="en-US" sz="800" noProof="0" dirty="0">
-                <a:solidFill>
-                  <a:schemeClr val="bg1"/>
-                </a:solidFill>
-                <a:latin typeface="Montserrat" panose="00000500000000000000" pitchFamily="2" charset="0"/>
-              </a:rPr>
-              <a:t>F-777</a:t>
-            </a:r>
-          </a:p>
-        </p:txBody>
-      </p:sp>
-      <p:sp>
-        <p:nvSpPr>
-          <p:cNvPr id="1082" name="TextBox 1058">
-            <a:extLst>
-              <a:ext uri="{FF2B5EF4-FFF2-40B4-BE49-F238E27FC236}">
-                <a16:creationId xmlns:a16="http://schemas.microsoft.com/office/drawing/2014/main" id="{80BC3521-841C-63BB-E360-CA95C477F755}"/>
-              </a:ext>
-            </a:extLst>
-          </p:cNvPr>
-          <p:cNvSpPr txBox="1"/>
-          <p:nvPr/>
-        </p:nvSpPr>
-        <p:spPr>
-          <a:xfrm>
-            <a:off x="2137050" y="2056145"/>
-            <a:ext cx="584911" cy="230832"/>
-          </a:xfrm>
-          <a:prstGeom prst="rect">
-            <a:avLst/>
-          </a:prstGeom>
-          <a:noFill/>
-        </p:spPr>
-        <p:txBody>
-          <a:bodyPr wrap="square" rtlCol="0">
-            <a:spAutoFit/>
-          </a:bodyPr>
-          <a:lstStyle/>
-          <a:p>
-            <a:r>
-              <a:rPr lang="en-US" sz="800" noProof="0" dirty="0">
-                <a:solidFill>
-                  <a:schemeClr val="bg1"/>
-                </a:solidFill>
-                <a:latin typeface="Montserrat" panose="00000500000000000000" pitchFamily="2" charset="0"/>
-              </a:rPr>
-              <a:t> </a:t>
-            </a:r>
-            <a:r>
-              <a:rPr lang="en-US" sz="900" noProof="0" dirty="0">
-                <a:solidFill>
-                  <a:schemeClr val="bg1"/>
-                </a:solidFill>
-                <a:latin typeface="Montserrat" panose="00000500000000000000" pitchFamily="2" charset="0"/>
-              </a:rPr>
-              <a:t>3:02</a:t>
-            </a:r>
-          </a:p>
-        </p:txBody>
-      </p:sp>
-      <p:pic>
-        <p:nvPicPr>
-          <p:cNvPr id="1083" name="Picture 2">
-            <a:extLst>
-              <a:ext uri="{FF2B5EF4-FFF2-40B4-BE49-F238E27FC236}">
-                <a16:creationId xmlns:a16="http://schemas.microsoft.com/office/drawing/2014/main" id="{14349CFA-9111-5005-75F1-A50B4B8362D5}"/>
-              </a:ext>
-            </a:extLst>
-          </p:cNvPr>
-          <p:cNvPicPr>
-            <a:picLocks noChangeAspect="1" noChangeArrowheads="1"/>
-          </p:cNvPicPr>
-          <p:nvPr/>
-        </p:nvPicPr>
-        <p:blipFill>
-          <a:blip r:embed="rId11">
-            <a:extLst>
-              <a:ext uri="{28A0092B-C50C-407E-A947-70E740481C1C}">
-                <a14:useLocalDpi xmlns:a14="http://schemas.microsoft.com/office/drawing/2010/main" val="0"/>
-              </a:ext>
-            </a:extLst>
-          </a:blip>
-          <a:srcRect/>
-          <a:stretch>
-            <a:fillRect/>
-          </a:stretch>
-        </p:blipFill>
-        <p:spPr bwMode="auto">
-          <a:xfrm>
-            <a:off x="2730930" y="2051929"/>
-            <a:ext cx="252000" cy="252000"/>
-          </a:xfrm>
-          <a:prstGeom prst="rect">
-            <a:avLst/>
-          </a:prstGeom>
-          <a:noFill/>
-          <a:extLst>
-            <a:ext uri="{909E8E84-426E-40DD-AFC4-6F175D3DCCD1}">
-              <a14:hiddenFill xmlns:a14="http://schemas.microsoft.com/office/drawing/2010/main">
-                <a:solidFill>
-                  <a:srgbClr val="FFFFFF"/>
-                </a:solidFill>
-              </a14:hiddenFill>
-            </a:ext>
-          </a:extLst>
-        </p:spPr>
-      </p:pic>
-      <p:sp>
-        <p:nvSpPr>
-          <p:cNvPr id="1084" name="TextBox 1055">
-            <a:extLst>
-              <a:ext uri="{FF2B5EF4-FFF2-40B4-BE49-F238E27FC236}">
-                <a16:creationId xmlns:a16="http://schemas.microsoft.com/office/drawing/2014/main" id="{A6A3449F-D3AA-D867-5B89-48A40E6545B0}"/>
-              </a:ext>
-            </a:extLst>
-          </p:cNvPr>
-          <p:cNvSpPr txBox="1"/>
-          <p:nvPr/>
-        </p:nvSpPr>
-        <p:spPr>
-          <a:xfrm>
-            <a:off x="496344" y="2488027"/>
-            <a:ext cx="1350809" cy="253916"/>
-          </a:xfrm>
-          <a:prstGeom prst="rect">
-            <a:avLst/>
-          </a:prstGeom>
-          <a:noFill/>
-        </p:spPr>
-        <p:txBody>
-          <a:bodyPr wrap="square" rtlCol="0">
-            <a:spAutoFit/>
-          </a:bodyPr>
-          <a:lstStyle/>
-          <a:p>
-            <a:r>
-              <a:rPr lang="en-US" sz="1050" b="1" noProof="0" dirty="0">
-                <a:solidFill>
-                  <a:schemeClr val="bg1"/>
-                </a:solidFill>
-                <a:latin typeface="Montserrat" panose="00000500000000000000" pitchFamily="2" charset="0"/>
-              </a:rPr>
-              <a:t>Sonic Blaster</a:t>
-            </a:r>
-          </a:p>
-        </p:txBody>
-      </p:sp>
-      <p:pic>
-        <p:nvPicPr>
-          <p:cNvPr id="1085" name="Picture 1056" descr="A purple and white background with text&#10;&#10;AI-generated content may be incorrect.">
-            <a:extLst>
-              <a:ext uri="{FF2B5EF4-FFF2-40B4-BE49-F238E27FC236}">
-                <a16:creationId xmlns:a16="http://schemas.microsoft.com/office/drawing/2014/main" id="{402DA98C-2E7D-9517-AA78-9B501EE6CEB3}"/>
-              </a:ext>
-            </a:extLst>
-          </p:cNvPr>
-          <p:cNvPicPr>
-            <a:picLocks noChangeAspect="1"/>
-          </p:cNvPicPr>
-          <p:nvPr/>
-        </p:nvPicPr>
-        <p:blipFill>
-          <a:blip r:embed="rId10">
-            <a:extLst>
-              <a:ext uri="{28A0092B-C50C-407E-A947-70E740481C1C}">
-                <a14:useLocalDpi xmlns:a14="http://schemas.microsoft.com/office/drawing/2010/main" val="0"/>
-              </a:ext>
-            </a:extLst>
-          </a:blip>
-          <a:stretch>
-            <a:fillRect/>
-          </a:stretch>
-        </p:blipFill>
-        <p:spPr>
-          <a:xfrm>
-            <a:off x="116205" y="2492575"/>
-            <a:ext cx="380139" cy="380139"/>
-          </a:xfrm>
-          <a:prstGeom prst="roundRect">
-            <a:avLst>
-              <a:gd name="adj" fmla="val 19242"/>
-            </a:avLst>
-          </a:prstGeom>
-        </p:spPr>
-      </p:pic>
-      <p:sp>
-        <p:nvSpPr>
-          <p:cNvPr id="1086" name="TextBox 1057">
-            <a:extLst>
-              <a:ext uri="{FF2B5EF4-FFF2-40B4-BE49-F238E27FC236}">
-                <a16:creationId xmlns:a16="http://schemas.microsoft.com/office/drawing/2014/main" id="{FABC66E7-BDFB-4DE8-FC12-31750915E4AE}"/>
-              </a:ext>
-            </a:extLst>
-          </p:cNvPr>
-          <p:cNvSpPr txBox="1"/>
-          <p:nvPr/>
-        </p:nvSpPr>
-        <p:spPr>
-          <a:xfrm>
-            <a:off x="496344" y="2657687"/>
-            <a:ext cx="637156" cy="215444"/>
-          </a:xfrm>
-          <a:prstGeom prst="rect">
-            <a:avLst/>
-          </a:prstGeom>
-          <a:noFill/>
-        </p:spPr>
-        <p:txBody>
-          <a:bodyPr wrap="square" rtlCol="0">
-            <a:spAutoFit/>
-          </a:bodyPr>
-          <a:lstStyle/>
-          <a:p>
-            <a:r>
-              <a:rPr lang="en-US" sz="800" noProof="0" dirty="0">
-                <a:solidFill>
-                  <a:schemeClr val="bg1"/>
-                </a:solidFill>
-                <a:latin typeface="Montserrat" panose="00000500000000000000" pitchFamily="2" charset="0"/>
-              </a:rPr>
-              <a:t>F-777</a:t>
-            </a:r>
-          </a:p>
-        </p:txBody>
-      </p:sp>
-      <p:sp>
-        <p:nvSpPr>
-          <p:cNvPr id="1087" name="TextBox 1058">
-            <a:extLst>
-              <a:ext uri="{FF2B5EF4-FFF2-40B4-BE49-F238E27FC236}">
-                <a16:creationId xmlns:a16="http://schemas.microsoft.com/office/drawing/2014/main" id="{4E0A5AEE-0964-D513-41B3-FACECAC98581}"/>
-              </a:ext>
-            </a:extLst>
-          </p:cNvPr>
-          <p:cNvSpPr txBox="1"/>
-          <p:nvPr/>
-        </p:nvSpPr>
-        <p:spPr>
-          <a:xfrm>
-            <a:off x="2139282" y="2535903"/>
-            <a:ext cx="584911" cy="230832"/>
-          </a:xfrm>
-          <a:prstGeom prst="rect">
-            <a:avLst/>
-          </a:prstGeom>
-          <a:noFill/>
-        </p:spPr>
-        <p:txBody>
-          <a:bodyPr wrap="square" rtlCol="0">
-            <a:spAutoFit/>
-          </a:bodyPr>
-          <a:lstStyle/>
-          <a:p>
-            <a:r>
-              <a:rPr lang="en-US" sz="800" noProof="0" dirty="0">
-                <a:solidFill>
-                  <a:schemeClr val="bg1"/>
-                </a:solidFill>
-                <a:latin typeface="Montserrat" panose="00000500000000000000" pitchFamily="2" charset="0"/>
-              </a:rPr>
-              <a:t> </a:t>
-            </a:r>
-            <a:r>
-              <a:rPr lang="en-US" sz="900" noProof="0" dirty="0">
-                <a:solidFill>
-                  <a:schemeClr val="bg1"/>
-                </a:solidFill>
-                <a:latin typeface="Montserrat" panose="00000500000000000000" pitchFamily="2" charset="0"/>
-              </a:rPr>
-              <a:t>3:02</a:t>
-            </a:r>
-          </a:p>
-        </p:txBody>
-      </p:sp>
-      <p:pic>
-        <p:nvPicPr>
-          <p:cNvPr id="1088" name="Picture 2">
-            <a:extLst>
-              <a:ext uri="{FF2B5EF4-FFF2-40B4-BE49-F238E27FC236}">
-                <a16:creationId xmlns:a16="http://schemas.microsoft.com/office/drawing/2014/main" id="{35B38479-F132-3DDC-A82C-413517B9EB08}"/>
-              </a:ext>
-            </a:extLst>
-          </p:cNvPr>
-          <p:cNvPicPr>
-            <a:picLocks noChangeAspect="1" noChangeArrowheads="1"/>
-          </p:cNvPicPr>
-          <p:nvPr/>
-        </p:nvPicPr>
-        <p:blipFill>
-          <a:blip r:embed="rId11">
-            <a:extLst>
-              <a:ext uri="{28A0092B-C50C-407E-A947-70E740481C1C}">
-                <a14:useLocalDpi xmlns:a14="http://schemas.microsoft.com/office/drawing/2010/main" val="0"/>
-              </a:ext>
-            </a:extLst>
-          </a:blip>
-          <a:srcRect/>
-          <a:stretch>
-            <a:fillRect/>
-          </a:stretch>
-        </p:blipFill>
-        <p:spPr bwMode="auto">
-          <a:xfrm>
-            <a:off x="2733162" y="2531687"/>
-            <a:ext cx="252000" cy="252000"/>
-          </a:xfrm>
-          <a:prstGeom prst="rect">
-            <a:avLst/>
-          </a:prstGeom>
-          <a:noFill/>
-          <a:extLst>
-            <a:ext uri="{909E8E84-426E-40DD-AFC4-6F175D3DCCD1}">
-              <a14:hiddenFill xmlns:a14="http://schemas.microsoft.com/office/drawing/2010/main">
-                <a:solidFill>
-                  <a:srgbClr val="FFFFFF"/>
-                </a:solidFill>
-              </a14:hiddenFill>
-            </a:ext>
-          </a:extLst>
-        </p:spPr>
-      </p:pic>
-      <p:sp>
-        <p:nvSpPr>
-          <p:cNvPr id="1089" name="TextBox 1055">
-            <a:extLst>
-              <a:ext uri="{FF2B5EF4-FFF2-40B4-BE49-F238E27FC236}">
-                <a16:creationId xmlns:a16="http://schemas.microsoft.com/office/drawing/2014/main" id="{4868779B-3016-D5A7-554F-7FE6AC5A653F}"/>
-              </a:ext>
-            </a:extLst>
-          </p:cNvPr>
-          <p:cNvSpPr txBox="1"/>
-          <p:nvPr/>
-        </p:nvSpPr>
-        <p:spPr>
-          <a:xfrm>
-            <a:off x="507167" y="2968719"/>
-            <a:ext cx="1350809" cy="253916"/>
-          </a:xfrm>
-          <a:prstGeom prst="rect">
-            <a:avLst/>
-          </a:prstGeom>
-          <a:noFill/>
-        </p:spPr>
-        <p:txBody>
-          <a:bodyPr wrap="square" rtlCol="0">
-            <a:spAutoFit/>
-          </a:bodyPr>
-          <a:lstStyle/>
-          <a:p>
-            <a:r>
-              <a:rPr lang="en-US" sz="1050" b="1" noProof="0" dirty="0">
-                <a:solidFill>
-                  <a:schemeClr val="bg1"/>
-                </a:solidFill>
-                <a:latin typeface="Montserrat" panose="00000500000000000000" pitchFamily="2" charset="0"/>
-              </a:rPr>
-              <a:t>Sonic Blaster</a:t>
-            </a:r>
-          </a:p>
-        </p:txBody>
-      </p:sp>
-      <p:pic>
-        <p:nvPicPr>
-          <p:cNvPr id="1090" name="Picture 1056" descr="A purple and white background with text&#10;&#10;AI-generated content may be incorrect.">
-            <a:extLst>
-              <a:ext uri="{FF2B5EF4-FFF2-40B4-BE49-F238E27FC236}">
-                <a16:creationId xmlns:a16="http://schemas.microsoft.com/office/drawing/2014/main" id="{E1F80585-B12D-F81F-BB5F-4DA58C4DCF76}"/>
-              </a:ext>
-            </a:extLst>
-          </p:cNvPr>
-          <p:cNvPicPr>
-            <a:picLocks noChangeAspect="1"/>
-          </p:cNvPicPr>
-          <p:nvPr/>
-        </p:nvPicPr>
-        <p:blipFill>
-          <a:blip r:embed="rId10">
-            <a:extLst>
-              <a:ext uri="{28A0092B-C50C-407E-A947-70E740481C1C}">
-                <a14:useLocalDpi xmlns:a14="http://schemas.microsoft.com/office/drawing/2010/main" val="0"/>
-              </a:ext>
-            </a:extLst>
-          </a:blip>
-          <a:stretch>
-            <a:fillRect/>
-          </a:stretch>
-        </p:blipFill>
-        <p:spPr>
-          <a:xfrm>
-            <a:off x="127028" y="2973267"/>
-            <a:ext cx="380139" cy="380139"/>
-          </a:xfrm>
-          <a:prstGeom prst="roundRect">
-            <a:avLst>
-              <a:gd name="adj" fmla="val 19242"/>
-            </a:avLst>
-          </a:prstGeom>
-        </p:spPr>
-      </p:pic>
-      <p:sp>
-        <p:nvSpPr>
-          <p:cNvPr id="1091" name="TextBox 1057">
-            <a:extLst>
-              <a:ext uri="{FF2B5EF4-FFF2-40B4-BE49-F238E27FC236}">
-                <a16:creationId xmlns:a16="http://schemas.microsoft.com/office/drawing/2014/main" id="{0E280910-6B0C-1D0F-E274-3A4ACA5BA249}"/>
-              </a:ext>
-            </a:extLst>
-          </p:cNvPr>
-          <p:cNvSpPr txBox="1"/>
-          <p:nvPr/>
-        </p:nvSpPr>
-        <p:spPr>
-          <a:xfrm>
-            <a:off x="507167" y="3138379"/>
-            <a:ext cx="637156" cy="215444"/>
-          </a:xfrm>
-          <a:prstGeom prst="rect">
-            <a:avLst/>
-          </a:prstGeom>
-          <a:noFill/>
-        </p:spPr>
-        <p:txBody>
-          <a:bodyPr wrap="square" rtlCol="0">
-            <a:spAutoFit/>
-          </a:bodyPr>
-          <a:lstStyle/>
-          <a:p>
-            <a:r>
-              <a:rPr lang="en-US" sz="800" noProof="0" dirty="0">
-                <a:solidFill>
-                  <a:schemeClr val="bg1"/>
-                </a:solidFill>
-                <a:latin typeface="Montserrat" panose="00000500000000000000" pitchFamily="2" charset="0"/>
-              </a:rPr>
-              <a:t>F-777</a:t>
-            </a:r>
-          </a:p>
-        </p:txBody>
-      </p:sp>
-      <p:sp>
-        <p:nvSpPr>
-          <p:cNvPr id="1092" name="TextBox 1058">
-            <a:extLst>
-              <a:ext uri="{FF2B5EF4-FFF2-40B4-BE49-F238E27FC236}">
-                <a16:creationId xmlns:a16="http://schemas.microsoft.com/office/drawing/2014/main" id="{5BE29471-FF7C-E146-444A-69D974A342D6}"/>
-              </a:ext>
-            </a:extLst>
-          </p:cNvPr>
-          <p:cNvSpPr txBox="1"/>
-          <p:nvPr/>
-        </p:nvSpPr>
-        <p:spPr>
-          <a:xfrm>
-            <a:off x="2150105" y="3016595"/>
-            <a:ext cx="584911" cy="230832"/>
-          </a:xfrm>
-          <a:prstGeom prst="rect">
-            <a:avLst/>
-          </a:prstGeom>
-          <a:noFill/>
-        </p:spPr>
-        <p:txBody>
-          <a:bodyPr wrap="square" rtlCol="0">
-            <a:spAutoFit/>
-          </a:bodyPr>
-          <a:lstStyle/>
-          <a:p>
-            <a:r>
-              <a:rPr lang="en-US" sz="800" noProof="0" dirty="0">
-                <a:solidFill>
-                  <a:schemeClr val="bg1"/>
-                </a:solidFill>
-                <a:latin typeface="Montserrat" panose="00000500000000000000" pitchFamily="2" charset="0"/>
-              </a:rPr>
-              <a:t> </a:t>
-            </a:r>
-            <a:r>
-              <a:rPr lang="en-US" sz="900" noProof="0" dirty="0">
-                <a:solidFill>
-                  <a:schemeClr val="bg1"/>
-                </a:solidFill>
-                <a:latin typeface="Montserrat" panose="00000500000000000000" pitchFamily="2" charset="0"/>
-              </a:rPr>
-              <a:t>3:02</a:t>
-            </a:r>
-          </a:p>
-        </p:txBody>
-      </p:sp>
-      <p:pic>
-        <p:nvPicPr>
-          <p:cNvPr id="1093" name="Picture 2">
-            <a:extLst>
-              <a:ext uri="{FF2B5EF4-FFF2-40B4-BE49-F238E27FC236}">
-                <a16:creationId xmlns:a16="http://schemas.microsoft.com/office/drawing/2014/main" id="{BAD8733E-2F0A-EC1B-4A72-F6F10B77FA8D}"/>
-              </a:ext>
-            </a:extLst>
-          </p:cNvPr>
-          <p:cNvPicPr>
-            <a:picLocks noChangeAspect="1" noChangeArrowheads="1"/>
-          </p:cNvPicPr>
-          <p:nvPr/>
-        </p:nvPicPr>
-        <p:blipFill>
-          <a:blip r:embed="rId11">
-            <a:extLst>
-              <a:ext uri="{28A0092B-C50C-407E-A947-70E740481C1C}">
-                <a14:useLocalDpi xmlns:a14="http://schemas.microsoft.com/office/drawing/2010/main" val="0"/>
-              </a:ext>
-            </a:extLst>
-          </a:blip>
-          <a:srcRect/>
-          <a:stretch>
-            <a:fillRect/>
-          </a:stretch>
-        </p:blipFill>
-        <p:spPr bwMode="auto">
-          <a:xfrm>
-            <a:off x="2743985" y="3012379"/>
-            <a:ext cx="252000" cy="252000"/>
-          </a:xfrm>
-          <a:prstGeom prst="rect">
-            <a:avLst/>
-          </a:prstGeom>
-          <a:noFill/>
-          <a:extLst>
-            <a:ext uri="{909E8E84-426E-40DD-AFC4-6F175D3DCCD1}">
-              <a14:hiddenFill xmlns:a14="http://schemas.microsoft.com/office/drawing/2010/main">
-                <a:solidFill>
-                  <a:srgbClr val="FFFFFF"/>
-                </a:solidFill>
-              </a14:hiddenFill>
-            </a:ext>
-          </a:extLst>
-        </p:spPr>
-      </p:pic>
-      <p:sp>
-        <p:nvSpPr>
-          <p:cNvPr id="1094" name="TextBox 1055">
-            <a:extLst>
-              <a:ext uri="{FF2B5EF4-FFF2-40B4-BE49-F238E27FC236}">
-                <a16:creationId xmlns:a16="http://schemas.microsoft.com/office/drawing/2014/main" id="{22C529D9-74E8-A8AF-5023-84BBEB3A1331}"/>
-              </a:ext>
-            </a:extLst>
-          </p:cNvPr>
-          <p:cNvSpPr txBox="1"/>
-          <p:nvPr/>
-        </p:nvSpPr>
-        <p:spPr>
-          <a:xfrm>
-            <a:off x="504702" y="3451167"/>
-            <a:ext cx="1350809" cy="253916"/>
-          </a:xfrm>
-          <a:prstGeom prst="rect">
-            <a:avLst/>
-          </a:prstGeom>
-          <a:noFill/>
-        </p:spPr>
-        <p:txBody>
-          <a:bodyPr wrap="square" rtlCol="0">
-            <a:spAutoFit/>
-          </a:bodyPr>
-          <a:lstStyle/>
-          <a:p>
-            <a:r>
-              <a:rPr lang="en-US" sz="1050" b="1" noProof="0" dirty="0">
-                <a:solidFill>
-                  <a:schemeClr val="bg1"/>
-                </a:solidFill>
-                <a:latin typeface="Montserrat" panose="00000500000000000000" pitchFamily="2" charset="0"/>
-              </a:rPr>
-              <a:t>Sonic Blaster</a:t>
-            </a:r>
-          </a:p>
-        </p:txBody>
-      </p:sp>
-      <p:pic>
-        <p:nvPicPr>
-          <p:cNvPr id="1095" name="Picture 1056" descr="A purple and white background with text&#10;&#10;AI-generated content may be incorrect.">
-            <a:extLst>
-              <a:ext uri="{FF2B5EF4-FFF2-40B4-BE49-F238E27FC236}">
-                <a16:creationId xmlns:a16="http://schemas.microsoft.com/office/drawing/2014/main" id="{E168EC07-4B7B-8A6A-15F9-8AA123C14819}"/>
-              </a:ext>
-            </a:extLst>
-          </p:cNvPr>
-          <p:cNvPicPr>
-            <a:picLocks noChangeAspect="1"/>
-          </p:cNvPicPr>
-          <p:nvPr/>
-        </p:nvPicPr>
-        <p:blipFill>
-          <a:blip r:embed="rId10">
-            <a:extLst>
-              <a:ext uri="{28A0092B-C50C-407E-A947-70E740481C1C}">
-                <a14:useLocalDpi xmlns:a14="http://schemas.microsoft.com/office/drawing/2010/main" val="0"/>
-              </a:ext>
-            </a:extLst>
-          </a:blip>
-          <a:stretch>
-            <a:fillRect/>
-          </a:stretch>
-        </p:blipFill>
-        <p:spPr>
-          <a:xfrm>
-            <a:off x="124563" y="3455715"/>
-            <a:ext cx="380139" cy="380139"/>
-          </a:xfrm>
-          <a:prstGeom prst="roundRect">
-            <a:avLst>
-              <a:gd name="adj" fmla="val 19242"/>
-            </a:avLst>
-          </a:prstGeom>
-        </p:spPr>
-      </p:pic>
-      <p:sp>
-        <p:nvSpPr>
-          <p:cNvPr id="1096" name="TextBox 1057">
-            <a:extLst>
-              <a:ext uri="{FF2B5EF4-FFF2-40B4-BE49-F238E27FC236}">
-                <a16:creationId xmlns:a16="http://schemas.microsoft.com/office/drawing/2014/main" id="{4EC14993-C33D-97DD-B617-646BB0716E82}"/>
-              </a:ext>
-            </a:extLst>
-          </p:cNvPr>
-          <p:cNvSpPr txBox="1"/>
-          <p:nvPr/>
-        </p:nvSpPr>
-        <p:spPr>
-          <a:xfrm>
-            <a:off x="504702" y="3620827"/>
-            <a:ext cx="637156" cy="215444"/>
-          </a:xfrm>
-          <a:prstGeom prst="rect">
-            <a:avLst/>
-          </a:prstGeom>
-          <a:noFill/>
-        </p:spPr>
-        <p:txBody>
-          <a:bodyPr wrap="square" rtlCol="0">
-            <a:spAutoFit/>
-          </a:bodyPr>
-          <a:lstStyle/>
-          <a:p>
-            <a:r>
-              <a:rPr lang="en-US" sz="800" noProof="0" dirty="0">
-                <a:solidFill>
-                  <a:schemeClr val="bg1"/>
-                </a:solidFill>
-                <a:latin typeface="Montserrat" panose="00000500000000000000" pitchFamily="2" charset="0"/>
-              </a:rPr>
-              <a:t>F-777</a:t>
-            </a:r>
-          </a:p>
-        </p:txBody>
-      </p:sp>
-      <p:sp>
-        <p:nvSpPr>
-          <p:cNvPr id="1097" name="TextBox 1058">
-            <a:extLst>
-              <a:ext uri="{FF2B5EF4-FFF2-40B4-BE49-F238E27FC236}">
-                <a16:creationId xmlns:a16="http://schemas.microsoft.com/office/drawing/2014/main" id="{9C889037-9DA3-8B40-4C77-C04F79BCC096}"/>
-              </a:ext>
-            </a:extLst>
-          </p:cNvPr>
-          <p:cNvSpPr txBox="1"/>
-          <p:nvPr/>
-        </p:nvSpPr>
-        <p:spPr>
-          <a:xfrm>
-            <a:off x="2147640" y="3499043"/>
-            <a:ext cx="584911" cy="230832"/>
-          </a:xfrm>
-          <a:prstGeom prst="rect">
-            <a:avLst/>
-          </a:prstGeom>
-          <a:noFill/>
-        </p:spPr>
-        <p:txBody>
-          <a:bodyPr wrap="square" rtlCol="0">
-            <a:spAutoFit/>
-          </a:bodyPr>
-          <a:lstStyle/>
-          <a:p>
-            <a:r>
-              <a:rPr lang="en-US" sz="800" noProof="0" dirty="0">
-                <a:solidFill>
-                  <a:schemeClr val="bg1"/>
-                </a:solidFill>
-                <a:latin typeface="Montserrat" panose="00000500000000000000" pitchFamily="2" charset="0"/>
-              </a:rPr>
-              <a:t> </a:t>
-            </a:r>
-            <a:r>
-              <a:rPr lang="en-US" sz="900" noProof="0" dirty="0">
-                <a:solidFill>
-                  <a:schemeClr val="bg1"/>
-                </a:solidFill>
-                <a:latin typeface="Montserrat" panose="00000500000000000000" pitchFamily="2" charset="0"/>
-              </a:rPr>
-              <a:t>3:02</a:t>
-            </a:r>
-          </a:p>
-        </p:txBody>
-      </p:sp>
-      <p:pic>
-        <p:nvPicPr>
-          <p:cNvPr id="1098" name="Picture 2">
-            <a:extLst>
-              <a:ext uri="{FF2B5EF4-FFF2-40B4-BE49-F238E27FC236}">
-                <a16:creationId xmlns:a16="http://schemas.microsoft.com/office/drawing/2014/main" id="{F4673D4F-D689-09D9-55A2-CA37D36B6416}"/>
-              </a:ext>
-            </a:extLst>
-          </p:cNvPr>
-          <p:cNvPicPr>
-            <a:picLocks noChangeAspect="1" noChangeArrowheads="1"/>
-          </p:cNvPicPr>
-          <p:nvPr/>
-        </p:nvPicPr>
-        <p:blipFill>
-          <a:blip r:embed="rId11">
-            <a:extLst>
-              <a:ext uri="{28A0092B-C50C-407E-A947-70E740481C1C}">
-                <a14:useLocalDpi xmlns:a14="http://schemas.microsoft.com/office/drawing/2010/main" val="0"/>
-              </a:ext>
-            </a:extLst>
-          </a:blip>
-          <a:srcRect/>
-          <a:stretch>
-            <a:fillRect/>
-          </a:stretch>
-        </p:blipFill>
-        <p:spPr bwMode="auto">
-          <a:xfrm>
-            <a:off x="2741520" y="3494827"/>
-            <a:ext cx="252000" cy="252000"/>
-          </a:xfrm>
-          <a:prstGeom prst="rect">
-            <a:avLst/>
-          </a:prstGeom>
-          <a:noFill/>
-          <a:extLst>
-            <a:ext uri="{909E8E84-426E-40DD-AFC4-6F175D3DCCD1}">
-              <a14:hiddenFill xmlns:a14="http://schemas.microsoft.com/office/drawing/2010/main">
-                <a:solidFill>
-                  <a:srgbClr val="FFFFFF"/>
-                </a:solidFill>
-              </a14:hiddenFill>
-            </a:ext>
-          </a:extLst>
-        </p:spPr>
-      </p:pic>
-      <p:sp>
-        <p:nvSpPr>
-          <p:cNvPr id="1099" name="TextBox 1055">
-            <a:extLst>
-              <a:ext uri="{FF2B5EF4-FFF2-40B4-BE49-F238E27FC236}">
-                <a16:creationId xmlns:a16="http://schemas.microsoft.com/office/drawing/2014/main" id="{79EC258D-5EB6-C84D-4DD8-1C19BDD0B3A0}"/>
-              </a:ext>
-            </a:extLst>
-          </p:cNvPr>
-          <p:cNvSpPr txBox="1"/>
-          <p:nvPr/>
-        </p:nvSpPr>
-        <p:spPr>
-          <a:xfrm>
-            <a:off x="515525" y="3931859"/>
-            <a:ext cx="1350809" cy="253916"/>
-          </a:xfrm>
-          <a:prstGeom prst="rect">
-            <a:avLst/>
-          </a:prstGeom>
-          <a:noFill/>
-        </p:spPr>
-        <p:txBody>
-          <a:bodyPr wrap="square" rtlCol="0">
-            <a:spAutoFit/>
-          </a:bodyPr>
-          <a:lstStyle/>
-          <a:p>
-            <a:r>
-              <a:rPr lang="en-US" sz="1050" b="1" noProof="0" dirty="0">
-                <a:solidFill>
-                  <a:schemeClr val="bg1"/>
-                </a:solidFill>
-                <a:latin typeface="Montserrat" panose="00000500000000000000" pitchFamily="2" charset="0"/>
-              </a:rPr>
-              <a:t>Sonic Blaster</a:t>
-            </a:r>
-          </a:p>
-        </p:txBody>
-      </p:sp>
-      <p:pic>
-        <p:nvPicPr>
-          <p:cNvPr id="1100" name="Picture 1056" descr="A purple and white background with text&#10;&#10;AI-generated content may be incorrect.">
-            <a:extLst>
-              <a:ext uri="{FF2B5EF4-FFF2-40B4-BE49-F238E27FC236}">
-                <a16:creationId xmlns:a16="http://schemas.microsoft.com/office/drawing/2014/main" id="{66BA104A-64B8-FFF9-5D69-4D1439F9B533}"/>
-              </a:ext>
-            </a:extLst>
-          </p:cNvPr>
-          <p:cNvPicPr>
-            <a:picLocks noChangeAspect="1"/>
-          </p:cNvPicPr>
-          <p:nvPr/>
-        </p:nvPicPr>
-        <p:blipFill>
-          <a:blip r:embed="rId10">
-            <a:extLst>
-              <a:ext uri="{28A0092B-C50C-407E-A947-70E740481C1C}">
-                <a14:useLocalDpi xmlns:a14="http://schemas.microsoft.com/office/drawing/2010/main" val="0"/>
-              </a:ext>
-            </a:extLst>
-          </a:blip>
-          <a:stretch>
-            <a:fillRect/>
-          </a:stretch>
-        </p:blipFill>
-        <p:spPr>
-          <a:xfrm>
-            <a:off x="135386" y="3936407"/>
-            <a:ext cx="380139" cy="380139"/>
-          </a:xfrm>
-          <a:prstGeom prst="roundRect">
-            <a:avLst>
-              <a:gd name="adj" fmla="val 19242"/>
-            </a:avLst>
-          </a:prstGeom>
-        </p:spPr>
-      </p:pic>
-      <p:sp>
-        <p:nvSpPr>
-          <p:cNvPr id="1101" name="TextBox 1057">
-            <a:extLst>
-              <a:ext uri="{FF2B5EF4-FFF2-40B4-BE49-F238E27FC236}">
-                <a16:creationId xmlns:a16="http://schemas.microsoft.com/office/drawing/2014/main" id="{812B9336-B045-0251-00EF-3781AD5B8633}"/>
-              </a:ext>
-            </a:extLst>
-          </p:cNvPr>
-          <p:cNvSpPr txBox="1"/>
-          <p:nvPr/>
-        </p:nvSpPr>
-        <p:spPr>
-          <a:xfrm>
-            <a:off x="515525" y="4101519"/>
-            <a:ext cx="637156" cy="215444"/>
-          </a:xfrm>
-          <a:prstGeom prst="rect">
-            <a:avLst/>
-          </a:prstGeom>
-          <a:noFill/>
-        </p:spPr>
-        <p:txBody>
-          <a:bodyPr wrap="square" rtlCol="0">
-            <a:spAutoFit/>
-          </a:bodyPr>
-          <a:lstStyle/>
-          <a:p>
-            <a:r>
-              <a:rPr lang="en-US" sz="800" noProof="0" dirty="0">
-                <a:solidFill>
-                  <a:schemeClr val="bg1"/>
-                </a:solidFill>
-                <a:latin typeface="Montserrat" panose="00000500000000000000" pitchFamily="2" charset="0"/>
-              </a:rPr>
-              <a:t>F-777</a:t>
-            </a:r>
-          </a:p>
-        </p:txBody>
-      </p:sp>
-      <p:sp>
-        <p:nvSpPr>
-          <p:cNvPr id="1102" name="TextBox 1058">
-            <a:extLst>
-              <a:ext uri="{FF2B5EF4-FFF2-40B4-BE49-F238E27FC236}">
-                <a16:creationId xmlns:a16="http://schemas.microsoft.com/office/drawing/2014/main" id="{79CDE84A-FAD1-4016-C649-D279576A0994}"/>
-              </a:ext>
-            </a:extLst>
-          </p:cNvPr>
-          <p:cNvSpPr txBox="1"/>
-          <p:nvPr/>
-        </p:nvSpPr>
-        <p:spPr>
-          <a:xfrm>
-            <a:off x="2158463" y="3979735"/>
-            <a:ext cx="584911" cy="230832"/>
-          </a:xfrm>
-          <a:prstGeom prst="rect">
-            <a:avLst/>
-          </a:prstGeom>
-          <a:noFill/>
-        </p:spPr>
-        <p:txBody>
-          <a:bodyPr wrap="square" rtlCol="0">
-            <a:spAutoFit/>
-          </a:bodyPr>
-          <a:lstStyle/>
-          <a:p>
-            <a:r>
-              <a:rPr lang="en-US" sz="800" noProof="0" dirty="0">
-                <a:solidFill>
-                  <a:schemeClr val="bg1"/>
-                </a:solidFill>
-                <a:latin typeface="Montserrat" panose="00000500000000000000" pitchFamily="2" charset="0"/>
-              </a:rPr>
-              <a:t> </a:t>
-            </a:r>
-            <a:r>
-              <a:rPr lang="en-US" sz="900" noProof="0" dirty="0">
-                <a:solidFill>
-                  <a:schemeClr val="bg1"/>
-                </a:solidFill>
-                <a:latin typeface="Montserrat" panose="00000500000000000000" pitchFamily="2" charset="0"/>
-              </a:rPr>
-              <a:t>3:02</a:t>
-            </a:r>
-          </a:p>
-        </p:txBody>
-      </p:sp>
-      <p:pic>
-        <p:nvPicPr>
-          <p:cNvPr id="1103" name="Picture 2">
-            <a:extLst>
-              <a:ext uri="{FF2B5EF4-FFF2-40B4-BE49-F238E27FC236}">
-                <a16:creationId xmlns:a16="http://schemas.microsoft.com/office/drawing/2014/main" id="{C368206C-6549-25AC-EC22-5F5CC47B27DB}"/>
-              </a:ext>
-            </a:extLst>
-          </p:cNvPr>
-          <p:cNvPicPr>
-            <a:picLocks noChangeAspect="1" noChangeArrowheads="1"/>
-          </p:cNvPicPr>
-          <p:nvPr/>
-        </p:nvPicPr>
-        <p:blipFill>
-          <a:blip r:embed="rId11">
-            <a:extLst>
-              <a:ext uri="{28A0092B-C50C-407E-A947-70E740481C1C}">
-                <a14:useLocalDpi xmlns:a14="http://schemas.microsoft.com/office/drawing/2010/main" val="0"/>
-              </a:ext>
-            </a:extLst>
-          </a:blip>
-          <a:srcRect/>
-          <a:stretch>
-            <a:fillRect/>
-          </a:stretch>
-        </p:blipFill>
-        <p:spPr bwMode="auto">
-          <a:xfrm>
-            <a:off x="2752343" y="3975519"/>
-            <a:ext cx="252000" cy="252000"/>
-          </a:xfrm>
-          <a:prstGeom prst="rect">
-            <a:avLst/>
-          </a:prstGeom>
-          <a:noFill/>
-          <a:extLst>
-            <a:ext uri="{909E8E84-426E-40DD-AFC4-6F175D3DCCD1}">
-              <a14:hiddenFill xmlns:a14="http://schemas.microsoft.com/office/drawing/2010/main">
-                <a:solidFill>
-                  <a:srgbClr val="FFFFFF"/>
-                </a:solidFill>
-              </a14:hiddenFill>
-            </a:ext>
-          </a:extLst>
-        </p:spPr>
-      </p:pic>
-      <p:sp>
-        <p:nvSpPr>
-          <p:cNvPr id="1104" name="TextBox 1055">
-            <a:extLst>
-              <a:ext uri="{FF2B5EF4-FFF2-40B4-BE49-F238E27FC236}">
-                <a16:creationId xmlns:a16="http://schemas.microsoft.com/office/drawing/2014/main" id="{38E0652A-4755-AC7C-0309-93980F6A0D48}"/>
-              </a:ext>
-            </a:extLst>
-          </p:cNvPr>
-          <p:cNvSpPr txBox="1"/>
-          <p:nvPr/>
-        </p:nvSpPr>
-        <p:spPr>
-          <a:xfrm>
-            <a:off x="517757" y="4411617"/>
-            <a:ext cx="1350809" cy="253916"/>
-          </a:xfrm>
-          <a:prstGeom prst="rect">
-            <a:avLst/>
-          </a:prstGeom>
-          <a:noFill/>
-        </p:spPr>
-        <p:txBody>
-          <a:bodyPr wrap="square" rtlCol="0">
-            <a:spAutoFit/>
-          </a:bodyPr>
-          <a:lstStyle/>
-          <a:p>
-            <a:r>
-              <a:rPr lang="en-US" sz="1050" b="1" noProof="0" dirty="0">
-                <a:solidFill>
-                  <a:schemeClr val="bg1"/>
-                </a:solidFill>
-                <a:latin typeface="Montserrat" panose="00000500000000000000" pitchFamily="2" charset="0"/>
-              </a:rPr>
-              <a:t>Sonic Blaster</a:t>
-            </a:r>
-          </a:p>
-        </p:txBody>
-      </p:sp>
-      <p:pic>
-        <p:nvPicPr>
-          <p:cNvPr id="1105" name="Picture 1056" descr="A purple and white background with text&#10;&#10;AI-generated content may be incorrect.">
-            <a:extLst>
-              <a:ext uri="{FF2B5EF4-FFF2-40B4-BE49-F238E27FC236}">
-                <a16:creationId xmlns:a16="http://schemas.microsoft.com/office/drawing/2014/main" id="{DC2E8EA9-CCD6-05FE-0B2B-9BD8BCFD09A3}"/>
-              </a:ext>
-            </a:extLst>
-          </p:cNvPr>
-          <p:cNvPicPr>
-            <a:picLocks noChangeAspect="1"/>
-          </p:cNvPicPr>
-          <p:nvPr/>
-        </p:nvPicPr>
-        <p:blipFill>
-          <a:blip r:embed="rId10">
-            <a:extLst>
-              <a:ext uri="{28A0092B-C50C-407E-A947-70E740481C1C}">
-                <a14:useLocalDpi xmlns:a14="http://schemas.microsoft.com/office/drawing/2010/main" val="0"/>
-              </a:ext>
-            </a:extLst>
-          </a:blip>
-          <a:stretch>
-            <a:fillRect/>
-          </a:stretch>
-        </p:blipFill>
-        <p:spPr>
-          <a:xfrm>
-            <a:off x="137618" y="4416165"/>
-            <a:ext cx="380139" cy="380139"/>
-          </a:xfrm>
-          <a:prstGeom prst="roundRect">
-            <a:avLst>
-              <a:gd name="adj" fmla="val 19242"/>
-            </a:avLst>
-          </a:prstGeom>
-        </p:spPr>
-      </p:pic>
-      <p:sp>
-        <p:nvSpPr>
-          <p:cNvPr id="1106" name="TextBox 1057">
-            <a:extLst>
-              <a:ext uri="{FF2B5EF4-FFF2-40B4-BE49-F238E27FC236}">
-                <a16:creationId xmlns:a16="http://schemas.microsoft.com/office/drawing/2014/main" id="{7379A02E-2058-2310-9D71-D8361C98BC52}"/>
-              </a:ext>
-            </a:extLst>
-          </p:cNvPr>
-          <p:cNvSpPr txBox="1"/>
-          <p:nvPr/>
-        </p:nvSpPr>
-        <p:spPr>
-          <a:xfrm>
-            <a:off x="517757" y="4581277"/>
-            <a:ext cx="637156" cy="215444"/>
-          </a:xfrm>
-          <a:prstGeom prst="rect">
-            <a:avLst/>
-          </a:prstGeom>
-          <a:noFill/>
-        </p:spPr>
-        <p:txBody>
-          <a:bodyPr wrap="square" rtlCol="0">
-            <a:spAutoFit/>
-          </a:bodyPr>
-          <a:lstStyle/>
-          <a:p>
-            <a:r>
-              <a:rPr lang="en-US" sz="800" noProof="0" dirty="0">
-                <a:solidFill>
-                  <a:schemeClr val="bg1"/>
-                </a:solidFill>
-                <a:latin typeface="Montserrat" panose="00000500000000000000" pitchFamily="2" charset="0"/>
-              </a:rPr>
-              <a:t>F-777</a:t>
-            </a:r>
-          </a:p>
-        </p:txBody>
-      </p:sp>
-      <p:sp>
-        <p:nvSpPr>
-          <p:cNvPr id="1107" name="TextBox 1058">
-            <a:extLst>
-              <a:ext uri="{FF2B5EF4-FFF2-40B4-BE49-F238E27FC236}">
-                <a16:creationId xmlns:a16="http://schemas.microsoft.com/office/drawing/2014/main" id="{DAD1F69C-92CA-357D-2EC6-601AACCA2C43}"/>
-              </a:ext>
-            </a:extLst>
-          </p:cNvPr>
-          <p:cNvSpPr txBox="1"/>
-          <p:nvPr/>
-        </p:nvSpPr>
-        <p:spPr>
-          <a:xfrm>
-            <a:off x="2160695" y="4459493"/>
-            <a:ext cx="584911" cy="230832"/>
-          </a:xfrm>
-          <a:prstGeom prst="rect">
-            <a:avLst/>
-          </a:prstGeom>
-          <a:noFill/>
-        </p:spPr>
-        <p:txBody>
-          <a:bodyPr wrap="square" rtlCol="0">
-            <a:spAutoFit/>
-          </a:bodyPr>
-          <a:lstStyle/>
-          <a:p>
-            <a:r>
-              <a:rPr lang="en-US" sz="800" noProof="0" dirty="0">
-                <a:solidFill>
-                  <a:schemeClr val="bg1"/>
-                </a:solidFill>
-                <a:latin typeface="Montserrat" panose="00000500000000000000" pitchFamily="2" charset="0"/>
-              </a:rPr>
-              <a:t> </a:t>
-            </a:r>
-            <a:r>
-              <a:rPr lang="en-US" sz="900" noProof="0" dirty="0">
-                <a:solidFill>
-                  <a:schemeClr val="bg1"/>
-                </a:solidFill>
-                <a:latin typeface="Montserrat" panose="00000500000000000000" pitchFamily="2" charset="0"/>
-              </a:rPr>
-              <a:t>3:02</a:t>
-            </a:r>
-          </a:p>
-        </p:txBody>
-      </p:sp>
-      <p:pic>
-        <p:nvPicPr>
-          <p:cNvPr id="1108" name="Picture 2">
-            <a:extLst>
-              <a:ext uri="{FF2B5EF4-FFF2-40B4-BE49-F238E27FC236}">
-                <a16:creationId xmlns:a16="http://schemas.microsoft.com/office/drawing/2014/main" id="{01D00A70-854B-5436-C821-5C0BB8D2C90E}"/>
-              </a:ext>
-            </a:extLst>
-          </p:cNvPr>
-          <p:cNvPicPr>
-            <a:picLocks noChangeAspect="1" noChangeArrowheads="1"/>
-          </p:cNvPicPr>
-          <p:nvPr/>
-        </p:nvPicPr>
-        <p:blipFill>
-          <a:blip r:embed="rId11">
-            <a:extLst>
-              <a:ext uri="{28A0092B-C50C-407E-A947-70E740481C1C}">
-                <a14:useLocalDpi xmlns:a14="http://schemas.microsoft.com/office/drawing/2010/main" val="0"/>
-              </a:ext>
-            </a:extLst>
-          </a:blip>
-          <a:srcRect/>
-          <a:stretch>
-            <a:fillRect/>
-          </a:stretch>
-        </p:blipFill>
-        <p:spPr bwMode="auto">
-          <a:xfrm>
-            <a:off x="2754575" y="4455277"/>
-            <a:ext cx="252000" cy="252000"/>
-          </a:xfrm>
-          <a:prstGeom prst="rect">
-            <a:avLst/>
-          </a:prstGeom>
-          <a:noFill/>
-          <a:extLst>
-            <a:ext uri="{909E8E84-426E-40DD-AFC4-6F175D3DCCD1}">
-              <a14:hiddenFill xmlns:a14="http://schemas.microsoft.com/office/drawing/2010/main">
-                <a:solidFill>
-                  <a:srgbClr val="FFFFFF"/>
-                </a:solidFill>
-              </a14:hiddenFill>
-            </a:ext>
-          </a:extLst>
-        </p:spPr>
-      </p:pic>
-      <p:sp>
-        <p:nvSpPr>
-          <p:cNvPr id="1109" name="TextBox 1055">
-            <a:extLst>
-              <a:ext uri="{FF2B5EF4-FFF2-40B4-BE49-F238E27FC236}">
-                <a16:creationId xmlns:a16="http://schemas.microsoft.com/office/drawing/2014/main" id="{822D6499-F72C-7C55-8CD2-F9F2003FD4F4}"/>
-              </a:ext>
-            </a:extLst>
-          </p:cNvPr>
-          <p:cNvSpPr txBox="1"/>
-          <p:nvPr/>
-        </p:nvSpPr>
-        <p:spPr>
-          <a:xfrm>
-            <a:off x="528580" y="4892309"/>
-            <a:ext cx="1350809" cy="253916"/>
-          </a:xfrm>
-          <a:prstGeom prst="rect">
-            <a:avLst/>
-          </a:prstGeom>
-          <a:noFill/>
-        </p:spPr>
-        <p:txBody>
-          <a:bodyPr wrap="square" rtlCol="0">
-            <a:spAutoFit/>
-          </a:bodyPr>
-          <a:lstStyle/>
-          <a:p>
-            <a:r>
-              <a:rPr lang="en-US" sz="1050" b="1" noProof="0" dirty="0">
-                <a:solidFill>
-                  <a:schemeClr val="bg1"/>
-                </a:solidFill>
-                <a:latin typeface="Montserrat" panose="00000500000000000000" pitchFamily="2" charset="0"/>
-              </a:rPr>
-              <a:t>Sonic Blaster</a:t>
-            </a:r>
-          </a:p>
-        </p:txBody>
-      </p:sp>
-      <p:pic>
-        <p:nvPicPr>
-          <p:cNvPr id="1110" name="Picture 1056" descr="A purple and white background with text&#10;&#10;AI-generated content may be incorrect.">
-            <a:extLst>
-              <a:ext uri="{FF2B5EF4-FFF2-40B4-BE49-F238E27FC236}">
-                <a16:creationId xmlns:a16="http://schemas.microsoft.com/office/drawing/2014/main" id="{BD0BB128-DD32-EC81-9ED4-30CDD9620114}"/>
-              </a:ext>
-            </a:extLst>
-          </p:cNvPr>
-          <p:cNvPicPr>
-            <a:picLocks noChangeAspect="1"/>
-          </p:cNvPicPr>
-          <p:nvPr/>
-        </p:nvPicPr>
-        <p:blipFill>
-          <a:blip r:embed="rId10">
-            <a:extLst>
-              <a:ext uri="{28A0092B-C50C-407E-A947-70E740481C1C}">
-                <a14:useLocalDpi xmlns:a14="http://schemas.microsoft.com/office/drawing/2010/main" val="0"/>
-              </a:ext>
-            </a:extLst>
-          </a:blip>
-          <a:stretch>
-            <a:fillRect/>
-          </a:stretch>
-        </p:blipFill>
-        <p:spPr>
-          <a:xfrm>
-            <a:off x="148441" y="4896857"/>
-            <a:ext cx="380139" cy="380139"/>
-          </a:xfrm>
-          <a:prstGeom prst="roundRect">
-            <a:avLst>
-              <a:gd name="adj" fmla="val 19242"/>
-            </a:avLst>
-          </a:prstGeom>
-        </p:spPr>
-      </p:pic>
-      <p:sp>
-        <p:nvSpPr>
-          <p:cNvPr id="1111" name="TextBox 1057">
-            <a:extLst>
-              <a:ext uri="{FF2B5EF4-FFF2-40B4-BE49-F238E27FC236}">
-                <a16:creationId xmlns:a16="http://schemas.microsoft.com/office/drawing/2014/main" id="{F799020E-58FF-66FD-48A0-0EDA8FF81D9A}"/>
-              </a:ext>
-            </a:extLst>
-          </p:cNvPr>
-          <p:cNvSpPr txBox="1"/>
-          <p:nvPr/>
-        </p:nvSpPr>
-        <p:spPr>
-          <a:xfrm>
-            <a:off x="528580" y="5061969"/>
-            <a:ext cx="637156" cy="215444"/>
-          </a:xfrm>
-          <a:prstGeom prst="rect">
-            <a:avLst/>
-          </a:prstGeom>
-          <a:noFill/>
-        </p:spPr>
-        <p:txBody>
-          <a:bodyPr wrap="square" rtlCol="0">
-            <a:spAutoFit/>
-          </a:bodyPr>
-          <a:lstStyle/>
-          <a:p>
-            <a:r>
-              <a:rPr lang="en-US" sz="800" noProof="0" dirty="0">
-                <a:solidFill>
-                  <a:schemeClr val="bg1"/>
-                </a:solidFill>
-                <a:latin typeface="Montserrat" panose="00000500000000000000" pitchFamily="2" charset="0"/>
-              </a:rPr>
-              <a:t>F-777</a:t>
-            </a:r>
-          </a:p>
-        </p:txBody>
-      </p:sp>
-      <p:sp>
-        <p:nvSpPr>
-          <p:cNvPr id="1112" name="TextBox 1058">
-            <a:extLst>
-              <a:ext uri="{FF2B5EF4-FFF2-40B4-BE49-F238E27FC236}">
-                <a16:creationId xmlns:a16="http://schemas.microsoft.com/office/drawing/2014/main" id="{C7F2F404-E3D1-E824-87F6-268CEE26614B}"/>
-              </a:ext>
-            </a:extLst>
-          </p:cNvPr>
-          <p:cNvSpPr txBox="1"/>
-          <p:nvPr/>
-        </p:nvSpPr>
-        <p:spPr>
-          <a:xfrm>
-            <a:off x="2171518" y="4940185"/>
-            <a:ext cx="584911" cy="230832"/>
-          </a:xfrm>
-          <a:prstGeom prst="rect">
-            <a:avLst/>
-          </a:prstGeom>
-          <a:noFill/>
-        </p:spPr>
-        <p:txBody>
-          <a:bodyPr wrap="square" rtlCol="0">
-            <a:spAutoFit/>
-          </a:bodyPr>
-          <a:lstStyle/>
-          <a:p>
-            <a:r>
-              <a:rPr lang="en-US" sz="800" noProof="0" dirty="0">
-                <a:solidFill>
-                  <a:schemeClr val="bg1"/>
-                </a:solidFill>
-                <a:latin typeface="Montserrat" panose="00000500000000000000" pitchFamily="2" charset="0"/>
-              </a:rPr>
-              <a:t> </a:t>
-            </a:r>
-            <a:r>
-              <a:rPr lang="en-US" sz="900" noProof="0" dirty="0">
-                <a:solidFill>
-                  <a:schemeClr val="bg1"/>
-                </a:solidFill>
-                <a:latin typeface="Montserrat" panose="00000500000000000000" pitchFamily="2" charset="0"/>
-              </a:rPr>
-              <a:t>3:02</a:t>
-            </a:r>
-          </a:p>
-        </p:txBody>
-      </p:sp>
-      <p:pic>
-        <p:nvPicPr>
-          <p:cNvPr id="1113" name="Picture 2">
-            <a:extLst>
-              <a:ext uri="{FF2B5EF4-FFF2-40B4-BE49-F238E27FC236}">
-                <a16:creationId xmlns:a16="http://schemas.microsoft.com/office/drawing/2014/main" id="{73A77532-ED6F-FF50-6987-AAA129242EA8}"/>
-              </a:ext>
-            </a:extLst>
-          </p:cNvPr>
-          <p:cNvPicPr>
-            <a:picLocks noChangeAspect="1" noChangeArrowheads="1"/>
-          </p:cNvPicPr>
-          <p:nvPr/>
-        </p:nvPicPr>
-        <p:blipFill>
-          <a:blip r:embed="rId11">
-            <a:extLst>
-              <a:ext uri="{28A0092B-C50C-407E-A947-70E740481C1C}">
-                <a14:useLocalDpi xmlns:a14="http://schemas.microsoft.com/office/drawing/2010/main" val="0"/>
-              </a:ext>
-            </a:extLst>
-          </a:blip>
-          <a:srcRect/>
-          <a:stretch>
-            <a:fillRect/>
-          </a:stretch>
-        </p:blipFill>
-        <p:spPr bwMode="auto">
-          <a:xfrm>
-            <a:off x="2765398" y="4935969"/>
-            <a:ext cx="252000" cy="252000"/>
-          </a:xfrm>
-          <a:prstGeom prst="rect">
-            <a:avLst/>
-          </a:prstGeom>
-          <a:noFill/>
-          <a:extLst>
-            <a:ext uri="{909E8E84-426E-40DD-AFC4-6F175D3DCCD1}">
-              <a14:hiddenFill xmlns:a14="http://schemas.microsoft.com/office/drawing/2010/main">
-                <a:solidFill>
-                  <a:srgbClr val="FFFFFF"/>
-                </a:solidFill>
-              </a14:hiddenFill>
-            </a:ext>
-          </a:extLst>
-        </p:spPr>
-      </p:pic>
-      <p:cxnSp>
-        <p:nvCxnSpPr>
-          <p:cNvPr id="1115" name="Gerader Verbinder 1114">
-            <a:extLst>
-              <a:ext uri="{FF2B5EF4-FFF2-40B4-BE49-F238E27FC236}">
-                <a16:creationId xmlns:a16="http://schemas.microsoft.com/office/drawing/2014/main" id="{187EFB1C-52EA-5C15-528C-70D046A5BA9F}"/>
-              </a:ext>
-            </a:extLst>
-          </p:cNvPr>
-          <p:cNvCxnSpPr/>
-          <p:nvPr/>
-        </p:nvCxnSpPr>
-        <p:spPr>
-          <a:xfrm>
-            <a:off x="453824" y="980595"/>
-            <a:ext cx="0" cy="546982"/>
-          </a:xfrm>
-          <a:prstGeom prst="line">
-            <a:avLst/>
-          </a:prstGeom>
-          <a:ln>
-            <a:solidFill>
-              <a:srgbClr val="00172B"/>
-            </a:solidFill>
-          </a:ln>
-        </p:spPr>
-        <p:style>
-          <a:lnRef idx="2">
-            <a:schemeClr val="accent1"/>
-          </a:lnRef>
-          <a:fillRef idx="0">
-            <a:schemeClr val="accent1"/>
-          </a:fillRef>
-          <a:effectRef idx="1">
-            <a:schemeClr val="accent1"/>
-          </a:effectRef>
-          <a:fontRef idx="minor">
-            <a:schemeClr val="tx1"/>
-          </a:fontRef>
-        </p:style>
-      </p:cxnSp>
-    </p:spTree>
-    <p:extLst>
-      <p:ext uri="{BB962C8B-B14F-4D97-AF65-F5344CB8AC3E}">
-        <p14:creationId xmlns:p14="http://schemas.microsoft.com/office/powerpoint/2010/main" val="3984706406"/>
       </p:ext>
     </p:extLst>
   </p:cSld>
@@ -28434,6 +27096,2666 @@
         <p:cNvPr id="1" name="">
           <a:extLst>
             <a:ext uri="{FF2B5EF4-FFF2-40B4-BE49-F238E27FC236}">
+              <a16:creationId xmlns:a16="http://schemas.microsoft.com/office/drawing/2014/main" id="{577BD5B4-307D-C75E-BCE6-DC162B884FD5}"/>
+            </a:ext>
+          </a:extLst>
+        </p:cNvPr>
+        <p:cNvGrpSpPr/>
+        <p:nvPr/>
+      </p:nvGrpSpPr>
+      <p:grpSpPr>
+        <a:xfrm>
+          <a:off x="0" y="0"/>
+          <a:ext cx="0" cy="0"/>
+          <a:chOff x="0" y="0"/>
+          <a:chExt cx="0" cy="0"/>
+        </a:xfrm>
+      </p:grpSpPr>
+      <p:sp>
+        <p:nvSpPr>
+          <p:cNvPr id="4" name="Rectangle 3">
+            <a:extLst>
+              <a:ext uri="{FF2B5EF4-FFF2-40B4-BE49-F238E27FC236}">
+                <a16:creationId xmlns:a16="http://schemas.microsoft.com/office/drawing/2014/main" id="{3AAA31F6-27E8-C219-F8F1-1EE7F3E95055}"/>
+              </a:ext>
+            </a:extLst>
+          </p:cNvPr>
+          <p:cNvSpPr/>
+          <p:nvPr/>
+        </p:nvSpPr>
+        <p:spPr>
+          <a:xfrm>
+            <a:off x="-6" y="0"/>
+            <a:ext cx="3078000" cy="6858000"/>
+          </a:xfrm>
+          <a:prstGeom prst="rect">
+            <a:avLst/>
+          </a:prstGeom>
+          <a:solidFill>
+            <a:srgbClr val="00172B"/>
+          </a:solidFill>
+          <a:ln>
+            <a:noFill/>
+          </a:ln>
+        </p:spPr>
+        <p:style>
+          <a:lnRef idx="2">
+            <a:schemeClr val="accent1">
+              <a:shade val="15000"/>
+            </a:schemeClr>
+          </a:lnRef>
+          <a:fillRef idx="1">
+            <a:schemeClr val="accent1"/>
+          </a:fillRef>
+          <a:effectRef idx="0">
+            <a:schemeClr val="accent1"/>
+          </a:effectRef>
+          <a:fontRef idx="minor">
+            <a:schemeClr val="lt1"/>
+          </a:fontRef>
+        </p:style>
+        <p:txBody>
+          <a:bodyPr rtlCol="0" anchor="ctr"/>
+          <a:lstStyle/>
+          <a:p>
+            <a:pPr algn="ctr"/>
+            <a:endParaRPr lang="en-US" noProof="0" dirty="0"/>
+          </a:p>
+        </p:txBody>
+      </p:sp>
+      <p:sp>
+        <p:nvSpPr>
+          <p:cNvPr id="5" name="Rectangle 4">
+            <a:extLst>
+              <a:ext uri="{FF2B5EF4-FFF2-40B4-BE49-F238E27FC236}">
+                <a16:creationId xmlns:a16="http://schemas.microsoft.com/office/drawing/2014/main" id="{E7C241B8-27AF-3F4D-8749-24107ECFA982}"/>
+              </a:ext>
+            </a:extLst>
+          </p:cNvPr>
+          <p:cNvSpPr/>
+          <p:nvPr/>
+        </p:nvSpPr>
+        <p:spPr>
+          <a:xfrm>
+            <a:off x="0" y="0"/>
+            <a:ext cx="3077994" cy="468000"/>
+          </a:xfrm>
+          <a:prstGeom prst="rect">
+            <a:avLst/>
+          </a:prstGeom>
+          <a:solidFill>
+            <a:srgbClr val="002646"/>
+          </a:solidFill>
+          <a:ln>
+            <a:noFill/>
+          </a:ln>
+        </p:spPr>
+        <p:style>
+          <a:lnRef idx="2">
+            <a:schemeClr val="accent1">
+              <a:shade val="15000"/>
+            </a:schemeClr>
+          </a:lnRef>
+          <a:fillRef idx="1">
+            <a:schemeClr val="accent1"/>
+          </a:fillRef>
+          <a:effectRef idx="0">
+            <a:schemeClr val="accent1"/>
+          </a:effectRef>
+          <a:fontRef idx="minor">
+            <a:schemeClr val="lt1"/>
+          </a:fontRef>
+        </p:style>
+        <p:txBody>
+          <a:bodyPr rtlCol="0" anchor="ctr"/>
+          <a:lstStyle/>
+          <a:p>
+            <a:pPr algn="ctr"/>
+            <a:endParaRPr lang="en-US" noProof="0" dirty="0"/>
+          </a:p>
+        </p:txBody>
+      </p:sp>
+      <p:pic>
+        <p:nvPicPr>
+          <p:cNvPr id="6" name="Picture 5" descr="A white letter on a black background&#10;&#10;AI-generated content may be incorrect.">
+            <a:extLst>
+              <a:ext uri="{FF2B5EF4-FFF2-40B4-BE49-F238E27FC236}">
+                <a16:creationId xmlns:a16="http://schemas.microsoft.com/office/drawing/2014/main" id="{379F92A2-4B34-FCB4-50E8-05256524D8DB}"/>
+              </a:ext>
+            </a:extLst>
+          </p:cNvPr>
+          <p:cNvPicPr>
+            <a:picLocks noChangeAspect="1"/>
+          </p:cNvPicPr>
+          <p:nvPr/>
+        </p:nvPicPr>
+        <p:blipFill>
+          <a:blip r:embed="rId3">
+            <a:extLst>
+              <a:ext uri="{28A0092B-C50C-407E-A947-70E740481C1C}">
+                <a14:useLocalDpi xmlns:a14="http://schemas.microsoft.com/office/drawing/2010/main" val="0"/>
+              </a:ext>
+            </a:extLst>
+          </a:blip>
+          <a:stretch>
+            <a:fillRect/>
+          </a:stretch>
+        </p:blipFill>
+        <p:spPr>
+          <a:xfrm>
+            <a:off x="107637" y="100767"/>
+            <a:ext cx="1634763" cy="289272"/>
+          </a:xfrm>
+          <a:prstGeom prst="rect">
+            <a:avLst/>
+          </a:prstGeom>
+        </p:spPr>
+      </p:pic>
+      <p:sp>
+        <p:nvSpPr>
+          <p:cNvPr id="9" name="Rectangle 8">
+            <a:extLst>
+              <a:ext uri="{FF2B5EF4-FFF2-40B4-BE49-F238E27FC236}">
+                <a16:creationId xmlns:a16="http://schemas.microsoft.com/office/drawing/2014/main" id="{FF887B36-9751-3B82-3BDF-6FA89352C6A5}"/>
+              </a:ext>
+            </a:extLst>
+          </p:cNvPr>
+          <p:cNvSpPr/>
+          <p:nvPr/>
+        </p:nvSpPr>
+        <p:spPr>
+          <a:xfrm flipV="1">
+            <a:off x="0" y="467438"/>
+            <a:ext cx="3077994" cy="45719"/>
+          </a:xfrm>
+          <a:prstGeom prst="rect">
+            <a:avLst/>
+          </a:prstGeom>
+          <a:solidFill>
+            <a:srgbClr val="2AB9D2"/>
+          </a:solidFill>
+          <a:ln>
+            <a:noFill/>
+          </a:ln>
+        </p:spPr>
+        <p:style>
+          <a:lnRef idx="2">
+            <a:schemeClr val="accent1">
+              <a:shade val="15000"/>
+            </a:schemeClr>
+          </a:lnRef>
+          <a:fillRef idx="1">
+            <a:schemeClr val="accent1"/>
+          </a:fillRef>
+          <a:effectRef idx="0">
+            <a:schemeClr val="accent1"/>
+          </a:effectRef>
+          <a:fontRef idx="minor">
+            <a:schemeClr val="lt1"/>
+          </a:fontRef>
+        </p:style>
+        <p:txBody>
+          <a:bodyPr rtlCol="0" anchor="ctr"/>
+          <a:lstStyle/>
+          <a:p>
+            <a:pPr algn="ctr"/>
+            <a:endParaRPr lang="en-US" noProof="0" dirty="0"/>
+          </a:p>
+        </p:txBody>
+      </p:sp>
+      <p:sp>
+        <p:nvSpPr>
+          <p:cNvPr id="17" name="Rectangle 17">
+            <a:extLst>
+              <a:ext uri="{FF2B5EF4-FFF2-40B4-BE49-F238E27FC236}">
+                <a16:creationId xmlns:a16="http://schemas.microsoft.com/office/drawing/2014/main" id="{36487CBE-C52B-0C48-46B2-A3A0D7FD9758}"/>
+              </a:ext>
+            </a:extLst>
+          </p:cNvPr>
+          <p:cNvSpPr/>
+          <p:nvPr/>
+        </p:nvSpPr>
+        <p:spPr>
+          <a:xfrm>
+            <a:off x="-6" y="6390000"/>
+            <a:ext cx="3078000" cy="468000"/>
+          </a:xfrm>
+          <a:prstGeom prst="rect">
+            <a:avLst/>
+          </a:prstGeom>
+          <a:solidFill>
+            <a:srgbClr val="002646"/>
+          </a:solidFill>
+          <a:ln>
+            <a:noFill/>
+          </a:ln>
+        </p:spPr>
+        <p:style>
+          <a:lnRef idx="2">
+            <a:schemeClr val="accent1">
+              <a:shade val="15000"/>
+            </a:schemeClr>
+          </a:lnRef>
+          <a:fillRef idx="1">
+            <a:schemeClr val="accent1"/>
+          </a:fillRef>
+          <a:effectRef idx="0">
+            <a:schemeClr val="accent1"/>
+          </a:effectRef>
+          <a:fontRef idx="minor">
+            <a:schemeClr val="lt1"/>
+          </a:fontRef>
+        </p:style>
+        <p:txBody>
+          <a:bodyPr rtlCol="0" anchor="ctr"/>
+          <a:lstStyle/>
+          <a:p>
+            <a:pPr algn="ctr"/>
+            <a:endParaRPr lang="en-US" noProof="0" dirty="0"/>
+          </a:p>
+        </p:txBody>
+      </p:sp>
+      <p:sp>
+        <p:nvSpPr>
+          <p:cNvPr id="33" name="Rectangle 22">
+            <a:extLst>
+              <a:ext uri="{FF2B5EF4-FFF2-40B4-BE49-F238E27FC236}">
+                <a16:creationId xmlns:a16="http://schemas.microsoft.com/office/drawing/2014/main" id="{A9A38F63-24A8-9BA2-94CC-7DDE59A03788}"/>
+              </a:ext>
+            </a:extLst>
+          </p:cNvPr>
+          <p:cNvSpPr/>
+          <p:nvPr/>
+        </p:nvSpPr>
+        <p:spPr>
+          <a:xfrm>
+            <a:off x="0" y="6390000"/>
+            <a:ext cx="615600" cy="468000"/>
+          </a:xfrm>
+          <a:prstGeom prst="rect">
+            <a:avLst/>
+          </a:prstGeom>
+          <a:solidFill>
+            <a:srgbClr val="003866"/>
+          </a:solidFill>
+          <a:ln>
+            <a:noFill/>
+          </a:ln>
+        </p:spPr>
+        <p:style>
+          <a:lnRef idx="2">
+            <a:schemeClr val="accent1">
+              <a:shade val="15000"/>
+            </a:schemeClr>
+          </a:lnRef>
+          <a:fillRef idx="1">
+            <a:schemeClr val="accent1"/>
+          </a:fillRef>
+          <a:effectRef idx="0">
+            <a:schemeClr val="accent1"/>
+          </a:effectRef>
+          <a:fontRef idx="minor">
+            <a:schemeClr val="lt1"/>
+          </a:fontRef>
+        </p:style>
+        <p:txBody>
+          <a:bodyPr rtlCol="0" anchor="ctr"/>
+          <a:lstStyle/>
+          <a:p>
+            <a:pPr algn="ctr"/>
+            <a:endParaRPr lang="en-US" noProof="0" dirty="0"/>
+          </a:p>
+        </p:txBody>
+      </p:sp>
+      <p:pic>
+        <p:nvPicPr>
+          <p:cNvPr id="1036" name="Picture 12">
+            <a:extLst>
+              <a:ext uri="{FF2B5EF4-FFF2-40B4-BE49-F238E27FC236}">
+                <a16:creationId xmlns:a16="http://schemas.microsoft.com/office/drawing/2014/main" id="{EC791415-0422-2610-9F8C-234880510276}"/>
+              </a:ext>
+            </a:extLst>
+          </p:cNvPr>
+          <p:cNvPicPr>
+            <a:picLocks noChangeAspect="1" noChangeArrowheads="1"/>
+          </p:cNvPicPr>
+          <p:nvPr/>
+        </p:nvPicPr>
+        <p:blipFill>
+          <a:blip r:embed="rId4">
+            <a:extLst>
+              <a:ext uri="{28A0092B-C50C-407E-A947-70E740481C1C}">
+                <a14:useLocalDpi xmlns:a14="http://schemas.microsoft.com/office/drawing/2010/main" val="0"/>
+              </a:ext>
+            </a:extLst>
+          </a:blip>
+          <a:srcRect/>
+          <a:stretch>
+            <a:fillRect/>
+          </a:stretch>
+        </p:blipFill>
+        <p:spPr bwMode="auto">
+          <a:xfrm>
+            <a:off x="165824" y="6477961"/>
+            <a:ext cx="288000" cy="288000"/>
+          </a:xfrm>
+          <a:prstGeom prst="rect">
+            <a:avLst/>
+          </a:prstGeom>
+          <a:noFill/>
+          <a:extLst>
+            <a:ext uri="{909E8E84-426E-40DD-AFC4-6F175D3DCCD1}">
+              <a14:hiddenFill xmlns:a14="http://schemas.microsoft.com/office/drawing/2010/main">
+                <a:solidFill>
+                  <a:srgbClr val="FFFFFF"/>
+                </a:solidFill>
+              </a14:hiddenFill>
+            </a:ext>
+          </a:extLst>
+        </p:spPr>
+      </p:pic>
+      <p:pic>
+        <p:nvPicPr>
+          <p:cNvPr id="1038" name="Picture 14">
+            <a:extLst>
+              <a:ext uri="{FF2B5EF4-FFF2-40B4-BE49-F238E27FC236}">
+                <a16:creationId xmlns:a16="http://schemas.microsoft.com/office/drawing/2014/main" id="{12967700-4BCF-08BE-7087-B7DFA7220751}"/>
+              </a:ext>
+            </a:extLst>
+          </p:cNvPr>
+          <p:cNvPicPr>
+            <a:picLocks noChangeAspect="1" noChangeArrowheads="1"/>
+          </p:cNvPicPr>
+          <p:nvPr/>
+        </p:nvPicPr>
+        <p:blipFill>
+          <a:blip r:embed="rId5">
+            <a:extLst>
+              <a:ext uri="{28A0092B-C50C-407E-A947-70E740481C1C}">
+                <a14:useLocalDpi xmlns:a14="http://schemas.microsoft.com/office/drawing/2010/main" val="0"/>
+              </a:ext>
+            </a:extLst>
+          </a:blip>
+          <a:srcRect/>
+          <a:stretch>
+            <a:fillRect/>
+          </a:stretch>
+        </p:blipFill>
+        <p:spPr bwMode="auto">
+          <a:xfrm>
+            <a:off x="2010594" y="6477961"/>
+            <a:ext cx="288000" cy="288000"/>
+          </a:xfrm>
+          <a:prstGeom prst="rect">
+            <a:avLst/>
+          </a:prstGeom>
+          <a:noFill/>
+          <a:extLst>
+            <a:ext uri="{909E8E84-426E-40DD-AFC4-6F175D3DCCD1}">
+              <a14:hiddenFill xmlns:a14="http://schemas.microsoft.com/office/drawing/2010/main">
+                <a:solidFill>
+                  <a:srgbClr val="FFFFFF"/>
+                </a:solidFill>
+              </a14:hiddenFill>
+            </a:ext>
+          </a:extLst>
+        </p:spPr>
+      </p:pic>
+      <p:pic>
+        <p:nvPicPr>
+          <p:cNvPr id="1042" name="Picture 18">
+            <a:extLst>
+              <a:ext uri="{FF2B5EF4-FFF2-40B4-BE49-F238E27FC236}">
+                <a16:creationId xmlns:a16="http://schemas.microsoft.com/office/drawing/2014/main" id="{4E655D2A-710D-18A2-3018-45D04FDFB43B}"/>
+              </a:ext>
+            </a:extLst>
+          </p:cNvPr>
+          <p:cNvPicPr>
+            <a:picLocks noChangeAspect="1" noChangeArrowheads="1"/>
+          </p:cNvPicPr>
+          <p:nvPr/>
+        </p:nvPicPr>
+        <p:blipFill>
+          <a:blip r:embed="rId6">
+            <a:extLst>
+              <a:ext uri="{28A0092B-C50C-407E-A947-70E740481C1C}">
+                <a14:useLocalDpi xmlns:a14="http://schemas.microsoft.com/office/drawing/2010/main" val="0"/>
+              </a:ext>
+            </a:extLst>
+          </a:blip>
+          <a:srcRect/>
+          <a:stretch>
+            <a:fillRect/>
+          </a:stretch>
+        </p:blipFill>
+        <p:spPr bwMode="auto">
+          <a:xfrm>
+            <a:off x="781018" y="6477961"/>
+            <a:ext cx="288000" cy="288000"/>
+          </a:xfrm>
+          <a:prstGeom prst="rect">
+            <a:avLst/>
+          </a:prstGeom>
+          <a:noFill/>
+          <a:extLst>
+            <a:ext uri="{909E8E84-426E-40DD-AFC4-6F175D3DCCD1}">
+              <a14:hiddenFill xmlns:a14="http://schemas.microsoft.com/office/drawing/2010/main">
+                <a:solidFill>
+                  <a:srgbClr val="FFFFFF"/>
+                </a:solidFill>
+              </a14:hiddenFill>
+            </a:ext>
+          </a:extLst>
+        </p:spPr>
+      </p:pic>
+      <p:pic>
+        <p:nvPicPr>
+          <p:cNvPr id="1040" name="Picture 16">
+            <a:extLst>
+              <a:ext uri="{FF2B5EF4-FFF2-40B4-BE49-F238E27FC236}">
+                <a16:creationId xmlns:a16="http://schemas.microsoft.com/office/drawing/2014/main" id="{D81A1A6F-30A2-6E97-264C-68B40D587D75}"/>
+              </a:ext>
+            </a:extLst>
+          </p:cNvPr>
+          <p:cNvPicPr>
+            <a:picLocks noChangeAspect="1" noChangeArrowheads="1"/>
+          </p:cNvPicPr>
+          <p:nvPr/>
+        </p:nvPicPr>
+        <p:blipFill>
+          <a:blip r:embed="rId7">
+            <a:extLst>
+              <a:ext uri="{28A0092B-C50C-407E-A947-70E740481C1C}">
+                <a14:useLocalDpi xmlns:a14="http://schemas.microsoft.com/office/drawing/2010/main" val="0"/>
+              </a:ext>
+            </a:extLst>
+          </a:blip>
+          <a:srcRect/>
+          <a:stretch>
+            <a:fillRect/>
+          </a:stretch>
+        </p:blipFill>
+        <p:spPr bwMode="auto">
+          <a:xfrm>
+            <a:off x="2624976" y="6477961"/>
+            <a:ext cx="288000" cy="288000"/>
+          </a:xfrm>
+          <a:prstGeom prst="rect">
+            <a:avLst/>
+          </a:prstGeom>
+          <a:noFill/>
+          <a:extLst>
+            <a:ext uri="{909E8E84-426E-40DD-AFC4-6F175D3DCCD1}">
+              <a14:hiddenFill xmlns:a14="http://schemas.microsoft.com/office/drawing/2010/main">
+                <a:solidFill>
+                  <a:srgbClr val="FFFFFF"/>
+                </a:solidFill>
+              </a14:hiddenFill>
+            </a:ext>
+          </a:extLst>
+        </p:spPr>
+      </p:pic>
+      <p:pic>
+        <p:nvPicPr>
+          <p:cNvPr id="1034" name="Picture 10">
+            <a:extLst>
+              <a:ext uri="{FF2B5EF4-FFF2-40B4-BE49-F238E27FC236}">
+                <a16:creationId xmlns:a16="http://schemas.microsoft.com/office/drawing/2014/main" id="{CA31AEC2-A439-FFB3-DF57-59366F9F42A7}"/>
+              </a:ext>
+            </a:extLst>
+          </p:cNvPr>
+          <p:cNvPicPr>
+            <a:picLocks noChangeAspect="1" noChangeArrowheads="1"/>
+          </p:cNvPicPr>
+          <p:nvPr/>
+        </p:nvPicPr>
+        <p:blipFill>
+          <a:blip r:embed="rId8">
+            <a:extLst>
+              <a:ext uri="{28A0092B-C50C-407E-A947-70E740481C1C}">
+                <a14:useLocalDpi xmlns:a14="http://schemas.microsoft.com/office/drawing/2010/main" val="0"/>
+              </a:ext>
+            </a:extLst>
+          </a:blip>
+          <a:srcRect/>
+          <a:stretch>
+            <a:fillRect/>
+          </a:stretch>
+        </p:blipFill>
+        <p:spPr bwMode="auto">
+          <a:xfrm>
+            <a:off x="1394031" y="6477961"/>
+            <a:ext cx="288000" cy="288000"/>
+          </a:xfrm>
+          <a:prstGeom prst="rect">
+            <a:avLst/>
+          </a:prstGeom>
+          <a:noFill/>
+          <a:extLst>
+            <a:ext uri="{909E8E84-426E-40DD-AFC4-6F175D3DCCD1}">
+              <a14:hiddenFill xmlns:a14="http://schemas.microsoft.com/office/drawing/2010/main">
+                <a:solidFill>
+                  <a:srgbClr val="FFFFFF"/>
+                </a:solidFill>
+              </a14:hiddenFill>
+            </a:ext>
+          </a:extLst>
+        </p:spPr>
+      </p:pic>
+      <p:sp>
+        <p:nvSpPr>
+          <p:cNvPr id="18" name="Rectangle: Rounded Corners 12">
+            <a:extLst>
+              <a:ext uri="{FF2B5EF4-FFF2-40B4-BE49-F238E27FC236}">
+                <a16:creationId xmlns:a16="http://schemas.microsoft.com/office/drawing/2014/main" id="{7C169F0A-60AB-8DB6-3F75-6F0421B4C1E0}"/>
+              </a:ext>
+            </a:extLst>
+          </p:cNvPr>
+          <p:cNvSpPr/>
+          <p:nvPr/>
+        </p:nvSpPr>
+        <p:spPr>
+          <a:xfrm>
+            <a:off x="2196716" y="55135"/>
+            <a:ext cx="811164" cy="360000"/>
+          </a:xfrm>
+          <a:prstGeom prst="roundRect">
+            <a:avLst/>
+          </a:prstGeom>
+          <a:noFill/>
+          <a:ln w="28575">
+            <a:solidFill>
+              <a:srgbClr val="2AB9D2"/>
+            </a:solidFill>
+          </a:ln>
+        </p:spPr>
+        <p:style>
+          <a:lnRef idx="2">
+            <a:schemeClr val="accent1">
+              <a:shade val="15000"/>
+            </a:schemeClr>
+          </a:lnRef>
+          <a:fillRef idx="1">
+            <a:schemeClr val="accent1"/>
+          </a:fillRef>
+          <a:effectRef idx="0">
+            <a:schemeClr val="accent1"/>
+          </a:effectRef>
+          <a:fontRef idx="minor">
+            <a:schemeClr val="lt1"/>
+          </a:fontRef>
+        </p:style>
+        <p:txBody>
+          <a:bodyPr rtlCol="0" anchor="ctr"/>
+          <a:lstStyle/>
+          <a:p>
+            <a:pPr algn="ctr"/>
+            <a:r>
+              <a:rPr lang="en-US" sz="1200" b="1" noProof="0" dirty="0">
+                <a:solidFill>
+                  <a:srgbClr val="2AB9D2"/>
+                </a:solidFill>
+                <a:latin typeface="Montserrat" panose="00000500000000000000" pitchFamily="2" charset="0"/>
+              </a:rPr>
+              <a:t>Logout</a:t>
+            </a:r>
+          </a:p>
+        </p:txBody>
+      </p:sp>
+      <p:sp>
+        <p:nvSpPr>
+          <p:cNvPr id="34" name="Rectangle: Rounded Corners 1050">
+            <a:extLst>
+              <a:ext uri="{FF2B5EF4-FFF2-40B4-BE49-F238E27FC236}">
+                <a16:creationId xmlns:a16="http://schemas.microsoft.com/office/drawing/2014/main" id="{BBC51F59-5E1E-9257-8145-6866790580B3}"/>
+              </a:ext>
+            </a:extLst>
+          </p:cNvPr>
+          <p:cNvSpPr/>
+          <p:nvPr/>
+        </p:nvSpPr>
+        <p:spPr>
+          <a:xfrm>
+            <a:off x="107637" y="1068556"/>
+            <a:ext cx="2477501" cy="342362"/>
+          </a:xfrm>
+          <a:prstGeom prst="roundRect">
+            <a:avLst/>
+          </a:prstGeom>
+          <a:solidFill>
+            <a:srgbClr val="002646"/>
+          </a:solidFill>
+          <a:ln>
+            <a:noFill/>
+          </a:ln>
+        </p:spPr>
+        <p:style>
+          <a:lnRef idx="2">
+            <a:schemeClr val="accent1">
+              <a:shade val="15000"/>
+            </a:schemeClr>
+          </a:lnRef>
+          <a:fillRef idx="1">
+            <a:schemeClr val="accent1"/>
+          </a:fillRef>
+          <a:effectRef idx="0">
+            <a:schemeClr val="accent1"/>
+          </a:effectRef>
+          <a:fontRef idx="minor">
+            <a:schemeClr val="lt1"/>
+          </a:fontRef>
+        </p:style>
+        <p:txBody>
+          <a:bodyPr rtlCol="0" anchor="ctr"/>
+          <a:lstStyle/>
+          <a:p>
+            <a:pPr algn="ctr"/>
+            <a:endParaRPr lang="en-US" noProof="0" dirty="0"/>
+          </a:p>
+        </p:txBody>
+      </p:sp>
+      <p:pic>
+        <p:nvPicPr>
+          <p:cNvPr id="35" name="Picture 10">
+            <a:extLst>
+              <a:ext uri="{FF2B5EF4-FFF2-40B4-BE49-F238E27FC236}">
+                <a16:creationId xmlns:a16="http://schemas.microsoft.com/office/drawing/2014/main" id="{5FB76233-9E4F-88A2-24DC-E735607B3F30}"/>
+              </a:ext>
+            </a:extLst>
+          </p:cNvPr>
+          <p:cNvPicPr>
+            <a:picLocks noChangeAspect="1" noChangeArrowheads="1"/>
+          </p:cNvPicPr>
+          <p:nvPr/>
+        </p:nvPicPr>
+        <p:blipFill>
+          <a:blip r:embed="rId8">
+            <a:extLst>
+              <a:ext uri="{28A0092B-C50C-407E-A947-70E740481C1C}">
+                <a14:useLocalDpi xmlns:a14="http://schemas.microsoft.com/office/drawing/2010/main" val="0"/>
+              </a:ext>
+            </a:extLst>
+          </a:blip>
+          <a:srcRect/>
+          <a:stretch>
+            <a:fillRect/>
+          </a:stretch>
+        </p:blipFill>
+        <p:spPr bwMode="auto">
+          <a:xfrm>
+            <a:off x="180796" y="1137951"/>
+            <a:ext cx="216000" cy="216000"/>
+          </a:xfrm>
+          <a:prstGeom prst="rect">
+            <a:avLst/>
+          </a:prstGeom>
+          <a:noFill/>
+          <a:extLst>
+            <a:ext uri="{909E8E84-426E-40DD-AFC4-6F175D3DCCD1}">
+              <a14:hiddenFill xmlns:a14="http://schemas.microsoft.com/office/drawing/2010/main">
+                <a:solidFill>
+                  <a:srgbClr val="FFFFFF"/>
+                </a:solidFill>
+              </a14:hiddenFill>
+            </a:ext>
+          </a:extLst>
+        </p:spPr>
+      </p:pic>
+      <p:sp>
+        <p:nvSpPr>
+          <p:cNvPr id="36" name="TextBox 1053">
+            <a:extLst>
+              <a:ext uri="{FF2B5EF4-FFF2-40B4-BE49-F238E27FC236}">
+                <a16:creationId xmlns:a16="http://schemas.microsoft.com/office/drawing/2014/main" id="{E1D7F4C2-99CB-01D0-C617-D1B3B8B4DBAA}"/>
+              </a:ext>
+            </a:extLst>
+          </p:cNvPr>
+          <p:cNvSpPr txBox="1"/>
+          <p:nvPr/>
+        </p:nvSpPr>
+        <p:spPr>
+          <a:xfrm>
+            <a:off x="483289" y="1116626"/>
+            <a:ext cx="1987693" cy="246221"/>
+          </a:xfrm>
+          <a:prstGeom prst="rect">
+            <a:avLst/>
+          </a:prstGeom>
+          <a:noFill/>
+        </p:spPr>
+        <p:txBody>
+          <a:bodyPr wrap="square" rtlCol="0">
+            <a:spAutoFit/>
+          </a:bodyPr>
+          <a:lstStyle/>
+          <a:p>
+            <a:r>
+              <a:rPr lang="en-US" sz="1000" noProof="0" dirty="0">
+                <a:solidFill>
+                  <a:schemeClr val="bg1">
+                    <a:lumMod val="65000"/>
+                  </a:schemeClr>
+                </a:solidFill>
+                <a:latin typeface="Montserrat" panose="00000500000000000000" pitchFamily="2" charset="0"/>
+              </a:rPr>
+              <a:t>Search for something …</a:t>
+            </a:r>
+          </a:p>
+        </p:txBody>
+      </p:sp>
+      <p:sp>
+        <p:nvSpPr>
+          <p:cNvPr id="37" name="TextBox 26">
+            <a:extLst>
+              <a:ext uri="{FF2B5EF4-FFF2-40B4-BE49-F238E27FC236}">
+                <a16:creationId xmlns:a16="http://schemas.microsoft.com/office/drawing/2014/main" id="{59EC374B-B184-05A7-2E0D-461B1C59D3B8}"/>
+              </a:ext>
+            </a:extLst>
+          </p:cNvPr>
+          <p:cNvSpPr txBox="1"/>
+          <p:nvPr/>
+        </p:nvSpPr>
+        <p:spPr>
+          <a:xfrm>
+            <a:off x="107637" y="642041"/>
+            <a:ext cx="2148840" cy="338554"/>
+          </a:xfrm>
+          <a:prstGeom prst="rect">
+            <a:avLst/>
+          </a:prstGeom>
+          <a:noFill/>
+        </p:spPr>
+        <p:txBody>
+          <a:bodyPr wrap="square" rtlCol="0">
+            <a:spAutoFit/>
+          </a:bodyPr>
+          <a:lstStyle/>
+          <a:p>
+            <a:r>
+              <a:rPr lang="en-US" sz="1600" b="1" noProof="0" dirty="0">
+                <a:solidFill>
+                  <a:schemeClr val="bg1"/>
+                </a:solidFill>
+                <a:latin typeface="Montserrat" panose="00000500000000000000" pitchFamily="2" charset="0"/>
+              </a:rPr>
+              <a:t>Library</a:t>
+            </a:r>
+          </a:p>
+        </p:txBody>
+      </p:sp>
+      <p:sp>
+        <p:nvSpPr>
+          <p:cNvPr id="38" name="Rectangle: Rounded Corners 1054">
+            <a:extLst>
+              <a:ext uri="{FF2B5EF4-FFF2-40B4-BE49-F238E27FC236}">
+                <a16:creationId xmlns:a16="http://schemas.microsoft.com/office/drawing/2014/main" id="{DED98BAB-CDF4-B6D1-3BBA-5DF7AC8745E2}"/>
+              </a:ext>
+            </a:extLst>
+          </p:cNvPr>
+          <p:cNvSpPr/>
+          <p:nvPr/>
+        </p:nvSpPr>
+        <p:spPr>
+          <a:xfrm>
+            <a:off x="2647470" y="1069656"/>
+            <a:ext cx="342000" cy="342000"/>
+          </a:xfrm>
+          <a:prstGeom prst="roundRect">
+            <a:avLst/>
+          </a:prstGeom>
+          <a:solidFill>
+            <a:srgbClr val="002646"/>
+          </a:solidFill>
+          <a:ln>
+            <a:noFill/>
+          </a:ln>
+        </p:spPr>
+        <p:style>
+          <a:lnRef idx="2">
+            <a:schemeClr val="accent1">
+              <a:shade val="15000"/>
+            </a:schemeClr>
+          </a:lnRef>
+          <a:fillRef idx="1">
+            <a:schemeClr val="accent1"/>
+          </a:fillRef>
+          <a:effectRef idx="0">
+            <a:schemeClr val="accent1"/>
+          </a:effectRef>
+          <a:fontRef idx="minor">
+            <a:schemeClr val="lt1"/>
+          </a:fontRef>
+        </p:style>
+        <p:txBody>
+          <a:bodyPr rtlCol="0" anchor="ctr"/>
+          <a:lstStyle/>
+          <a:p>
+            <a:pPr algn="ctr"/>
+            <a:endParaRPr lang="en-US" noProof="0" dirty="0"/>
+          </a:p>
+        </p:txBody>
+      </p:sp>
+      <p:pic>
+        <p:nvPicPr>
+          <p:cNvPr id="41" name="Picture 10">
+            <a:extLst>
+              <a:ext uri="{FF2B5EF4-FFF2-40B4-BE49-F238E27FC236}">
+                <a16:creationId xmlns:a16="http://schemas.microsoft.com/office/drawing/2014/main" id="{A10F7495-7AD0-E800-8DF9-382B0BF2CB8E}"/>
+              </a:ext>
+            </a:extLst>
+          </p:cNvPr>
+          <p:cNvPicPr>
+            <a:picLocks noChangeAspect="1" noChangeArrowheads="1"/>
+          </p:cNvPicPr>
+          <p:nvPr/>
+        </p:nvPicPr>
+        <p:blipFill>
+          <a:blip r:embed="rId9">
+            <a:extLst>
+              <a:ext uri="{28A0092B-C50C-407E-A947-70E740481C1C}">
+                <a14:useLocalDpi xmlns:a14="http://schemas.microsoft.com/office/drawing/2010/main" val="0"/>
+              </a:ext>
+            </a:extLst>
+          </a:blip>
+          <a:srcRect/>
+          <a:stretch>
+            <a:fillRect/>
+          </a:stretch>
+        </p:blipFill>
+        <p:spPr bwMode="auto">
+          <a:xfrm>
+            <a:off x="2711138" y="1131736"/>
+            <a:ext cx="216000" cy="216000"/>
+          </a:xfrm>
+          <a:prstGeom prst="rect">
+            <a:avLst/>
+          </a:prstGeom>
+          <a:noFill/>
+          <a:extLst>
+            <a:ext uri="{909E8E84-426E-40DD-AFC4-6F175D3DCCD1}">
+              <a14:hiddenFill xmlns:a14="http://schemas.microsoft.com/office/drawing/2010/main">
+                <a:solidFill>
+                  <a:srgbClr val="FFFFFF"/>
+                </a:solidFill>
+              </a14:hiddenFill>
+            </a:ext>
+          </a:extLst>
+        </p:spPr>
+      </p:pic>
+      <p:sp>
+        <p:nvSpPr>
+          <p:cNvPr id="42" name="TextBox 1055">
+            <a:extLst>
+              <a:ext uri="{FF2B5EF4-FFF2-40B4-BE49-F238E27FC236}">
+                <a16:creationId xmlns:a16="http://schemas.microsoft.com/office/drawing/2014/main" id="{06E0B733-6E5B-231D-B223-0AE4B4D4D473}"/>
+              </a:ext>
+            </a:extLst>
+          </p:cNvPr>
+          <p:cNvSpPr txBox="1"/>
+          <p:nvPr/>
+        </p:nvSpPr>
+        <p:spPr>
+          <a:xfrm>
+            <a:off x="483289" y="1527577"/>
+            <a:ext cx="1350809" cy="253916"/>
+          </a:xfrm>
+          <a:prstGeom prst="rect">
+            <a:avLst/>
+          </a:prstGeom>
+          <a:noFill/>
+        </p:spPr>
+        <p:txBody>
+          <a:bodyPr wrap="square" rtlCol="0">
+            <a:spAutoFit/>
+          </a:bodyPr>
+          <a:lstStyle/>
+          <a:p>
+            <a:r>
+              <a:rPr lang="en-US" sz="1050" b="1" noProof="0" dirty="0">
+                <a:solidFill>
+                  <a:schemeClr val="bg1"/>
+                </a:solidFill>
+                <a:latin typeface="Montserrat" panose="00000500000000000000" pitchFamily="2" charset="0"/>
+              </a:rPr>
+              <a:t>Sonic Blaster</a:t>
+            </a:r>
+          </a:p>
+        </p:txBody>
+      </p:sp>
+      <p:pic>
+        <p:nvPicPr>
+          <p:cNvPr id="43" name="Picture 1056" descr="A purple and white background with text&#10;&#10;AI-generated content may be incorrect.">
+            <a:extLst>
+              <a:ext uri="{FF2B5EF4-FFF2-40B4-BE49-F238E27FC236}">
+                <a16:creationId xmlns:a16="http://schemas.microsoft.com/office/drawing/2014/main" id="{727035E9-D51A-4DC8-A978-7FEA28DAF11D}"/>
+              </a:ext>
+            </a:extLst>
+          </p:cNvPr>
+          <p:cNvPicPr>
+            <a:picLocks noChangeAspect="1"/>
+          </p:cNvPicPr>
+          <p:nvPr/>
+        </p:nvPicPr>
+        <p:blipFill>
+          <a:blip r:embed="rId10">
+            <a:extLst>
+              <a:ext uri="{28A0092B-C50C-407E-A947-70E740481C1C}">
+                <a14:useLocalDpi xmlns:a14="http://schemas.microsoft.com/office/drawing/2010/main" val="0"/>
+              </a:ext>
+            </a:extLst>
+          </a:blip>
+          <a:stretch>
+            <a:fillRect/>
+          </a:stretch>
+        </p:blipFill>
+        <p:spPr>
+          <a:xfrm>
+            <a:off x="103150" y="1532125"/>
+            <a:ext cx="380139" cy="380139"/>
+          </a:xfrm>
+          <a:prstGeom prst="roundRect">
+            <a:avLst>
+              <a:gd name="adj" fmla="val 19242"/>
+            </a:avLst>
+          </a:prstGeom>
+        </p:spPr>
+      </p:pic>
+      <p:sp>
+        <p:nvSpPr>
+          <p:cNvPr id="44" name="TextBox 1057">
+            <a:extLst>
+              <a:ext uri="{FF2B5EF4-FFF2-40B4-BE49-F238E27FC236}">
+                <a16:creationId xmlns:a16="http://schemas.microsoft.com/office/drawing/2014/main" id="{F15A4C36-3DCF-ADD9-4003-0D0618EF5509}"/>
+              </a:ext>
+            </a:extLst>
+          </p:cNvPr>
+          <p:cNvSpPr txBox="1"/>
+          <p:nvPr/>
+        </p:nvSpPr>
+        <p:spPr>
+          <a:xfrm>
+            <a:off x="483289" y="1697237"/>
+            <a:ext cx="637156" cy="215444"/>
+          </a:xfrm>
+          <a:prstGeom prst="rect">
+            <a:avLst/>
+          </a:prstGeom>
+          <a:noFill/>
+        </p:spPr>
+        <p:txBody>
+          <a:bodyPr wrap="square" rtlCol="0">
+            <a:spAutoFit/>
+          </a:bodyPr>
+          <a:lstStyle/>
+          <a:p>
+            <a:r>
+              <a:rPr lang="en-US" sz="800" noProof="0" dirty="0">
+                <a:solidFill>
+                  <a:schemeClr val="bg1"/>
+                </a:solidFill>
+                <a:latin typeface="Montserrat" panose="00000500000000000000" pitchFamily="2" charset="0"/>
+              </a:rPr>
+              <a:t>F-777</a:t>
+            </a:r>
+          </a:p>
+        </p:txBody>
+      </p:sp>
+      <p:sp>
+        <p:nvSpPr>
+          <p:cNvPr id="45" name="TextBox 1058">
+            <a:extLst>
+              <a:ext uri="{FF2B5EF4-FFF2-40B4-BE49-F238E27FC236}">
+                <a16:creationId xmlns:a16="http://schemas.microsoft.com/office/drawing/2014/main" id="{794C2775-043C-EEA3-91F9-58B12D9D31E3}"/>
+              </a:ext>
+            </a:extLst>
+          </p:cNvPr>
+          <p:cNvSpPr txBox="1"/>
+          <p:nvPr/>
+        </p:nvSpPr>
+        <p:spPr>
+          <a:xfrm>
+            <a:off x="2126227" y="1575453"/>
+            <a:ext cx="584911" cy="230832"/>
+          </a:xfrm>
+          <a:prstGeom prst="rect">
+            <a:avLst/>
+          </a:prstGeom>
+          <a:noFill/>
+        </p:spPr>
+        <p:txBody>
+          <a:bodyPr wrap="square" rtlCol="0">
+            <a:spAutoFit/>
+          </a:bodyPr>
+          <a:lstStyle/>
+          <a:p>
+            <a:r>
+              <a:rPr lang="en-US" sz="800" noProof="0" dirty="0">
+                <a:solidFill>
+                  <a:schemeClr val="bg1"/>
+                </a:solidFill>
+                <a:latin typeface="Montserrat" panose="00000500000000000000" pitchFamily="2" charset="0"/>
+              </a:rPr>
+              <a:t> </a:t>
+            </a:r>
+            <a:r>
+              <a:rPr lang="en-US" sz="900" noProof="0" dirty="0">
+                <a:solidFill>
+                  <a:schemeClr val="bg1"/>
+                </a:solidFill>
+                <a:latin typeface="Montserrat" panose="00000500000000000000" pitchFamily="2" charset="0"/>
+              </a:rPr>
+              <a:t>3:02</a:t>
+            </a:r>
+          </a:p>
+        </p:txBody>
+      </p:sp>
+      <p:pic>
+        <p:nvPicPr>
+          <p:cNvPr id="1078" name="Picture 2">
+            <a:extLst>
+              <a:ext uri="{FF2B5EF4-FFF2-40B4-BE49-F238E27FC236}">
+                <a16:creationId xmlns:a16="http://schemas.microsoft.com/office/drawing/2014/main" id="{86BB92B7-B888-4DE0-4182-DDFD03CA0A9E}"/>
+              </a:ext>
+            </a:extLst>
+          </p:cNvPr>
+          <p:cNvPicPr>
+            <a:picLocks noChangeAspect="1" noChangeArrowheads="1"/>
+          </p:cNvPicPr>
+          <p:nvPr/>
+        </p:nvPicPr>
+        <p:blipFill>
+          <a:blip r:embed="rId11">
+            <a:extLst>
+              <a:ext uri="{28A0092B-C50C-407E-A947-70E740481C1C}">
+                <a14:useLocalDpi xmlns:a14="http://schemas.microsoft.com/office/drawing/2010/main" val="0"/>
+              </a:ext>
+            </a:extLst>
+          </a:blip>
+          <a:srcRect/>
+          <a:stretch>
+            <a:fillRect/>
+          </a:stretch>
+        </p:blipFill>
+        <p:spPr bwMode="auto">
+          <a:xfrm>
+            <a:off x="2720107" y="1571237"/>
+            <a:ext cx="252000" cy="252000"/>
+          </a:xfrm>
+          <a:prstGeom prst="rect">
+            <a:avLst/>
+          </a:prstGeom>
+          <a:noFill/>
+          <a:extLst>
+            <a:ext uri="{909E8E84-426E-40DD-AFC4-6F175D3DCCD1}">
+              <a14:hiddenFill xmlns:a14="http://schemas.microsoft.com/office/drawing/2010/main">
+                <a:solidFill>
+                  <a:srgbClr val="FFFFFF"/>
+                </a:solidFill>
+              </a14:hiddenFill>
+            </a:ext>
+          </a:extLst>
+        </p:spPr>
+      </p:pic>
+      <p:sp>
+        <p:nvSpPr>
+          <p:cNvPr id="1079" name="TextBox 1055">
+            <a:extLst>
+              <a:ext uri="{FF2B5EF4-FFF2-40B4-BE49-F238E27FC236}">
+                <a16:creationId xmlns:a16="http://schemas.microsoft.com/office/drawing/2014/main" id="{78CA79AE-5E18-F387-CAD3-B83C87ED959E}"/>
+              </a:ext>
+            </a:extLst>
+          </p:cNvPr>
+          <p:cNvSpPr txBox="1"/>
+          <p:nvPr/>
+        </p:nvSpPr>
+        <p:spPr>
+          <a:xfrm>
+            <a:off x="494112" y="2008269"/>
+            <a:ext cx="1350809" cy="253916"/>
+          </a:xfrm>
+          <a:prstGeom prst="rect">
+            <a:avLst/>
+          </a:prstGeom>
+          <a:noFill/>
+        </p:spPr>
+        <p:txBody>
+          <a:bodyPr wrap="square" rtlCol="0">
+            <a:spAutoFit/>
+          </a:bodyPr>
+          <a:lstStyle/>
+          <a:p>
+            <a:r>
+              <a:rPr lang="en-US" sz="1050" b="1" noProof="0" dirty="0">
+                <a:solidFill>
+                  <a:schemeClr val="bg1"/>
+                </a:solidFill>
+                <a:latin typeface="Montserrat" panose="00000500000000000000" pitchFamily="2" charset="0"/>
+              </a:rPr>
+              <a:t>Sonic Blaster</a:t>
+            </a:r>
+          </a:p>
+        </p:txBody>
+      </p:sp>
+      <p:pic>
+        <p:nvPicPr>
+          <p:cNvPr id="1080" name="Picture 1056" descr="A purple and white background with text&#10;&#10;AI-generated content may be incorrect.">
+            <a:extLst>
+              <a:ext uri="{FF2B5EF4-FFF2-40B4-BE49-F238E27FC236}">
+                <a16:creationId xmlns:a16="http://schemas.microsoft.com/office/drawing/2014/main" id="{800A0B9E-4F2D-1728-27FC-C943CAF3523E}"/>
+              </a:ext>
+            </a:extLst>
+          </p:cNvPr>
+          <p:cNvPicPr>
+            <a:picLocks noChangeAspect="1"/>
+          </p:cNvPicPr>
+          <p:nvPr/>
+        </p:nvPicPr>
+        <p:blipFill>
+          <a:blip r:embed="rId10">
+            <a:extLst>
+              <a:ext uri="{28A0092B-C50C-407E-A947-70E740481C1C}">
+                <a14:useLocalDpi xmlns:a14="http://schemas.microsoft.com/office/drawing/2010/main" val="0"/>
+              </a:ext>
+            </a:extLst>
+          </a:blip>
+          <a:stretch>
+            <a:fillRect/>
+          </a:stretch>
+        </p:blipFill>
+        <p:spPr>
+          <a:xfrm>
+            <a:off x="113973" y="2012817"/>
+            <a:ext cx="380139" cy="380139"/>
+          </a:xfrm>
+          <a:prstGeom prst="roundRect">
+            <a:avLst>
+              <a:gd name="adj" fmla="val 19242"/>
+            </a:avLst>
+          </a:prstGeom>
+        </p:spPr>
+      </p:pic>
+      <p:sp>
+        <p:nvSpPr>
+          <p:cNvPr id="1081" name="TextBox 1057">
+            <a:extLst>
+              <a:ext uri="{FF2B5EF4-FFF2-40B4-BE49-F238E27FC236}">
+                <a16:creationId xmlns:a16="http://schemas.microsoft.com/office/drawing/2014/main" id="{782DA40A-824B-AC20-D229-4A32F165F656}"/>
+              </a:ext>
+            </a:extLst>
+          </p:cNvPr>
+          <p:cNvSpPr txBox="1"/>
+          <p:nvPr/>
+        </p:nvSpPr>
+        <p:spPr>
+          <a:xfrm>
+            <a:off x="494112" y="2177929"/>
+            <a:ext cx="637156" cy="215444"/>
+          </a:xfrm>
+          <a:prstGeom prst="rect">
+            <a:avLst/>
+          </a:prstGeom>
+          <a:noFill/>
+        </p:spPr>
+        <p:txBody>
+          <a:bodyPr wrap="square" rtlCol="0">
+            <a:spAutoFit/>
+          </a:bodyPr>
+          <a:lstStyle/>
+          <a:p>
+            <a:r>
+              <a:rPr lang="en-US" sz="800" noProof="0" dirty="0">
+                <a:solidFill>
+                  <a:schemeClr val="bg1"/>
+                </a:solidFill>
+                <a:latin typeface="Montserrat" panose="00000500000000000000" pitchFamily="2" charset="0"/>
+              </a:rPr>
+              <a:t>F-777</a:t>
+            </a:r>
+          </a:p>
+        </p:txBody>
+      </p:sp>
+      <p:sp>
+        <p:nvSpPr>
+          <p:cNvPr id="1082" name="TextBox 1058">
+            <a:extLst>
+              <a:ext uri="{FF2B5EF4-FFF2-40B4-BE49-F238E27FC236}">
+                <a16:creationId xmlns:a16="http://schemas.microsoft.com/office/drawing/2014/main" id="{80BC3521-841C-63BB-E360-CA95C477F755}"/>
+              </a:ext>
+            </a:extLst>
+          </p:cNvPr>
+          <p:cNvSpPr txBox="1"/>
+          <p:nvPr/>
+        </p:nvSpPr>
+        <p:spPr>
+          <a:xfrm>
+            <a:off x="2137050" y="2056145"/>
+            <a:ext cx="584911" cy="230832"/>
+          </a:xfrm>
+          <a:prstGeom prst="rect">
+            <a:avLst/>
+          </a:prstGeom>
+          <a:noFill/>
+        </p:spPr>
+        <p:txBody>
+          <a:bodyPr wrap="square" rtlCol="0">
+            <a:spAutoFit/>
+          </a:bodyPr>
+          <a:lstStyle/>
+          <a:p>
+            <a:r>
+              <a:rPr lang="en-US" sz="800" noProof="0" dirty="0">
+                <a:solidFill>
+                  <a:schemeClr val="bg1"/>
+                </a:solidFill>
+                <a:latin typeface="Montserrat" panose="00000500000000000000" pitchFamily="2" charset="0"/>
+              </a:rPr>
+              <a:t> </a:t>
+            </a:r>
+            <a:r>
+              <a:rPr lang="en-US" sz="900" noProof="0" dirty="0">
+                <a:solidFill>
+                  <a:schemeClr val="bg1"/>
+                </a:solidFill>
+                <a:latin typeface="Montserrat" panose="00000500000000000000" pitchFamily="2" charset="0"/>
+              </a:rPr>
+              <a:t>3:02</a:t>
+            </a:r>
+          </a:p>
+        </p:txBody>
+      </p:sp>
+      <p:pic>
+        <p:nvPicPr>
+          <p:cNvPr id="1083" name="Picture 2">
+            <a:extLst>
+              <a:ext uri="{FF2B5EF4-FFF2-40B4-BE49-F238E27FC236}">
+                <a16:creationId xmlns:a16="http://schemas.microsoft.com/office/drawing/2014/main" id="{14349CFA-9111-5005-75F1-A50B4B8362D5}"/>
+              </a:ext>
+            </a:extLst>
+          </p:cNvPr>
+          <p:cNvPicPr>
+            <a:picLocks noChangeAspect="1" noChangeArrowheads="1"/>
+          </p:cNvPicPr>
+          <p:nvPr/>
+        </p:nvPicPr>
+        <p:blipFill>
+          <a:blip r:embed="rId11">
+            <a:extLst>
+              <a:ext uri="{28A0092B-C50C-407E-A947-70E740481C1C}">
+                <a14:useLocalDpi xmlns:a14="http://schemas.microsoft.com/office/drawing/2010/main" val="0"/>
+              </a:ext>
+            </a:extLst>
+          </a:blip>
+          <a:srcRect/>
+          <a:stretch>
+            <a:fillRect/>
+          </a:stretch>
+        </p:blipFill>
+        <p:spPr bwMode="auto">
+          <a:xfrm>
+            <a:off x="2730930" y="2051929"/>
+            <a:ext cx="252000" cy="252000"/>
+          </a:xfrm>
+          <a:prstGeom prst="rect">
+            <a:avLst/>
+          </a:prstGeom>
+          <a:noFill/>
+          <a:extLst>
+            <a:ext uri="{909E8E84-426E-40DD-AFC4-6F175D3DCCD1}">
+              <a14:hiddenFill xmlns:a14="http://schemas.microsoft.com/office/drawing/2010/main">
+                <a:solidFill>
+                  <a:srgbClr val="FFFFFF"/>
+                </a:solidFill>
+              </a14:hiddenFill>
+            </a:ext>
+          </a:extLst>
+        </p:spPr>
+      </p:pic>
+      <p:sp>
+        <p:nvSpPr>
+          <p:cNvPr id="1084" name="TextBox 1055">
+            <a:extLst>
+              <a:ext uri="{FF2B5EF4-FFF2-40B4-BE49-F238E27FC236}">
+                <a16:creationId xmlns:a16="http://schemas.microsoft.com/office/drawing/2014/main" id="{A6A3449F-D3AA-D867-5B89-48A40E6545B0}"/>
+              </a:ext>
+            </a:extLst>
+          </p:cNvPr>
+          <p:cNvSpPr txBox="1"/>
+          <p:nvPr/>
+        </p:nvSpPr>
+        <p:spPr>
+          <a:xfrm>
+            <a:off x="496344" y="2488027"/>
+            <a:ext cx="1350809" cy="253916"/>
+          </a:xfrm>
+          <a:prstGeom prst="rect">
+            <a:avLst/>
+          </a:prstGeom>
+          <a:noFill/>
+        </p:spPr>
+        <p:txBody>
+          <a:bodyPr wrap="square" rtlCol="0">
+            <a:spAutoFit/>
+          </a:bodyPr>
+          <a:lstStyle/>
+          <a:p>
+            <a:r>
+              <a:rPr lang="en-US" sz="1050" b="1" noProof="0" dirty="0">
+                <a:solidFill>
+                  <a:schemeClr val="bg1"/>
+                </a:solidFill>
+                <a:latin typeface="Montserrat" panose="00000500000000000000" pitchFamily="2" charset="0"/>
+              </a:rPr>
+              <a:t>Sonic Blaster</a:t>
+            </a:r>
+          </a:p>
+        </p:txBody>
+      </p:sp>
+      <p:pic>
+        <p:nvPicPr>
+          <p:cNvPr id="1085" name="Picture 1056" descr="A purple and white background with text&#10;&#10;AI-generated content may be incorrect.">
+            <a:extLst>
+              <a:ext uri="{FF2B5EF4-FFF2-40B4-BE49-F238E27FC236}">
+                <a16:creationId xmlns:a16="http://schemas.microsoft.com/office/drawing/2014/main" id="{402DA98C-2E7D-9517-AA78-9B501EE6CEB3}"/>
+              </a:ext>
+            </a:extLst>
+          </p:cNvPr>
+          <p:cNvPicPr>
+            <a:picLocks noChangeAspect="1"/>
+          </p:cNvPicPr>
+          <p:nvPr/>
+        </p:nvPicPr>
+        <p:blipFill>
+          <a:blip r:embed="rId10">
+            <a:extLst>
+              <a:ext uri="{28A0092B-C50C-407E-A947-70E740481C1C}">
+                <a14:useLocalDpi xmlns:a14="http://schemas.microsoft.com/office/drawing/2010/main" val="0"/>
+              </a:ext>
+            </a:extLst>
+          </a:blip>
+          <a:stretch>
+            <a:fillRect/>
+          </a:stretch>
+        </p:blipFill>
+        <p:spPr>
+          <a:xfrm>
+            <a:off x="116205" y="2492575"/>
+            <a:ext cx="380139" cy="380139"/>
+          </a:xfrm>
+          <a:prstGeom prst="roundRect">
+            <a:avLst>
+              <a:gd name="adj" fmla="val 19242"/>
+            </a:avLst>
+          </a:prstGeom>
+        </p:spPr>
+      </p:pic>
+      <p:sp>
+        <p:nvSpPr>
+          <p:cNvPr id="1086" name="TextBox 1057">
+            <a:extLst>
+              <a:ext uri="{FF2B5EF4-FFF2-40B4-BE49-F238E27FC236}">
+                <a16:creationId xmlns:a16="http://schemas.microsoft.com/office/drawing/2014/main" id="{FABC66E7-BDFB-4DE8-FC12-31750915E4AE}"/>
+              </a:ext>
+            </a:extLst>
+          </p:cNvPr>
+          <p:cNvSpPr txBox="1"/>
+          <p:nvPr/>
+        </p:nvSpPr>
+        <p:spPr>
+          <a:xfrm>
+            <a:off x="496344" y="2657687"/>
+            <a:ext cx="637156" cy="215444"/>
+          </a:xfrm>
+          <a:prstGeom prst="rect">
+            <a:avLst/>
+          </a:prstGeom>
+          <a:noFill/>
+        </p:spPr>
+        <p:txBody>
+          <a:bodyPr wrap="square" rtlCol="0">
+            <a:spAutoFit/>
+          </a:bodyPr>
+          <a:lstStyle/>
+          <a:p>
+            <a:r>
+              <a:rPr lang="en-US" sz="800" noProof="0" dirty="0">
+                <a:solidFill>
+                  <a:schemeClr val="bg1"/>
+                </a:solidFill>
+                <a:latin typeface="Montserrat" panose="00000500000000000000" pitchFamily="2" charset="0"/>
+              </a:rPr>
+              <a:t>F-777</a:t>
+            </a:r>
+          </a:p>
+        </p:txBody>
+      </p:sp>
+      <p:sp>
+        <p:nvSpPr>
+          <p:cNvPr id="1087" name="TextBox 1058">
+            <a:extLst>
+              <a:ext uri="{FF2B5EF4-FFF2-40B4-BE49-F238E27FC236}">
+                <a16:creationId xmlns:a16="http://schemas.microsoft.com/office/drawing/2014/main" id="{4E0A5AEE-0964-D513-41B3-FACECAC98581}"/>
+              </a:ext>
+            </a:extLst>
+          </p:cNvPr>
+          <p:cNvSpPr txBox="1"/>
+          <p:nvPr/>
+        </p:nvSpPr>
+        <p:spPr>
+          <a:xfrm>
+            <a:off x="2139282" y="2535903"/>
+            <a:ext cx="584911" cy="230832"/>
+          </a:xfrm>
+          <a:prstGeom prst="rect">
+            <a:avLst/>
+          </a:prstGeom>
+          <a:noFill/>
+        </p:spPr>
+        <p:txBody>
+          <a:bodyPr wrap="square" rtlCol="0">
+            <a:spAutoFit/>
+          </a:bodyPr>
+          <a:lstStyle/>
+          <a:p>
+            <a:r>
+              <a:rPr lang="en-US" sz="800" noProof="0" dirty="0">
+                <a:solidFill>
+                  <a:schemeClr val="bg1"/>
+                </a:solidFill>
+                <a:latin typeface="Montserrat" panose="00000500000000000000" pitchFamily="2" charset="0"/>
+              </a:rPr>
+              <a:t> </a:t>
+            </a:r>
+            <a:r>
+              <a:rPr lang="en-US" sz="900" noProof="0" dirty="0">
+                <a:solidFill>
+                  <a:schemeClr val="bg1"/>
+                </a:solidFill>
+                <a:latin typeface="Montserrat" panose="00000500000000000000" pitchFamily="2" charset="0"/>
+              </a:rPr>
+              <a:t>3:02</a:t>
+            </a:r>
+          </a:p>
+        </p:txBody>
+      </p:sp>
+      <p:pic>
+        <p:nvPicPr>
+          <p:cNvPr id="1088" name="Picture 2">
+            <a:extLst>
+              <a:ext uri="{FF2B5EF4-FFF2-40B4-BE49-F238E27FC236}">
+                <a16:creationId xmlns:a16="http://schemas.microsoft.com/office/drawing/2014/main" id="{35B38479-F132-3DDC-A82C-413517B9EB08}"/>
+              </a:ext>
+            </a:extLst>
+          </p:cNvPr>
+          <p:cNvPicPr>
+            <a:picLocks noChangeAspect="1" noChangeArrowheads="1"/>
+          </p:cNvPicPr>
+          <p:nvPr/>
+        </p:nvPicPr>
+        <p:blipFill>
+          <a:blip r:embed="rId11">
+            <a:extLst>
+              <a:ext uri="{28A0092B-C50C-407E-A947-70E740481C1C}">
+                <a14:useLocalDpi xmlns:a14="http://schemas.microsoft.com/office/drawing/2010/main" val="0"/>
+              </a:ext>
+            </a:extLst>
+          </a:blip>
+          <a:srcRect/>
+          <a:stretch>
+            <a:fillRect/>
+          </a:stretch>
+        </p:blipFill>
+        <p:spPr bwMode="auto">
+          <a:xfrm>
+            <a:off x="2733162" y="2531687"/>
+            <a:ext cx="252000" cy="252000"/>
+          </a:xfrm>
+          <a:prstGeom prst="rect">
+            <a:avLst/>
+          </a:prstGeom>
+          <a:noFill/>
+          <a:extLst>
+            <a:ext uri="{909E8E84-426E-40DD-AFC4-6F175D3DCCD1}">
+              <a14:hiddenFill xmlns:a14="http://schemas.microsoft.com/office/drawing/2010/main">
+                <a:solidFill>
+                  <a:srgbClr val="FFFFFF"/>
+                </a:solidFill>
+              </a14:hiddenFill>
+            </a:ext>
+          </a:extLst>
+        </p:spPr>
+      </p:pic>
+      <p:sp>
+        <p:nvSpPr>
+          <p:cNvPr id="1089" name="TextBox 1055">
+            <a:extLst>
+              <a:ext uri="{FF2B5EF4-FFF2-40B4-BE49-F238E27FC236}">
+                <a16:creationId xmlns:a16="http://schemas.microsoft.com/office/drawing/2014/main" id="{4868779B-3016-D5A7-554F-7FE6AC5A653F}"/>
+              </a:ext>
+            </a:extLst>
+          </p:cNvPr>
+          <p:cNvSpPr txBox="1"/>
+          <p:nvPr/>
+        </p:nvSpPr>
+        <p:spPr>
+          <a:xfrm>
+            <a:off x="507167" y="2968719"/>
+            <a:ext cx="1350809" cy="253916"/>
+          </a:xfrm>
+          <a:prstGeom prst="rect">
+            <a:avLst/>
+          </a:prstGeom>
+          <a:noFill/>
+        </p:spPr>
+        <p:txBody>
+          <a:bodyPr wrap="square" rtlCol="0">
+            <a:spAutoFit/>
+          </a:bodyPr>
+          <a:lstStyle/>
+          <a:p>
+            <a:r>
+              <a:rPr lang="en-US" sz="1050" b="1" noProof="0" dirty="0">
+                <a:solidFill>
+                  <a:schemeClr val="bg1"/>
+                </a:solidFill>
+                <a:latin typeface="Montserrat" panose="00000500000000000000" pitchFamily="2" charset="0"/>
+              </a:rPr>
+              <a:t>Sonic Blaster</a:t>
+            </a:r>
+          </a:p>
+        </p:txBody>
+      </p:sp>
+      <p:pic>
+        <p:nvPicPr>
+          <p:cNvPr id="1090" name="Picture 1056" descr="A purple and white background with text&#10;&#10;AI-generated content may be incorrect.">
+            <a:extLst>
+              <a:ext uri="{FF2B5EF4-FFF2-40B4-BE49-F238E27FC236}">
+                <a16:creationId xmlns:a16="http://schemas.microsoft.com/office/drawing/2014/main" id="{E1F80585-B12D-F81F-BB5F-4DA58C4DCF76}"/>
+              </a:ext>
+            </a:extLst>
+          </p:cNvPr>
+          <p:cNvPicPr>
+            <a:picLocks noChangeAspect="1"/>
+          </p:cNvPicPr>
+          <p:nvPr/>
+        </p:nvPicPr>
+        <p:blipFill>
+          <a:blip r:embed="rId10">
+            <a:extLst>
+              <a:ext uri="{28A0092B-C50C-407E-A947-70E740481C1C}">
+                <a14:useLocalDpi xmlns:a14="http://schemas.microsoft.com/office/drawing/2010/main" val="0"/>
+              </a:ext>
+            </a:extLst>
+          </a:blip>
+          <a:stretch>
+            <a:fillRect/>
+          </a:stretch>
+        </p:blipFill>
+        <p:spPr>
+          <a:xfrm>
+            <a:off x="127028" y="2973267"/>
+            <a:ext cx="380139" cy="380139"/>
+          </a:xfrm>
+          <a:prstGeom prst="roundRect">
+            <a:avLst>
+              <a:gd name="adj" fmla="val 19242"/>
+            </a:avLst>
+          </a:prstGeom>
+        </p:spPr>
+      </p:pic>
+      <p:sp>
+        <p:nvSpPr>
+          <p:cNvPr id="1091" name="TextBox 1057">
+            <a:extLst>
+              <a:ext uri="{FF2B5EF4-FFF2-40B4-BE49-F238E27FC236}">
+                <a16:creationId xmlns:a16="http://schemas.microsoft.com/office/drawing/2014/main" id="{0E280910-6B0C-1D0F-E274-3A4ACA5BA249}"/>
+              </a:ext>
+            </a:extLst>
+          </p:cNvPr>
+          <p:cNvSpPr txBox="1"/>
+          <p:nvPr/>
+        </p:nvSpPr>
+        <p:spPr>
+          <a:xfrm>
+            <a:off x="507167" y="3138379"/>
+            <a:ext cx="637156" cy="215444"/>
+          </a:xfrm>
+          <a:prstGeom prst="rect">
+            <a:avLst/>
+          </a:prstGeom>
+          <a:noFill/>
+        </p:spPr>
+        <p:txBody>
+          <a:bodyPr wrap="square" rtlCol="0">
+            <a:spAutoFit/>
+          </a:bodyPr>
+          <a:lstStyle/>
+          <a:p>
+            <a:r>
+              <a:rPr lang="en-US" sz="800" noProof="0" dirty="0">
+                <a:solidFill>
+                  <a:schemeClr val="bg1"/>
+                </a:solidFill>
+                <a:latin typeface="Montserrat" panose="00000500000000000000" pitchFamily="2" charset="0"/>
+              </a:rPr>
+              <a:t>F-777</a:t>
+            </a:r>
+          </a:p>
+        </p:txBody>
+      </p:sp>
+      <p:sp>
+        <p:nvSpPr>
+          <p:cNvPr id="1092" name="TextBox 1058">
+            <a:extLst>
+              <a:ext uri="{FF2B5EF4-FFF2-40B4-BE49-F238E27FC236}">
+                <a16:creationId xmlns:a16="http://schemas.microsoft.com/office/drawing/2014/main" id="{5BE29471-FF7C-E146-444A-69D974A342D6}"/>
+              </a:ext>
+            </a:extLst>
+          </p:cNvPr>
+          <p:cNvSpPr txBox="1"/>
+          <p:nvPr/>
+        </p:nvSpPr>
+        <p:spPr>
+          <a:xfrm>
+            <a:off x="2150105" y="3016595"/>
+            <a:ext cx="584911" cy="230832"/>
+          </a:xfrm>
+          <a:prstGeom prst="rect">
+            <a:avLst/>
+          </a:prstGeom>
+          <a:noFill/>
+        </p:spPr>
+        <p:txBody>
+          <a:bodyPr wrap="square" rtlCol="0">
+            <a:spAutoFit/>
+          </a:bodyPr>
+          <a:lstStyle/>
+          <a:p>
+            <a:r>
+              <a:rPr lang="en-US" sz="800" noProof="0" dirty="0">
+                <a:solidFill>
+                  <a:schemeClr val="bg1"/>
+                </a:solidFill>
+                <a:latin typeface="Montserrat" panose="00000500000000000000" pitchFamily="2" charset="0"/>
+              </a:rPr>
+              <a:t> </a:t>
+            </a:r>
+            <a:r>
+              <a:rPr lang="en-US" sz="900" noProof="0" dirty="0">
+                <a:solidFill>
+                  <a:schemeClr val="bg1"/>
+                </a:solidFill>
+                <a:latin typeface="Montserrat" panose="00000500000000000000" pitchFamily="2" charset="0"/>
+              </a:rPr>
+              <a:t>3:02</a:t>
+            </a:r>
+          </a:p>
+        </p:txBody>
+      </p:sp>
+      <p:pic>
+        <p:nvPicPr>
+          <p:cNvPr id="1093" name="Picture 2">
+            <a:extLst>
+              <a:ext uri="{FF2B5EF4-FFF2-40B4-BE49-F238E27FC236}">
+                <a16:creationId xmlns:a16="http://schemas.microsoft.com/office/drawing/2014/main" id="{BAD8733E-2F0A-EC1B-4A72-F6F10B77FA8D}"/>
+              </a:ext>
+            </a:extLst>
+          </p:cNvPr>
+          <p:cNvPicPr>
+            <a:picLocks noChangeAspect="1" noChangeArrowheads="1"/>
+          </p:cNvPicPr>
+          <p:nvPr/>
+        </p:nvPicPr>
+        <p:blipFill>
+          <a:blip r:embed="rId11">
+            <a:extLst>
+              <a:ext uri="{28A0092B-C50C-407E-A947-70E740481C1C}">
+                <a14:useLocalDpi xmlns:a14="http://schemas.microsoft.com/office/drawing/2010/main" val="0"/>
+              </a:ext>
+            </a:extLst>
+          </a:blip>
+          <a:srcRect/>
+          <a:stretch>
+            <a:fillRect/>
+          </a:stretch>
+        </p:blipFill>
+        <p:spPr bwMode="auto">
+          <a:xfrm>
+            <a:off x="2743985" y="3012379"/>
+            <a:ext cx="252000" cy="252000"/>
+          </a:xfrm>
+          <a:prstGeom prst="rect">
+            <a:avLst/>
+          </a:prstGeom>
+          <a:noFill/>
+          <a:extLst>
+            <a:ext uri="{909E8E84-426E-40DD-AFC4-6F175D3DCCD1}">
+              <a14:hiddenFill xmlns:a14="http://schemas.microsoft.com/office/drawing/2010/main">
+                <a:solidFill>
+                  <a:srgbClr val="FFFFFF"/>
+                </a:solidFill>
+              </a14:hiddenFill>
+            </a:ext>
+          </a:extLst>
+        </p:spPr>
+      </p:pic>
+      <p:sp>
+        <p:nvSpPr>
+          <p:cNvPr id="1094" name="TextBox 1055">
+            <a:extLst>
+              <a:ext uri="{FF2B5EF4-FFF2-40B4-BE49-F238E27FC236}">
+                <a16:creationId xmlns:a16="http://schemas.microsoft.com/office/drawing/2014/main" id="{22C529D9-74E8-A8AF-5023-84BBEB3A1331}"/>
+              </a:ext>
+            </a:extLst>
+          </p:cNvPr>
+          <p:cNvSpPr txBox="1"/>
+          <p:nvPr/>
+        </p:nvSpPr>
+        <p:spPr>
+          <a:xfrm>
+            <a:off x="504702" y="3451167"/>
+            <a:ext cx="1350809" cy="253916"/>
+          </a:xfrm>
+          <a:prstGeom prst="rect">
+            <a:avLst/>
+          </a:prstGeom>
+          <a:noFill/>
+        </p:spPr>
+        <p:txBody>
+          <a:bodyPr wrap="square" rtlCol="0">
+            <a:spAutoFit/>
+          </a:bodyPr>
+          <a:lstStyle/>
+          <a:p>
+            <a:r>
+              <a:rPr lang="en-US" sz="1050" b="1" noProof="0" dirty="0">
+                <a:solidFill>
+                  <a:schemeClr val="bg1"/>
+                </a:solidFill>
+                <a:latin typeface="Montserrat" panose="00000500000000000000" pitchFamily="2" charset="0"/>
+              </a:rPr>
+              <a:t>Sonic Blaster</a:t>
+            </a:r>
+          </a:p>
+        </p:txBody>
+      </p:sp>
+      <p:pic>
+        <p:nvPicPr>
+          <p:cNvPr id="1095" name="Picture 1056" descr="A purple and white background with text&#10;&#10;AI-generated content may be incorrect.">
+            <a:extLst>
+              <a:ext uri="{FF2B5EF4-FFF2-40B4-BE49-F238E27FC236}">
+                <a16:creationId xmlns:a16="http://schemas.microsoft.com/office/drawing/2014/main" id="{E168EC07-4B7B-8A6A-15F9-8AA123C14819}"/>
+              </a:ext>
+            </a:extLst>
+          </p:cNvPr>
+          <p:cNvPicPr>
+            <a:picLocks noChangeAspect="1"/>
+          </p:cNvPicPr>
+          <p:nvPr/>
+        </p:nvPicPr>
+        <p:blipFill>
+          <a:blip r:embed="rId10">
+            <a:extLst>
+              <a:ext uri="{28A0092B-C50C-407E-A947-70E740481C1C}">
+                <a14:useLocalDpi xmlns:a14="http://schemas.microsoft.com/office/drawing/2010/main" val="0"/>
+              </a:ext>
+            </a:extLst>
+          </a:blip>
+          <a:stretch>
+            <a:fillRect/>
+          </a:stretch>
+        </p:blipFill>
+        <p:spPr>
+          <a:xfrm>
+            <a:off x="124563" y="3455715"/>
+            <a:ext cx="380139" cy="380139"/>
+          </a:xfrm>
+          <a:prstGeom prst="roundRect">
+            <a:avLst>
+              <a:gd name="adj" fmla="val 19242"/>
+            </a:avLst>
+          </a:prstGeom>
+        </p:spPr>
+      </p:pic>
+      <p:sp>
+        <p:nvSpPr>
+          <p:cNvPr id="1096" name="TextBox 1057">
+            <a:extLst>
+              <a:ext uri="{FF2B5EF4-FFF2-40B4-BE49-F238E27FC236}">
+                <a16:creationId xmlns:a16="http://schemas.microsoft.com/office/drawing/2014/main" id="{4EC14993-C33D-97DD-B617-646BB0716E82}"/>
+              </a:ext>
+            </a:extLst>
+          </p:cNvPr>
+          <p:cNvSpPr txBox="1"/>
+          <p:nvPr/>
+        </p:nvSpPr>
+        <p:spPr>
+          <a:xfrm>
+            <a:off x="504702" y="3620827"/>
+            <a:ext cx="637156" cy="215444"/>
+          </a:xfrm>
+          <a:prstGeom prst="rect">
+            <a:avLst/>
+          </a:prstGeom>
+          <a:noFill/>
+        </p:spPr>
+        <p:txBody>
+          <a:bodyPr wrap="square" rtlCol="0">
+            <a:spAutoFit/>
+          </a:bodyPr>
+          <a:lstStyle/>
+          <a:p>
+            <a:r>
+              <a:rPr lang="en-US" sz="800" noProof="0" dirty="0">
+                <a:solidFill>
+                  <a:schemeClr val="bg1"/>
+                </a:solidFill>
+                <a:latin typeface="Montserrat" panose="00000500000000000000" pitchFamily="2" charset="0"/>
+              </a:rPr>
+              <a:t>F-777</a:t>
+            </a:r>
+          </a:p>
+        </p:txBody>
+      </p:sp>
+      <p:sp>
+        <p:nvSpPr>
+          <p:cNvPr id="1097" name="TextBox 1058">
+            <a:extLst>
+              <a:ext uri="{FF2B5EF4-FFF2-40B4-BE49-F238E27FC236}">
+                <a16:creationId xmlns:a16="http://schemas.microsoft.com/office/drawing/2014/main" id="{9C889037-9DA3-8B40-4C77-C04F79BCC096}"/>
+              </a:ext>
+            </a:extLst>
+          </p:cNvPr>
+          <p:cNvSpPr txBox="1"/>
+          <p:nvPr/>
+        </p:nvSpPr>
+        <p:spPr>
+          <a:xfrm>
+            <a:off x="2147640" y="3499043"/>
+            <a:ext cx="584911" cy="230832"/>
+          </a:xfrm>
+          <a:prstGeom prst="rect">
+            <a:avLst/>
+          </a:prstGeom>
+          <a:noFill/>
+        </p:spPr>
+        <p:txBody>
+          <a:bodyPr wrap="square" rtlCol="0">
+            <a:spAutoFit/>
+          </a:bodyPr>
+          <a:lstStyle/>
+          <a:p>
+            <a:r>
+              <a:rPr lang="en-US" sz="800" noProof="0" dirty="0">
+                <a:solidFill>
+                  <a:schemeClr val="bg1"/>
+                </a:solidFill>
+                <a:latin typeface="Montserrat" panose="00000500000000000000" pitchFamily="2" charset="0"/>
+              </a:rPr>
+              <a:t> </a:t>
+            </a:r>
+            <a:r>
+              <a:rPr lang="en-US" sz="900" noProof="0" dirty="0">
+                <a:solidFill>
+                  <a:schemeClr val="bg1"/>
+                </a:solidFill>
+                <a:latin typeface="Montserrat" panose="00000500000000000000" pitchFamily="2" charset="0"/>
+              </a:rPr>
+              <a:t>3:02</a:t>
+            </a:r>
+          </a:p>
+        </p:txBody>
+      </p:sp>
+      <p:pic>
+        <p:nvPicPr>
+          <p:cNvPr id="1098" name="Picture 2">
+            <a:extLst>
+              <a:ext uri="{FF2B5EF4-FFF2-40B4-BE49-F238E27FC236}">
+                <a16:creationId xmlns:a16="http://schemas.microsoft.com/office/drawing/2014/main" id="{F4673D4F-D689-09D9-55A2-CA37D36B6416}"/>
+              </a:ext>
+            </a:extLst>
+          </p:cNvPr>
+          <p:cNvPicPr>
+            <a:picLocks noChangeAspect="1" noChangeArrowheads="1"/>
+          </p:cNvPicPr>
+          <p:nvPr/>
+        </p:nvPicPr>
+        <p:blipFill>
+          <a:blip r:embed="rId11">
+            <a:extLst>
+              <a:ext uri="{28A0092B-C50C-407E-A947-70E740481C1C}">
+                <a14:useLocalDpi xmlns:a14="http://schemas.microsoft.com/office/drawing/2010/main" val="0"/>
+              </a:ext>
+            </a:extLst>
+          </a:blip>
+          <a:srcRect/>
+          <a:stretch>
+            <a:fillRect/>
+          </a:stretch>
+        </p:blipFill>
+        <p:spPr bwMode="auto">
+          <a:xfrm>
+            <a:off x="2741520" y="3494827"/>
+            <a:ext cx="252000" cy="252000"/>
+          </a:xfrm>
+          <a:prstGeom prst="rect">
+            <a:avLst/>
+          </a:prstGeom>
+          <a:noFill/>
+          <a:extLst>
+            <a:ext uri="{909E8E84-426E-40DD-AFC4-6F175D3DCCD1}">
+              <a14:hiddenFill xmlns:a14="http://schemas.microsoft.com/office/drawing/2010/main">
+                <a:solidFill>
+                  <a:srgbClr val="FFFFFF"/>
+                </a:solidFill>
+              </a14:hiddenFill>
+            </a:ext>
+          </a:extLst>
+        </p:spPr>
+      </p:pic>
+      <p:sp>
+        <p:nvSpPr>
+          <p:cNvPr id="1099" name="TextBox 1055">
+            <a:extLst>
+              <a:ext uri="{FF2B5EF4-FFF2-40B4-BE49-F238E27FC236}">
+                <a16:creationId xmlns:a16="http://schemas.microsoft.com/office/drawing/2014/main" id="{79EC258D-5EB6-C84D-4DD8-1C19BDD0B3A0}"/>
+              </a:ext>
+            </a:extLst>
+          </p:cNvPr>
+          <p:cNvSpPr txBox="1"/>
+          <p:nvPr/>
+        </p:nvSpPr>
+        <p:spPr>
+          <a:xfrm>
+            <a:off x="515525" y="3931859"/>
+            <a:ext cx="1350809" cy="253916"/>
+          </a:xfrm>
+          <a:prstGeom prst="rect">
+            <a:avLst/>
+          </a:prstGeom>
+          <a:noFill/>
+        </p:spPr>
+        <p:txBody>
+          <a:bodyPr wrap="square" rtlCol="0">
+            <a:spAutoFit/>
+          </a:bodyPr>
+          <a:lstStyle/>
+          <a:p>
+            <a:r>
+              <a:rPr lang="en-US" sz="1050" b="1" noProof="0" dirty="0">
+                <a:solidFill>
+                  <a:schemeClr val="bg1"/>
+                </a:solidFill>
+                <a:latin typeface="Montserrat" panose="00000500000000000000" pitchFamily="2" charset="0"/>
+              </a:rPr>
+              <a:t>Sonic Blaster</a:t>
+            </a:r>
+          </a:p>
+        </p:txBody>
+      </p:sp>
+      <p:pic>
+        <p:nvPicPr>
+          <p:cNvPr id="1100" name="Picture 1056" descr="A purple and white background with text&#10;&#10;AI-generated content may be incorrect.">
+            <a:extLst>
+              <a:ext uri="{FF2B5EF4-FFF2-40B4-BE49-F238E27FC236}">
+                <a16:creationId xmlns:a16="http://schemas.microsoft.com/office/drawing/2014/main" id="{66BA104A-64B8-FFF9-5D69-4D1439F9B533}"/>
+              </a:ext>
+            </a:extLst>
+          </p:cNvPr>
+          <p:cNvPicPr>
+            <a:picLocks noChangeAspect="1"/>
+          </p:cNvPicPr>
+          <p:nvPr/>
+        </p:nvPicPr>
+        <p:blipFill>
+          <a:blip r:embed="rId10">
+            <a:extLst>
+              <a:ext uri="{28A0092B-C50C-407E-A947-70E740481C1C}">
+                <a14:useLocalDpi xmlns:a14="http://schemas.microsoft.com/office/drawing/2010/main" val="0"/>
+              </a:ext>
+            </a:extLst>
+          </a:blip>
+          <a:stretch>
+            <a:fillRect/>
+          </a:stretch>
+        </p:blipFill>
+        <p:spPr>
+          <a:xfrm>
+            <a:off x="135386" y="3936407"/>
+            <a:ext cx="380139" cy="380139"/>
+          </a:xfrm>
+          <a:prstGeom prst="roundRect">
+            <a:avLst>
+              <a:gd name="adj" fmla="val 19242"/>
+            </a:avLst>
+          </a:prstGeom>
+        </p:spPr>
+      </p:pic>
+      <p:sp>
+        <p:nvSpPr>
+          <p:cNvPr id="1101" name="TextBox 1057">
+            <a:extLst>
+              <a:ext uri="{FF2B5EF4-FFF2-40B4-BE49-F238E27FC236}">
+                <a16:creationId xmlns:a16="http://schemas.microsoft.com/office/drawing/2014/main" id="{812B9336-B045-0251-00EF-3781AD5B8633}"/>
+              </a:ext>
+            </a:extLst>
+          </p:cNvPr>
+          <p:cNvSpPr txBox="1"/>
+          <p:nvPr/>
+        </p:nvSpPr>
+        <p:spPr>
+          <a:xfrm>
+            <a:off x="515525" y="4101519"/>
+            <a:ext cx="637156" cy="215444"/>
+          </a:xfrm>
+          <a:prstGeom prst="rect">
+            <a:avLst/>
+          </a:prstGeom>
+          <a:noFill/>
+        </p:spPr>
+        <p:txBody>
+          <a:bodyPr wrap="square" rtlCol="0">
+            <a:spAutoFit/>
+          </a:bodyPr>
+          <a:lstStyle/>
+          <a:p>
+            <a:r>
+              <a:rPr lang="en-US" sz="800" noProof="0" dirty="0">
+                <a:solidFill>
+                  <a:schemeClr val="bg1"/>
+                </a:solidFill>
+                <a:latin typeface="Montserrat" panose="00000500000000000000" pitchFamily="2" charset="0"/>
+              </a:rPr>
+              <a:t>F-777</a:t>
+            </a:r>
+          </a:p>
+        </p:txBody>
+      </p:sp>
+      <p:sp>
+        <p:nvSpPr>
+          <p:cNvPr id="1102" name="TextBox 1058">
+            <a:extLst>
+              <a:ext uri="{FF2B5EF4-FFF2-40B4-BE49-F238E27FC236}">
+                <a16:creationId xmlns:a16="http://schemas.microsoft.com/office/drawing/2014/main" id="{79CDE84A-FAD1-4016-C649-D279576A0994}"/>
+              </a:ext>
+            </a:extLst>
+          </p:cNvPr>
+          <p:cNvSpPr txBox="1"/>
+          <p:nvPr/>
+        </p:nvSpPr>
+        <p:spPr>
+          <a:xfrm>
+            <a:off x="2158463" y="3979735"/>
+            <a:ext cx="584911" cy="230832"/>
+          </a:xfrm>
+          <a:prstGeom prst="rect">
+            <a:avLst/>
+          </a:prstGeom>
+          <a:noFill/>
+        </p:spPr>
+        <p:txBody>
+          <a:bodyPr wrap="square" rtlCol="0">
+            <a:spAutoFit/>
+          </a:bodyPr>
+          <a:lstStyle/>
+          <a:p>
+            <a:r>
+              <a:rPr lang="en-US" sz="800" noProof="0" dirty="0">
+                <a:solidFill>
+                  <a:schemeClr val="bg1"/>
+                </a:solidFill>
+                <a:latin typeface="Montserrat" panose="00000500000000000000" pitchFamily="2" charset="0"/>
+              </a:rPr>
+              <a:t> </a:t>
+            </a:r>
+            <a:r>
+              <a:rPr lang="en-US" sz="900" noProof="0" dirty="0">
+                <a:solidFill>
+                  <a:schemeClr val="bg1"/>
+                </a:solidFill>
+                <a:latin typeface="Montserrat" panose="00000500000000000000" pitchFamily="2" charset="0"/>
+              </a:rPr>
+              <a:t>3:02</a:t>
+            </a:r>
+          </a:p>
+        </p:txBody>
+      </p:sp>
+      <p:pic>
+        <p:nvPicPr>
+          <p:cNvPr id="1103" name="Picture 2">
+            <a:extLst>
+              <a:ext uri="{FF2B5EF4-FFF2-40B4-BE49-F238E27FC236}">
+                <a16:creationId xmlns:a16="http://schemas.microsoft.com/office/drawing/2014/main" id="{C368206C-6549-25AC-EC22-5F5CC47B27DB}"/>
+              </a:ext>
+            </a:extLst>
+          </p:cNvPr>
+          <p:cNvPicPr>
+            <a:picLocks noChangeAspect="1" noChangeArrowheads="1"/>
+          </p:cNvPicPr>
+          <p:nvPr/>
+        </p:nvPicPr>
+        <p:blipFill>
+          <a:blip r:embed="rId11">
+            <a:extLst>
+              <a:ext uri="{28A0092B-C50C-407E-A947-70E740481C1C}">
+                <a14:useLocalDpi xmlns:a14="http://schemas.microsoft.com/office/drawing/2010/main" val="0"/>
+              </a:ext>
+            </a:extLst>
+          </a:blip>
+          <a:srcRect/>
+          <a:stretch>
+            <a:fillRect/>
+          </a:stretch>
+        </p:blipFill>
+        <p:spPr bwMode="auto">
+          <a:xfrm>
+            <a:off x="2752343" y="3975519"/>
+            <a:ext cx="252000" cy="252000"/>
+          </a:xfrm>
+          <a:prstGeom prst="rect">
+            <a:avLst/>
+          </a:prstGeom>
+          <a:noFill/>
+          <a:extLst>
+            <a:ext uri="{909E8E84-426E-40DD-AFC4-6F175D3DCCD1}">
+              <a14:hiddenFill xmlns:a14="http://schemas.microsoft.com/office/drawing/2010/main">
+                <a:solidFill>
+                  <a:srgbClr val="FFFFFF"/>
+                </a:solidFill>
+              </a14:hiddenFill>
+            </a:ext>
+          </a:extLst>
+        </p:spPr>
+      </p:pic>
+      <p:sp>
+        <p:nvSpPr>
+          <p:cNvPr id="1104" name="TextBox 1055">
+            <a:extLst>
+              <a:ext uri="{FF2B5EF4-FFF2-40B4-BE49-F238E27FC236}">
+                <a16:creationId xmlns:a16="http://schemas.microsoft.com/office/drawing/2014/main" id="{38E0652A-4755-AC7C-0309-93980F6A0D48}"/>
+              </a:ext>
+            </a:extLst>
+          </p:cNvPr>
+          <p:cNvSpPr txBox="1"/>
+          <p:nvPr/>
+        </p:nvSpPr>
+        <p:spPr>
+          <a:xfrm>
+            <a:off x="517757" y="4411617"/>
+            <a:ext cx="1350809" cy="253916"/>
+          </a:xfrm>
+          <a:prstGeom prst="rect">
+            <a:avLst/>
+          </a:prstGeom>
+          <a:noFill/>
+        </p:spPr>
+        <p:txBody>
+          <a:bodyPr wrap="square" rtlCol="0">
+            <a:spAutoFit/>
+          </a:bodyPr>
+          <a:lstStyle/>
+          <a:p>
+            <a:r>
+              <a:rPr lang="en-US" sz="1050" b="1" noProof="0" dirty="0">
+                <a:solidFill>
+                  <a:schemeClr val="bg1"/>
+                </a:solidFill>
+                <a:latin typeface="Montserrat" panose="00000500000000000000" pitchFamily="2" charset="0"/>
+              </a:rPr>
+              <a:t>Sonic Blaster</a:t>
+            </a:r>
+          </a:p>
+        </p:txBody>
+      </p:sp>
+      <p:pic>
+        <p:nvPicPr>
+          <p:cNvPr id="1105" name="Picture 1056" descr="A purple and white background with text&#10;&#10;AI-generated content may be incorrect.">
+            <a:extLst>
+              <a:ext uri="{FF2B5EF4-FFF2-40B4-BE49-F238E27FC236}">
+                <a16:creationId xmlns:a16="http://schemas.microsoft.com/office/drawing/2014/main" id="{DC2E8EA9-CCD6-05FE-0B2B-9BD8BCFD09A3}"/>
+              </a:ext>
+            </a:extLst>
+          </p:cNvPr>
+          <p:cNvPicPr>
+            <a:picLocks noChangeAspect="1"/>
+          </p:cNvPicPr>
+          <p:nvPr/>
+        </p:nvPicPr>
+        <p:blipFill>
+          <a:blip r:embed="rId10">
+            <a:extLst>
+              <a:ext uri="{28A0092B-C50C-407E-A947-70E740481C1C}">
+                <a14:useLocalDpi xmlns:a14="http://schemas.microsoft.com/office/drawing/2010/main" val="0"/>
+              </a:ext>
+            </a:extLst>
+          </a:blip>
+          <a:stretch>
+            <a:fillRect/>
+          </a:stretch>
+        </p:blipFill>
+        <p:spPr>
+          <a:xfrm>
+            <a:off x="137618" y="4416165"/>
+            <a:ext cx="380139" cy="380139"/>
+          </a:xfrm>
+          <a:prstGeom prst="roundRect">
+            <a:avLst>
+              <a:gd name="adj" fmla="val 19242"/>
+            </a:avLst>
+          </a:prstGeom>
+        </p:spPr>
+      </p:pic>
+      <p:sp>
+        <p:nvSpPr>
+          <p:cNvPr id="1106" name="TextBox 1057">
+            <a:extLst>
+              <a:ext uri="{FF2B5EF4-FFF2-40B4-BE49-F238E27FC236}">
+                <a16:creationId xmlns:a16="http://schemas.microsoft.com/office/drawing/2014/main" id="{7379A02E-2058-2310-9D71-D8361C98BC52}"/>
+              </a:ext>
+            </a:extLst>
+          </p:cNvPr>
+          <p:cNvSpPr txBox="1"/>
+          <p:nvPr/>
+        </p:nvSpPr>
+        <p:spPr>
+          <a:xfrm>
+            <a:off x="517757" y="4581277"/>
+            <a:ext cx="637156" cy="215444"/>
+          </a:xfrm>
+          <a:prstGeom prst="rect">
+            <a:avLst/>
+          </a:prstGeom>
+          <a:noFill/>
+        </p:spPr>
+        <p:txBody>
+          <a:bodyPr wrap="square" rtlCol="0">
+            <a:spAutoFit/>
+          </a:bodyPr>
+          <a:lstStyle/>
+          <a:p>
+            <a:r>
+              <a:rPr lang="en-US" sz="800" noProof="0" dirty="0">
+                <a:solidFill>
+                  <a:schemeClr val="bg1"/>
+                </a:solidFill>
+                <a:latin typeface="Montserrat" panose="00000500000000000000" pitchFamily="2" charset="0"/>
+              </a:rPr>
+              <a:t>F-777</a:t>
+            </a:r>
+          </a:p>
+        </p:txBody>
+      </p:sp>
+      <p:sp>
+        <p:nvSpPr>
+          <p:cNvPr id="1107" name="TextBox 1058">
+            <a:extLst>
+              <a:ext uri="{FF2B5EF4-FFF2-40B4-BE49-F238E27FC236}">
+                <a16:creationId xmlns:a16="http://schemas.microsoft.com/office/drawing/2014/main" id="{DAD1F69C-92CA-357D-2EC6-601AACCA2C43}"/>
+              </a:ext>
+            </a:extLst>
+          </p:cNvPr>
+          <p:cNvSpPr txBox="1"/>
+          <p:nvPr/>
+        </p:nvSpPr>
+        <p:spPr>
+          <a:xfrm>
+            <a:off x="2160695" y="4459493"/>
+            <a:ext cx="584911" cy="230832"/>
+          </a:xfrm>
+          <a:prstGeom prst="rect">
+            <a:avLst/>
+          </a:prstGeom>
+          <a:noFill/>
+        </p:spPr>
+        <p:txBody>
+          <a:bodyPr wrap="square" rtlCol="0">
+            <a:spAutoFit/>
+          </a:bodyPr>
+          <a:lstStyle/>
+          <a:p>
+            <a:r>
+              <a:rPr lang="en-US" sz="800" noProof="0" dirty="0">
+                <a:solidFill>
+                  <a:schemeClr val="bg1"/>
+                </a:solidFill>
+                <a:latin typeface="Montserrat" panose="00000500000000000000" pitchFamily="2" charset="0"/>
+              </a:rPr>
+              <a:t> </a:t>
+            </a:r>
+            <a:r>
+              <a:rPr lang="en-US" sz="900" noProof="0" dirty="0">
+                <a:solidFill>
+                  <a:schemeClr val="bg1"/>
+                </a:solidFill>
+                <a:latin typeface="Montserrat" panose="00000500000000000000" pitchFamily="2" charset="0"/>
+              </a:rPr>
+              <a:t>3:02</a:t>
+            </a:r>
+          </a:p>
+        </p:txBody>
+      </p:sp>
+      <p:pic>
+        <p:nvPicPr>
+          <p:cNvPr id="1108" name="Picture 2">
+            <a:extLst>
+              <a:ext uri="{FF2B5EF4-FFF2-40B4-BE49-F238E27FC236}">
+                <a16:creationId xmlns:a16="http://schemas.microsoft.com/office/drawing/2014/main" id="{01D00A70-854B-5436-C821-5C0BB8D2C90E}"/>
+              </a:ext>
+            </a:extLst>
+          </p:cNvPr>
+          <p:cNvPicPr>
+            <a:picLocks noChangeAspect="1" noChangeArrowheads="1"/>
+          </p:cNvPicPr>
+          <p:nvPr/>
+        </p:nvPicPr>
+        <p:blipFill>
+          <a:blip r:embed="rId11">
+            <a:extLst>
+              <a:ext uri="{28A0092B-C50C-407E-A947-70E740481C1C}">
+                <a14:useLocalDpi xmlns:a14="http://schemas.microsoft.com/office/drawing/2010/main" val="0"/>
+              </a:ext>
+            </a:extLst>
+          </a:blip>
+          <a:srcRect/>
+          <a:stretch>
+            <a:fillRect/>
+          </a:stretch>
+        </p:blipFill>
+        <p:spPr bwMode="auto">
+          <a:xfrm>
+            <a:off x="2754575" y="4455277"/>
+            <a:ext cx="252000" cy="252000"/>
+          </a:xfrm>
+          <a:prstGeom prst="rect">
+            <a:avLst/>
+          </a:prstGeom>
+          <a:noFill/>
+          <a:extLst>
+            <a:ext uri="{909E8E84-426E-40DD-AFC4-6F175D3DCCD1}">
+              <a14:hiddenFill xmlns:a14="http://schemas.microsoft.com/office/drawing/2010/main">
+                <a:solidFill>
+                  <a:srgbClr val="FFFFFF"/>
+                </a:solidFill>
+              </a14:hiddenFill>
+            </a:ext>
+          </a:extLst>
+        </p:spPr>
+      </p:pic>
+      <p:sp>
+        <p:nvSpPr>
+          <p:cNvPr id="1109" name="TextBox 1055">
+            <a:extLst>
+              <a:ext uri="{FF2B5EF4-FFF2-40B4-BE49-F238E27FC236}">
+                <a16:creationId xmlns:a16="http://schemas.microsoft.com/office/drawing/2014/main" id="{822D6499-F72C-7C55-8CD2-F9F2003FD4F4}"/>
+              </a:ext>
+            </a:extLst>
+          </p:cNvPr>
+          <p:cNvSpPr txBox="1"/>
+          <p:nvPr/>
+        </p:nvSpPr>
+        <p:spPr>
+          <a:xfrm>
+            <a:off x="528580" y="4892309"/>
+            <a:ext cx="1350809" cy="253916"/>
+          </a:xfrm>
+          <a:prstGeom prst="rect">
+            <a:avLst/>
+          </a:prstGeom>
+          <a:noFill/>
+        </p:spPr>
+        <p:txBody>
+          <a:bodyPr wrap="square" rtlCol="0">
+            <a:spAutoFit/>
+          </a:bodyPr>
+          <a:lstStyle/>
+          <a:p>
+            <a:r>
+              <a:rPr lang="en-US" sz="1050" b="1" noProof="0" dirty="0">
+                <a:solidFill>
+                  <a:schemeClr val="bg1"/>
+                </a:solidFill>
+                <a:latin typeface="Montserrat" panose="00000500000000000000" pitchFamily="2" charset="0"/>
+              </a:rPr>
+              <a:t>Sonic Blaster</a:t>
+            </a:r>
+          </a:p>
+        </p:txBody>
+      </p:sp>
+      <p:pic>
+        <p:nvPicPr>
+          <p:cNvPr id="1110" name="Picture 1056" descr="A purple and white background with text&#10;&#10;AI-generated content may be incorrect.">
+            <a:extLst>
+              <a:ext uri="{FF2B5EF4-FFF2-40B4-BE49-F238E27FC236}">
+                <a16:creationId xmlns:a16="http://schemas.microsoft.com/office/drawing/2014/main" id="{BD0BB128-DD32-EC81-9ED4-30CDD9620114}"/>
+              </a:ext>
+            </a:extLst>
+          </p:cNvPr>
+          <p:cNvPicPr>
+            <a:picLocks noChangeAspect="1"/>
+          </p:cNvPicPr>
+          <p:nvPr/>
+        </p:nvPicPr>
+        <p:blipFill>
+          <a:blip r:embed="rId10">
+            <a:extLst>
+              <a:ext uri="{28A0092B-C50C-407E-A947-70E740481C1C}">
+                <a14:useLocalDpi xmlns:a14="http://schemas.microsoft.com/office/drawing/2010/main" val="0"/>
+              </a:ext>
+            </a:extLst>
+          </a:blip>
+          <a:stretch>
+            <a:fillRect/>
+          </a:stretch>
+        </p:blipFill>
+        <p:spPr>
+          <a:xfrm>
+            <a:off x="148441" y="4896857"/>
+            <a:ext cx="380139" cy="380139"/>
+          </a:xfrm>
+          <a:prstGeom prst="roundRect">
+            <a:avLst>
+              <a:gd name="adj" fmla="val 19242"/>
+            </a:avLst>
+          </a:prstGeom>
+        </p:spPr>
+      </p:pic>
+      <p:sp>
+        <p:nvSpPr>
+          <p:cNvPr id="1111" name="TextBox 1057">
+            <a:extLst>
+              <a:ext uri="{FF2B5EF4-FFF2-40B4-BE49-F238E27FC236}">
+                <a16:creationId xmlns:a16="http://schemas.microsoft.com/office/drawing/2014/main" id="{F799020E-58FF-66FD-48A0-0EDA8FF81D9A}"/>
+              </a:ext>
+            </a:extLst>
+          </p:cNvPr>
+          <p:cNvSpPr txBox="1"/>
+          <p:nvPr/>
+        </p:nvSpPr>
+        <p:spPr>
+          <a:xfrm>
+            <a:off x="528580" y="5061969"/>
+            <a:ext cx="637156" cy="215444"/>
+          </a:xfrm>
+          <a:prstGeom prst="rect">
+            <a:avLst/>
+          </a:prstGeom>
+          <a:noFill/>
+        </p:spPr>
+        <p:txBody>
+          <a:bodyPr wrap="square" rtlCol="0">
+            <a:spAutoFit/>
+          </a:bodyPr>
+          <a:lstStyle/>
+          <a:p>
+            <a:r>
+              <a:rPr lang="en-US" sz="800" noProof="0" dirty="0">
+                <a:solidFill>
+                  <a:schemeClr val="bg1"/>
+                </a:solidFill>
+                <a:latin typeface="Montserrat" panose="00000500000000000000" pitchFamily="2" charset="0"/>
+              </a:rPr>
+              <a:t>F-777</a:t>
+            </a:r>
+          </a:p>
+        </p:txBody>
+      </p:sp>
+      <p:sp>
+        <p:nvSpPr>
+          <p:cNvPr id="1112" name="TextBox 1058">
+            <a:extLst>
+              <a:ext uri="{FF2B5EF4-FFF2-40B4-BE49-F238E27FC236}">
+                <a16:creationId xmlns:a16="http://schemas.microsoft.com/office/drawing/2014/main" id="{C7F2F404-E3D1-E824-87F6-268CEE26614B}"/>
+              </a:ext>
+            </a:extLst>
+          </p:cNvPr>
+          <p:cNvSpPr txBox="1"/>
+          <p:nvPr/>
+        </p:nvSpPr>
+        <p:spPr>
+          <a:xfrm>
+            <a:off x="2171518" y="4940185"/>
+            <a:ext cx="584911" cy="230832"/>
+          </a:xfrm>
+          <a:prstGeom prst="rect">
+            <a:avLst/>
+          </a:prstGeom>
+          <a:noFill/>
+        </p:spPr>
+        <p:txBody>
+          <a:bodyPr wrap="square" rtlCol="0">
+            <a:spAutoFit/>
+          </a:bodyPr>
+          <a:lstStyle/>
+          <a:p>
+            <a:r>
+              <a:rPr lang="en-US" sz="800" noProof="0" dirty="0">
+                <a:solidFill>
+                  <a:schemeClr val="bg1"/>
+                </a:solidFill>
+                <a:latin typeface="Montserrat" panose="00000500000000000000" pitchFamily="2" charset="0"/>
+              </a:rPr>
+              <a:t> </a:t>
+            </a:r>
+            <a:r>
+              <a:rPr lang="en-US" sz="900" noProof="0" dirty="0">
+                <a:solidFill>
+                  <a:schemeClr val="bg1"/>
+                </a:solidFill>
+                <a:latin typeface="Montserrat" panose="00000500000000000000" pitchFamily="2" charset="0"/>
+              </a:rPr>
+              <a:t>3:02</a:t>
+            </a:r>
+          </a:p>
+        </p:txBody>
+      </p:sp>
+      <p:pic>
+        <p:nvPicPr>
+          <p:cNvPr id="1113" name="Picture 2">
+            <a:extLst>
+              <a:ext uri="{FF2B5EF4-FFF2-40B4-BE49-F238E27FC236}">
+                <a16:creationId xmlns:a16="http://schemas.microsoft.com/office/drawing/2014/main" id="{73A77532-ED6F-FF50-6987-AAA129242EA8}"/>
+              </a:ext>
+            </a:extLst>
+          </p:cNvPr>
+          <p:cNvPicPr>
+            <a:picLocks noChangeAspect="1" noChangeArrowheads="1"/>
+          </p:cNvPicPr>
+          <p:nvPr/>
+        </p:nvPicPr>
+        <p:blipFill>
+          <a:blip r:embed="rId11">
+            <a:extLst>
+              <a:ext uri="{28A0092B-C50C-407E-A947-70E740481C1C}">
+                <a14:useLocalDpi xmlns:a14="http://schemas.microsoft.com/office/drawing/2010/main" val="0"/>
+              </a:ext>
+            </a:extLst>
+          </a:blip>
+          <a:srcRect/>
+          <a:stretch>
+            <a:fillRect/>
+          </a:stretch>
+        </p:blipFill>
+        <p:spPr bwMode="auto">
+          <a:xfrm>
+            <a:off x="2765398" y="4935969"/>
+            <a:ext cx="252000" cy="252000"/>
+          </a:xfrm>
+          <a:prstGeom prst="rect">
+            <a:avLst/>
+          </a:prstGeom>
+          <a:noFill/>
+          <a:extLst>
+            <a:ext uri="{909E8E84-426E-40DD-AFC4-6F175D3DCCD1}">
+              <a14:hiddenFill xmlns:a14="http://schemas.microsoft.com/office/drawing/2010/main">
+                <a:solidFill>
+                  <a:srgbClr val="FFFFFF"/>
+                </a:solidFill>
+              </a14:hiddenFill>
+            </a:ext>
+          </a:extLst>
+        </p:spPr>
+      </p:pic>
+      <p:cxnSp>
+        <p:nvCxnSpPr>
+          <p:cNvPr id="1115" name="Gerader Verbinder 1114">
+            <a:extLst>
+              <a:ext uri="{FF2B5EF4-FFF2-40B4-BE49-F238E27FC236}">
+                <a16:creationId xmlns:a16="http://schemas.microsoft.com/office/drawing/2014/main" id="{187EFB1C-52EA-5C15-528C-70D046A5BA9F}"/>
+              </a:ext>
+            </a:extLst>
+          </p:cNvPr>
+          <p:cNvCxnSpPr/>
+          <p:nvPr/>
+        </p:nvCxnSpPr>
+        <p:spPr>
+          <a:xfrm>
+            <a:off x="453824" y="980595"/>
+            <a:ext cx="0" cy="546982"/>
+          </a:xfrm>
+          <a:prstGeom prst="line">
+            <a:avLst/>
+          </a:prstGeom>
+          <a:ln>
+            <a:solidFill>
+              <a:srgbClr val="00172B"/>
+            </a:solidFill>
+          </a:ln>
+        </p:spPr>
+        <p:style>
+          <a:lnRef idx="2">
+            <a:schemeClr val="accent1"/>
+          </a:lnRef>
+          <a:fillRef idx="0">
+            <a:schemeClr val="accent1"/>
+          </a:fillRef>
+          <a:effectRef idx="1">
+            <a:schemeClr val="accent1"/>
+          </a:effectRef>
+          <a:fontRef idx="minor">
+            <a:schemeClr val="tx1"/>
+          </a:fontRef>
+        </p:style>
+      </p:cxnSp>
+    </p:spTree>
+    <p:extLst>
+      <p:ext uri="{BB962C8B-B14F-4D97-AF65-F5344CB8AC3E}">
+        <p14:creationId xmlns:p14="http://schemas.microsoft.com/office/powerpoint/2010/main" val="3984706406"/>
+      </p:ext>
+    </p:extLst>
+  </p:cSld>
+  <p:clrMapOvr>
+    <a:masterClrMapping/>
+  </p:clrMapOvr>
+</p:sld>
+</file>
+
+<file path=ppt/slides/slide21.xml><?xml version="1.0" encoding="utf-8"?>
+<p:sld xmlns:a="http://schemas.openxmlformats.org/drawingml/2006/main" xmlns:r="http://schemas.openxmlformats.org/officeDocument/2006/relationships" xmlns:p="http://schemas.openxmlformats.org/presentationml/2006/main">
+  <p:cSld>
+    <p:spTree>
+      <p:nvGrpSpPr>
+        <p:cNvPr id="1" name="">
+          <a:extLst>
+            <a:ext uri="{FF2B5EF4-FFF2-40B4-BE49-F238E27FC236}">
               <a16:creationId xmlns:a16="http://schemas.microsoft.com/office/drawing/2014/main" id="{79F8F4B1-8B4E-6BDF-8DB1-14D2D81850E0}"/>
             </a:ext>
           </a:extLst>
@@ -30040,7 +31362,7 @@
 </p:sld>
 </file>
 
-<file path=ppt/slides/slide21.xml><?xml version="1.0" encoding="utf-8"?>
+<file path=ppt/slides/slide22.xml><?xml version="1.0" encoding="utf-8"?>
 <p:sld xmlns:a="http://schemas.openxmlformats.org/drawingml/2006/main" xmlns:r="http://schemas.openxmlformats.org/officeDocument/2006/relationships" xmlns:p="http://schemas.openxmlformats.org/presentationml/2006/main">
   <p:cSld>
     <p:spTree>
@@ -32187,7 +33509,7 @@
 </p:sld>
 </file>
 
-<file path=ppt/slides/slide22.xml><?xml version="1.0" encoding="utf-8"?>
+<file path=ppt/slides/slide23.xml><?xml version="1.0" encoding="utf-8"?>
 <p:sld xmlns:a="http://schemas.openxmlformats.org/drawingml/2006/main" xmlns:r="http://schemas.openxmlformats.org/officeDocument/2006/relationships" xmlns:p="http://schemas.openxmlformats.org/presentationml/2006/main">
   <p:cSld>
     <p:spTree>
@@ -34605,7 +35927,7 @@
 </p:sld>
 </file>
 
-<file path=ppt/slides/slide23.xml><?xml version="1.0" encoding="utf-8"?>
+<file path=ppt/slides/slide24.xml><?xml version="1.0" encoding="utf-8"?>
 <p:sld xmlns:a="http://schemas.openxmlformats.org/drawingml/2006/main" xmlns:r="http://schemas.openxmlformats.org/officeDocument/2006/relationships" xmlns:p="http://schemas.openxmlformats.org/presentationml/2006/main">
   <p:cSld>
     <p:spTree>
@@ -35430,7 +36752,7 @@
 </p:sld>
 </file>
 
-<file path=ppt/slides/slide24.xml><?xml version="1.0" encoding="utf-8"?>
+<file path=ppt/slides/slide25.xml><?xml version="1.0" encoding="utf-8"?>
 <p:sld xmlns:a="http://schemas.openxmlformats.org/drawingml/2006/main" xmlns:r="http://schemas.openxmlformats.org/officeDocument/2006/relationships" xmlns:p="http://schemas.openxmlformats.org/presentationml/2006/main">
   <p:cSld>
     <p:spTree>
@@ -37297,7 +38619,7 @@
 </p:sld>
 </file>
 
-<file path=ppt/slides/slide25.xml><?xml version="1.0" encoding="utf-8"?>
+<file path=ppt/slides/slide26.xml><?xml version="1.0" encoding="utf-8"?>
 <p:sld xmlns:a="http://schemas.openxmlformats.org/drawingml/2006/main" xmlns:r="http://schemas.openxmlformats.org/officeDocument/2006/relationships" xmlns:p="http://schemas.openxmlformats.org/presentationml/2006/main">
   <p:cSld>
     <p:spTree>
@@ -39998,7 +41320,7 @@
 </p:sld>
 </file>
 
-<file path=ppt/slides/slide26.xml><?xml version="1.0" encoding="utf-8"?>
+<file path=ppt/slides/slide27.xml><?xml version="1.0" encoding="utf-8"?>
 <p:sld xmlns:a="http://schemas.openxmlformats.org/drawingml/2006/main" xmlns:r="http://schemas.openxmlformats.org/officeDocument/2006/relationships" xmlns:p="http://schemas.openxmlformats.org/presentationml/2006/main">
   <p:cSld>
     <p:spTree>
